--- a/Lab-Designs.pptx
+++ b/Lab-Designs.pptx
@@ -290,6 +290,7 @@
           <a:p>
             <a:fld id="{78E1F05C-0397-4A0F-A451-2FD85460A4C7}" type="datetimeFigureOut">
               <a:rPr lang="en-US" smtClean="0"/>
+              <a:pPr/>
               <a:t>4/8/2020</a:t>
             </a:fld>
             <a:endParaRPr lang="en-IN"/>
@@ -332,6 +333,7 @@
           <a:p>
             <a:fld id="{DCB4ECB1-6FF3-4852-8E03-927946154CDB}" type="slidenum">
               <a:rPr lang="en-IN" smtClean="0"/>
+              <a:pPr/>
               <a:t>‹#›</a:t>
             </a:fld>
             <a:endParaRPr lang="en-IN"/>
@@ -455,6 +457,7 @@
           <a:p>
             <a:fld id="{78E1F05C-0397-4A0F-A451-2FD85460A4C7}" type="datetimeFigureOut">
               <a:rPr lang="en-US" smtClean="0"/>
+              <a:pPr/>
               <a:t>4/8/2020</a:t>
             </a:fld>
             <a:endParaRPr lang="en-IN"/>
@@ -497,6 +500,7 @@
           <a:p>
             <a:fld id="{DCB4ECB1-6FF3-4852-8E03-927946154CDB}" type="slidenum">
               <a:rPr lang="en-IN" smtClean="0"/>
+              <a:pPr/>
               <a:t>‹#›</a:t>
             </a:fld>
             <a:endParaRPr lang="en-IN"/>
@@ -630,6 +634,7 @@
           <a:p>
             <a:fld id="{78E1F05C-0397-4A0F-A451-2FD85460A4C7}" type="datetimeFigureOut">
               <a:rPr lang="en-US" smtClean="0"/>
+              <a:pPr/>
               <a:t>4/8/2020</a:t>
             </a:fld>
             <a:endParaRPr lang="en-IN"/>
@@ -672,6 +677,7 @@
           <a:p>
             <a:fld id="{DCB4ECB1-6FF3-4852-8E03-927946154CDB}" type="slidenum">
               <a:rPr lang="en-IN" smtClean="0"/>
+              <a:pPr/>
               <a:t>‹#›</a:t>
             </a:fld>
             <a:endParaRPr lang="en-IN"/>
@@ -795,6 +801,7 @@
           <a:p>
             <a:fld id="{78E1F05C-0397-4A0F-A451-2FD85460A4C7}" type="datetimeFigureOut">
               <a:rPr lang="en-US" smtClean="0"/>
+              <a:pPr/>
               <a:t>4/8/2020</a:t>
             </a:fld>
             <a:endParaRPr lang="en-IN"/>
@@ -837,6 +844,7 @@
           <a:p>
             <a:fld id="{DCB4ECB1-6FF3-4852-8E03-927946154CDB}" type="slidenum">
               <a:rPr lang="en-IN" smtClean="0"/>
+              <a:pPr/>
               <a:t>‹#›</a:t>
             </a:fld>
             <a:endParaRPr lang="en-IN"/>
@@ -1036,6 +1044,7 @@
           <a:p>
             <a:fld id="{78E1F05C-0397-4A0F-A451-2FD85460A4C7}" type="datetimeFigureOut">
               <a:rPr lang="en-US" smtClean="0"/>
+              <a:pPr/>
               <a:t>4/8/2020</a:t>
             </a:fld>
             <a:endParaRPr lang="en-IN"/>
@@ -1078,6 +1087,7 @@
           <a:p>
             <a:fld id="{DCB4ECB1-6FF3-4852-8E03-927946154CDB}" type="slidenum">
               <a:rPr lang="en-IN" smtClean="0"/>
+              <a:pPr/>
               <a:t>‹#›</a:t>
             </a:fld>
             <a:endParaRPr lang="en-IN"/>
@@ -1319,6 +1329,7 @@
           <a:p>
             <a:fld id="{78E1F05C-0397-4A0F-A451-2FD85460A4C7}" type="datetimeFigureOut">
               <a:rPr lang="en-US" smtClean="0"/>
+              <a:pPr/>
               <a:t>4/8/2020</a:t>
             </a:fld>
             <a:endParaRPr lang="en-IN"/>
@@ -1361,6 +1372,7 @@
           <a:p>
             <a:fld id="{DCB4ECB1-6FF3-4852-8E03-927946154CDB}" type="slidenum">
               <a:rPr lang="en-IN" smtClean="0"/>
+              <a:pPr/>
               <a:t>‹#›</a:t>
             </a:fld>
             <a:endParaRPr lang="en-IN"/>
@@ -1736,6 +1748,7 @@
           <a:p>
             <a:fld id="{78E1F05C-0397-4A0F-A451-2FD85460A4C7}" type="datetimeFigureOut">
               <a:rPr lang="en-US" smtClean="0"/>
+              <a:pPr/>
               <a:t>4/8/2020</a:t>
             </a:fld>
             <a:endParaRPr lang="en-IN"/>
@@ -1778,6 +1791,7 @@
           <a:p>
             <a:fld id="{DCB4ECB1-6FF3-4852-8E03-927946154CDB}" type="slidenum">
               <a:rPr lang="en-IN" smtClean="0"/>
+              <a:pPr/>
               <a:t>‹#›</a:t>
             </a:fld>
             <a:endParaRPr lang="en-IN"/>
@@ -1849,6 +1863,7 @@
           <a:p>
             <a:fld id="{78E1F05C-0397-4A0F-A451-2FD85460A4C7}" type="datetimeFigureOut">
               <a:rPr lang="en-US" smtClean="0"/>
+              <a:pPr/>
               <a:t>4/8/2020</a:t>
             </a:fld>
             <a:endParaRPr lang="en-IN"/>
@@ -1891,6 +1906,7 @@
           <a:p>
             <a:fld id="{DCB4ECB1-6FF3-4852-8E03-927946154CDB}" type="slidenum">
               <a:rPr lang="en-IN" smtClean="0"/>
+              <a:pPr/>
               <a:t>‹#›</a:t>
             </a:fld>
             <a:endParaRPr lang="en-IN"/>
@@ -1939,6 +1955,7 @@
           <a:p>
             <a:fld id="{78E1F05C-0397-4A0F-A451-2FD85460A4C7}" type="datetimeFigureOut">
               <a:rPr lang="en-US" smtClean="0"/>
+              <a:pPr/>
               <a:t>4/8/2020</a:t>
             </a:fld>
             <a:endParaRPr lang="en-IN"/>
@@ -1981,6 +1998,7 @@
           <a:p>
             <a:fld id="{DCB4ECB1-6FF3-4852-8E03-927946154CDB}" type="slidenum">
               <a:rPr lang="en-IN" smtClean="0"/>
+              <a:pPr/>
               <a:t>‹#›</a:t>
             </a:fld>
             <a:endParaRPr lang="en-IN"/>
@@ -2211,6 +2229,7 @@
           <a:p>
             <a:fld id="{78E1F05C-0397-4A0F-A451-2FD85460A4C7}" type="datetimeFigureOut">
               <a:rPr lang="en-US" smtClean="0"/>
+              <a:pPr/>
               <a:t>4/8/2020</a:t>
             </a:fld>
             <a:endParaRPr lang="en-IN"/>
@@ -2253,6 +2272,7 @@
           <a:p>
             <a:fld id="{DCB4ECB1-6FF3-4852-8E03-927946154CDB}" type="slidenum">
               <a:rPr lang="en-IN" smtClean="0"/>
+              <a:pPr/>
               <a:t>‹#›</a:t>
             </a:fld>
             <a:endParaRPr lang="en-IN"/>
@@ -2459,6 +2479,7 @@
           <a:p>
             <a:fld id="{78E1F05C-0397-4A0F-A451-2FD85460A4C7}" type="datetimeFigureOut">
               <a:rPr lang="en-US" smtClean="0"/>
+              <a:pPr/>
               <a:t>4/8/2020</a:t>
             </a:fld>
             <a:endParaRPr lang="en-IN"/>
@@ -2501,6 +2522,7 @@
           <a:p>
             <a:fld id="{DCB4ECB1-6FF3-4852-8E03-927946154CDB}" type="slidenum">
               <a:rPr lang="en-IN" smtClean="0"/>
+              <a:pPr/>
               <a:t>‹#›</a:t>
             </a:fld>
             <a:endParaRPr lang="en-IN"/>
@@ -2667,6 +2689,7 @@
           <a:p>
             <a:fld id="{78E1F05C-0397-4A0F-A451-2FD85460A4C7}" type="datetimeFigureOut">
               <a:rPr lang="en-US" smtClean="0"/>
+              <a:pPr/>
               <a:t>4/8/2020</a:t>
             </a:fld>
             <a:endParaRPr lang="en-IN"/>
@@ -2745,6 +2768,7 @@
           <a:p>
             <a:fld id="{DCB4ECB1-6FF3-4852-8E03-927946154CDB}" type="slidenum">
               <a:rPr lang="en-IN" smtClean="0"/>
+              <a:pPr/>
               <a:t>‹#›</a:t>
             </a:fld>
             <a:endParaRPr lang="en-IN"/>

--- a/Lab-Designs.pptx
+++ b/Lab-Designs.pptx
@@ -3484,6 +3484,42 @@
           </a:fontRef>
         </p:style>
       </p:cxnSp>
+      <p:cxnSp>
+        <p:nvCxnSpPr>
+          <p:cNvPr id="13" name="Straight Arrow Connector 12"/>
+          <p:cNvCxnSpPr>
+            <a:stCxn id="7" idx="3"/>
+            <a:endCxn id="20" idx="1"/>
+          </p:cNvCxnSpPr>
+          <p:nvPr/>
+        </p:nvCxnSpPr>
+        <p:spPr>
+          <a:xfrm>
+            <a:off x="1643042" y="2178835"/>
+            <a:ext cx="500066" cy="1588"/>
+          </a:xfrm>
+          <a:prstGeom prst="straightConnector1">
+            <a:avLst/>
+          </a:prstGeom>
+          <a:ln>
+            <a:tailEnd type="arrow"/>
+          </a:ln>
+        </p:spPr>
+        <p:style>
+          <a:lnRef idx="1">
+            <a:schemeClr val="accent1"/>
+          </a:lnRef>
+          <a:fillRef idx="0">
+            <a:schemeClr val="accent1"/>
+          </a:fillRef>
+          <a:effectRef idx="0">
+            <a:schemeClr val="accent1"/>
+          </a:effectRef>
+          <a:fontRef idx="minor">
+            <a:schemeClr val="tx1"/>
+          </a:fontRef>
+        </p:style>
+      </p:cxnSp>
     </p:spTree>
   </p:cSld>
   <p:clrMapOvr>

--- a/Lab-Designs.pptx
+++ b/Lab-Designs.pptx
@@ -3342,7 +3342,7 @@
         </p:nvSpPr>
         <p:spPr>
           <a:xfrm>
-            <a:off x="2143108" y="1857364"/>
+            <a:off x="3000364" y="1857364"/>
             <a:ext cx="1357322" cy="642942"/>
           </a:xfrm>
           <a:prstGeom prst="roundRect">
@@ -3387,8 +3387,8 @@
         </p:nvCxnSpPr>
         <p:spPr>
           <a:xfrm rot="5400000">
-            <a:off x="538115" y="2931296"/>
-            <a:ext cx="2714644" cy="1852665"/>
+            <a:off x="966743" y="2502668"/>
+            <a:ext cx="2714644" cy="2709921"/>
           </a:xfrm>
           <a:prstGeom prst="straightConnector1">
             <a:avLst/>
@@ -3423,8 +3423,8 @@
         </p:nvCxnSpPr>
         <p:spPr>
           <a:xfrm rot="5400000">
-            <a:off x="1125117" y="3518298"/>
-            <a:ext cx="2714644" cy="678661"/>
+            <a:off x="1553745" y="3089670"/>
+            <a:ext cx="2714644" cy="1535917"/>
           </a:xfrm>
           <a:prstGeom prst="straightConnector1">
             <a:avLst/>
@@ -3496,7 +3496,7 @@
         <p:spPr>
           <a:xfrm>
             <a:off x="1643042" y="2178835"/>
-            <a:ext cx="500066" cy="1588"/>
+            <a:ext cx="1357322" cy="1588"/>
           </a:xfrm>
           <a:prstGeom prst="straightConnector1">
             <a:avLst/>
@@ -3520,6 +3520,90 @@
           </a:fontRef>
         </p:style>
       </p:cxnSp>
+      <p:sp>
+        <p:nvSpPr>
+          <p:cNvPr id="14" name="Oval 13"/>
+          <p:cNvSpPr/>
+          <p:nvPr/>
+        </p:nvSpPr>
+        <p:spPr>
+          <a:xfrm>
+            <a:off x="1285852" y="1643050"/>
+            <a:ext cx="857256" cy="357190"/>
+          </a:xfrm>
+          <a:prstGeom prst="ellipse">
+            <a:avLst/>
+          </a:prstGeom>
+        </p:spPr>
+        <p:style>
+          <a:lnRef idx="2">
+            <a:schemeClr val="accent2"/>
+          </a:lnRef>
+          <a:fillRef idx="1">
+            <a:schemeClr val="lt1"/>
+          </a:fillRef>
+          <a:effectRef idx="0">
+            <a:schemeClr val="accent2"/>
+          </a:effectRef>
+          <a:fontRef idx="minor">
+            <a:schemeClr val="dk1"/>
+          </a:fontRef>
+        </p:style>
+        <p:txBody>
+          <a:bodyPr rtlCol="0" anchor="ctr"/>
+          <a:lstStyle/>
+          <a:p>
+            <a:pPr algn="ctr"/>
+            <a:r>
+              <a:rPr lang="en-IN" sz="1050" dirty="0" smtClean="0"/>
+              <a:t>Ribbon</a:t>
+            </a:r>
+            <a:endParaRPr lang="en-IN" sz="1050" dirty="0"/>
+          </a:p>
+        </p:txBody>
+      </p:sp>
+      <p:sp>
+        <p:nvSpPr>
+          <p:cNvPr id="15" name="Oval 14"/>
+          <p:cNvSpPr/>
+          <p:nvPr/>
+        </p:nvSpPr>
+        <p:spPr>
+          <a:xfrm>
+            <a:off x="1428728" y="2285992"/>
+            <a:ext cx="857256" cy="357190"/>
+          </a:xfrm>
+          <a:prstGeom prst="ellipse">
+            <a:avLst/>
+          </a:prstGeom>
+        </p:spPr>
+        <p:style>
+          <a:lnRef idx="2">
+            <a:schemeClr val="accent2"/>
+          </a:lnRef>
+          <a:fillRef idx="1">
+            <a:schemeClr val="lt1"/>
+          </a:fillRef>
+          <a:effectRef idx="0">
+            <a:schemeClr val="accent2"/>
+          </a:effectRef>
+          <a:fontRef idx="minor">
+            <a:schemeClr val="dk1"/>
+          </a:fontRef>
+        </p:style>
+        <p:txBody>
+          <a:bodyPr rtlCol="0" anchor="ctr"/>
+          <a:lstStyle/>
+          <a:p>
+            <a:pPr algn="ctr"/>
+            <a:r>
+              <a:rPr lang="en-IN" sz="1050" dirty="0" smtClean="0"/>
+              <a:t>Hystrix</a:t>
+            </a:r>
+            <a:endParaRPr lang="en-IN" sz="1050" dirty="0"/>
+          </a:p>
+        </p:txBody>
+      </p:sp>
     </p:spTree>
   </p:cSld>
   <p:clrMapOvr>

--- a/Lab-Designs.pptx
+++ b/Lab-Designs.pptx
@@ -3102,7 +3102,7 @@
         </p:nvSpPr>
         <p:spPr>
           <a:xfrm>
-            <a:off x="469038" y="5214950"/>
+            <a:off x="1183418" y="5214950"/>
             <a:ext cx="1000132" cy="642942"/>
           </a:xfrm>
           <a:prstGeom prst="roundRect">
@@ -3144,7 +3144,7 @@
         </p:nvSpPr>
         <p:spPr>
           <a:xfrm>
-            <a:off x="285720" y="1857364"/>
+            <a:off x="2714612" y="1857364"/>
             <a:ext cx="1357322" cy="642942"/>
           </a:xfrm>
           <a:prstGeom prst="roundRect">
@@ -3188,9 +3188,9 @@
           <p:nvPr/>
         </p:nvCxnSpPr>
         <p:spPr>
-          <a:xfrm rot="16200000" flipH="1">
-            <a:off x="-390580" y="3855266"/>
-            <a:ext cx="2714644" cy="4723"/>
+          <a:xfrm rot="5400000">
+            <a:off x="1181057" y="3002734"/>
+            <a:ext cx="2714644" cy="1709789"/>
           </a:xfrm>
           <a:prstGeom prst="straightConnector1">
             <a:avLst/>
@@ -3222,7 +3222,7 @@
         </p:nvSpPr>
         <p:spPr>
           <a:xfrm>
-            <a:off x="500034" y="214290"/>
+            <a:off x="2928926" y="214290"/>
             <a:ext cx="928694" cy="714380"/>
           </a:xfrm>
           <a:prstGeom prst="can">
@@ -3267,7 +3267,7 @@
         </p:nvCxnSpPr>
         <p:spPr>
           <a:xfrm rot="5400000" flipH="1" flipV="1">
-            <a:off x="500034" y="1393017"/>
+            <a:off x="2928926" y="1393017"/>
             <a:ext cx="928694" cy="1588"/>
           </a:xfrm>
           <a:prstGeom prst="straightConnector1">
@@ -3300,7 +3300,7 @@
         </p:nvSpPr>
         <p:spPr>
           <a:xfrm>
-            <a:off x="1643042" y="5214950"/>
+            <a:off x="2357422" y="5214950"/>
             <a:ext cx="1000132" cy="642942"/>
           </a:xfrm>
           <a:prstGeom prst="roundRect">
@@ -3342,7 +3342,7 @@
         </p:nvSpPr>
         <p:spPr>
           <a:xfrm>
-            <a:off x="3000364" y="1857364"/>
+            <a:off x="5429256" y="1857364"/>
             <a:ext cx="1357322" cy="642942"/>
           </a:xfrm>
           <a:prstGeom prst="roundRect">
@@ -3387,8 +3387,8 @@
         </p:nvCxnSpPr>
         <p:spPr>
           <a:xfrm rot="5400000">
-            <a:off x="966743" y="2502668"/>
-            <a:ext cx="2714644" cy="2709921"/>
+            <a:off x="2538379" y="1645412"/>
+            <a:ext cx="2714644" cy="4424433"/>
           </a:xfrm>
           <a:prstGeom prst="straightConnector1">
             <a:avLst/>
@@ -3423,8 +3423,8 @@
         </p:nvCxnSpPr>
         <p:spPr>
           <a:xfrm rot="5400000">
-            <a:off x="1553745" y="3089670"/>
-            <a:ext cx="2714644" cy="1535917"/>
+            <a:off x="3125381" y="2232414"/>
+            <a:ext cx="2714644" cy="3250429"/>
           </a:xfrm>
           <a:prstGeom prst="straightConnector1">
             <a:avLst/>
@@ -3458,9 +3458,9 @@
           <p:nvPr/>
         </p:nvCxnSpPr>
         <p:spPr>
-          <a:xfrm rot="16200000" flipH="1">
-            <a:off x="196422" y="3268264"/>
-            <a:ext cx="2714644" cy="1178727"/>
+          <a:xfrm rot="5400000">
+            <a:off x="1768059" y="3589736"/>
+            <a:ext cx="2714644" cy="535785"/>
           </a:xfrm>
           <a:prstGeom prst="straightConnector1">
             <a:avLst/>
@@ -3495,7 +3495,7 @@
         </p:nvCxnSpPr>
         <p:spPr>
           <a:xfrm>
-            <a:off x="1643042" y="2178835"/>
+            <a:off x="4071934" y="2178835"/>
             <a:ext cx="1357322" cy="1588"/>
           </a:xfrm>
           <a:prstGeom prst="straightConnector1">
@@ -3528,8 +3528,8 @@
         </p:nvSpPr>
         <p:spPr>
           <a:xfrm>
-            <a:off x="1285852" y="1643050"/>
-            <a:ext cx="857256" cy="357190"/>
+            <a:off x="3714744" y="1500174"/>
+            <a:ext cx="1428760" cy="428628"/>
           </a:xfrm>
           <a:prstGeom prst="ellipse">
             <a:avLst/>
@@ -3556,7 +3556,7 @@
             <a:pPr algn="ctr"/>
             <a:r>
               <a:rPr lang="en-IN" sz="1050" dirty="0" smtClean="0"/>
-              <a:t>Ribbon</a:t>
+              <a:t>Ribbon/Feign</a:t>
             </a:r>
             <a:endParaRPr lang="en-IN" sz="1050" dirty="0"/>
           </a:p>
@@ -3570,7 +3570,7 @@
         </p:nvSpPr>
         <p:spPr>
           <a:xfrm>
-            <a:off x="1428728" y="2285992"/>
+            <a:off x="3857620" y="2285992"/>
             <a:ext cx="857256" cy="357190"/>
           </a:xfrm>
           <a:prstGeom prst="ellipse">
@@ -3604,6 +3604,306 @@
           </a:p>
         </p:txBody>
       </p:sp>
+      <p:sp>
+        <p:nvSpPr>
+          <p:cNvPr id="16" name="Rounded Rectangle 15"/>
+          <p:cNvSpPr/>
+          <p:nvPr/>
+        </p:nvSpPr>
+        <p:spPr>
+          <a:xfrm>
+            <a:off x="285720" y="1857364"/>
+            <a:ext cx="1357322" cy="642942"/>
+          </a:xfrm>
+          <a:prstGeom prst="roundRect">
+            <a:avLst/>
+          </a:prstGeom>
+        </p:spPr>
+        <p:style>
+          <a:lnRef idx="3">
+            <a:schemeClr val="lt1"/>
+          </a:lnRef>
+          <a:fillRef idx="1">
+            <a:schemeClr val="accent5"/>
+          </a:fillRef>
+          <a:effectRef idx="1">
+            <a:schemeClr val="accent5"/>
+          </a:effectRef>
+          <a:fontRef idx="minor">
+            <a:schemeClr val="lt1"/>
+          </a:fontRef>
+        </p:style>
+        <p:txBody>
+          <a:bodyPr rtlCol="0" anchor="ctr"/>
+          <a:lstStyle/>
+          <a:p>
+            <a:pPr algn="ctr"/>
+            <a:r>
+              <a:rPr lang="en-IN" dirty="0" smtClean="0"/>
+              <a:t>apigateway</a:t>
+            </a:r>
+            <a:endParaRPr lang="en-IN" dirty="0"/>
+          </a:p>
+        </p:txBody>
+      </p:sp>
+      <p:cxnSp>
+        <p:nvCxnSpPr>
+          <p:cNvPr id="17" name="Straight Arrow Connector 16"/>
+          <p:cNvCxnSpPr>
+            <a:stCxn id="16" idx="2"/>
+            <a:endCxn id="6" idx="0"/>
+          </p:cNvCxnSpPr>
+          <p:nvPr/>
+        </p:nvCxnSpPr>
+        <p:spPr>
+          <a:xfrm rot="16200000" flipH="1">
+            <a:off x="-33390" y="3498076"/>
+            <a:ext cx="2714644" cy="719103"/>
+          </a:xfrm>
+          <a:prstGeom prst="straightConnector1">
+            <a:avLst/>
+          </a:prstGeom>
+          <a:ln>
+            <a:tailEnd type="arrow"/>
+          </a:ln>
+        </p:spPr>
+        <p:style>
+          <a:lnRef idx="1">
+            <a:schemeClr val="accent1"/>
+          </a:lnRef>
+          <a:fillRef idx="0">
+            <a:schemeClr val="accent1"/>
+          </a:fillRef>
+          <a:effectRef idx="0">
+            <a:schemeClr val="accent1"/>
+          </a:effectRef>
+          <a:fontRef idx="minor">
+            <a:schemeClr val="tx1"/>
+          </a:fontRef>
+        </p:style>
+      </p:cxnSp>
+      <p:cxnSp>
+        <p:nvCxnSpPr>
+          <p:cNvPr id="23" name="Straight Arrow Connector 22"/>
+          <p:cNvCxnSpPr>
+            <a:stCxn id="16" idx="2"/>
+            <a:endCxn id="19" idx="0"/>
+          </p:cNvCxnSpPr>
+          <p:nvPr/>
+        </p:nvCxnSpPr>
+        <p:spPr>
+          <a:xfrm rot="16200000" flipH="1">
+            <a:off x="553612" y="2911074"/>
+            <a:ext cx="2714644" cy="1893107"/>
+          </a:xfrm>
+          <a:prstGeom prst="straightConnector1">
+            <a:avLst/>
+          </a:prstGeom>
+          <a:ln>
+            <a:tailEnd type="arrow"/>
+          </a:ln>
+        </p:spPr>
+        <p:style>
+          <a:lnRef idx="1">
+            <a:schemeClr val="accent1"/>
+          </a:lnRef>
+          <a:fillRef idx="0">
+            <a:schemeClr val="accent1"/>
+          </a:fillRef>
+          <a:effectRef idx="0">
+            <a:schemeClr val="accent1"/>
+          </a:effectRef>
+          <a:fontRef idx="minor">
+            <a:schemeClr val="tx1"/>
+          </a:fontRef>
+        </p:style>
+      </p:cxnSp>
+      <p:cxnSp>
+        <p:nvCxnSpPr>
+          <p:cNvPr id="30" name="Straight Arrow Connector 29"/>
+          <p:cNvCxnSpPr>
+            <a:stCxn id="16" idx="3"/>
+            <a:endCxn id="7" idx="1"/>
+          </p:cNvCxnSpPr>
+          <p:nvPr/>
+        </p:nvCxnSpPr>
+        <p:spPr>
+          <a:xfrm>
+            <a:off x="1643042" y="2178835"/>
+            <a:ext cx="1071570" cy="1588"/>
+          </a:xfrm>
+          <a:prstGeom prst="straightConnector1">
+            <a:avLst/>
+          </a:prstGeom>
+          <a:ln>
+            <a:tailEnd type="arrow"/>
+          </a:ln>
+        </p:spPr>
+        <p:style>
+          <a:lnRef idx="1">
+            <a:schemeClr val="accent1"/>
+          </a:lnRef>
+          <a:fillRef idx="0">
+            <a:schemeClr val="accent1"/>
+          </a:fillRef>
+          <a:effectRef idx="0">
+            <a:schemeClr val="accent1"/>
+          </a:effectRef>
+          <a:fontRef idx="minor">
+            <a:schemeClr val="tx1"/>
+          </a:fontRef>
+        </p:style>
+      </p:cxnSp>
+      <p:sp>
+        <p:nvSpPr>
+          <p:cNvPr id="36" name="Rounded Rectangle 35"/>
+          <p:cNvSpPr/>
+          <p:nvPr/>
+        </p:nvSpPr>
+        <p:spPr>
+          <a:xfrm>
+            <a:off x="3571868" y="5214950"/>
+            <a:ext cx="1000132" cy="642942"/>
+          </a:xfrm>
+          <a:prstGeom prst="roundRect">
+            <a:avLst/>
+          </a:prstGeom>
+        </p:spPr>
+        <p:style>
+          <a:lnRef idx="3">
+            <a:schemeClr val="lt1"/>
+          </a:lnRef>
+          <a:fillRef idx="1">
+            <a:schemeClr val="accent6"/>
+          </a:fillRef>
+          <a:effectRef idx="1">
+            <a:schemeClr val="accent6"/>
+          </a:effectRef>
+          <a:fontRef idx="minor">
+            <a:schemeClr val="lt1"/>
+          </a:fontRef>
+        </p:style>
+        <p:txBody>
+          <a:bodyPr rtlCol="0" anchor="ctr"/>
+          <a:lstStyle/>
+          <a:p>
+            <a:pPr algn="ctr"/>
+            <a:r>
+              <a:rPr lang="en-IN" dirty="0" smtClean="0"/>
+              <a:t>Config Server</a:t>
+            </a:r>
+            <a:endParaRPr lang="en-IN" dirty="0"/>
+          </a:p>
+        </p:txBody>
+      </p:sp>
+      <p:cxnSp>
+        <p:nvCxnSpPr>
+          <p:cNvPr id="37" name="Straight Arrow Connector 36"/>
+          <p:cNvCxnSpPr>
+            <a:stCxn id="16" idx="2"/>
+            <a:endCxn id="36" idx="0"/>
+          </p:cNvCxnSpPr>
+          <p:nvPr/>
+        </p:nvCxnSpPr>
+        <p:spPr>
+          <a:xfrm rot="16200000" flipH="1">
+            <a:off x="1160835" y="2303851"/>
+            <a:ext cx="2714644" cy="3107553"/>
+          </a:xfrm>
+          <a:prstGeom prst="straightConnector1">
+            <a:avLst/>
+          </a:prstGeom>
+          <a:ln>
+            <a:tailEnd type="arrow"/>
+          </a:ln>
+        </p:spPr>
+        <p:style>
+          <a:lnRef idx="1">
+            <a:schemeClr val="accent1"/>
+          </a:lnRef>
+          <a:fillRef idx="0">
+            <a:schemeClr val="accent1"/>
+          </a:fillRef>
+          <a:effectRef idx="0">
+            <a:schemeClr val="accent1"/>
+          </a:effectRef>
+          <a:fontRef idx="minor">
+            <a:schemeClr val="tx1"/>
+          </a:fontRef>
+        </p:style>
+      </p:cxnSp>
+      <p:cxnSp>
+        <p:nvCxnSpPr>
+          <p:cNvPr id="40" name="Straight Arrow Connector 39"/>
+          <p:cNvCxnSpPr>
+            <a:stCxn id="7" idx="2"/>
+            <a:endCxn id="36" idx="0"/>
+          </p:cNvCxnSpPr>
+          <p:nvPr/>
+        </p:nvCxnSpPr>
+        <p:spPr>
+          <a:xfrm rot="16200000" flipH="1">
+            <a:off x="2375281" y="3518297"/>
+            <a:ext cx="2714644" cy="678661"/>
+          </a:xfrm>
+          <a:prstGeom prst="straightConnector1">
+            <a:avLst/>
+          </a:prstGeom>
+          <a:ln>
+            <a:tailEnd type="arrow"/>
+          </a:ln>
+        </p:spPr>
+        <p:style>
+          <a:lnRef idx="1">
+            <a:schemeClr val="accent1"/>
+          </a:lnRef>
+          <a:fillRef idx="0">
+            <a:schemeClr val="accent1"/>
+          </a:fillRef>
+          <a:effectRef idx="0">
+            <a:schemeClr val="accent1"/>
+          </a:effectRef>
+          <a:fontRef idx="minor">
+            <a:schemeClr val="tx1"/>
+          </a:fontRef>
+        </p:style>
+      </p:cxnSp>
+      <p:cxnSp>
+        <p:nvCxnSpPr>
+          <p:cNvPr id="43" name="Straight Arrow Connector 42"/>
+          <p:cNvCxnSpPr>
+            <a:stCxn id="20" idx="2"/>
+            <a:endCxn id="36" idx="0"/>
+          </p:cNvCxnSpPr>
+          <p:nvPr/>
+        </p:nvCxnSpPr>
+        <p:spPr>
+          <a:xfrm rot="5400000">
+            <a:off x="3732604" y="2839637"/>
+            <a:ext cx="2714644" cy="2035983"/>
+          </a:xfrm>
+          <a:prstGeom prst="straightConnector1">
+            <a:avLst/>
+          </a:prstGeom>
+          <a:ln>
+            <a:tailEnd type="arrow"/>
+          </a:ln>
+        </p:spPr>
+        <p:style>
+          <a:lnRef idx="1">
+            <a:schemeClr val="accent1"/>
+          </a:lnRef>
+          <a:fillRef idx="0">
+            <a:schemeClr val="accent1"/>
+          </a:fillRef>
+          <a:effectRef idx="0">
+            <a:schemeClr val="accent1"/>
+          </a:effectRef>
+          <a:fontRef idx="minor">
+            <a:schemeClr val="tx1"/>
+          </a:fontRef>
+        </p:style>
+      </p:cxnSp>
     </p:spTree>
   </p:cSld>
   <p:clrMapOvr>

--- a/Lab-Designs.pptx
+++ b/Lab-Designs.pptx
@@ -3196,6 +3196,7 @@
             <a:avLst/>
           </a:prstGeom>
           <a:ln>
+            <a:prstDash val="sysDot"/>
             <a:tailEnd type="arrow"/>
           </a:ln>
         </p:spPr>
@@ -3222,7 +3223,7 @@
         </p:nvSpPr>
         <p:spPr>
           <a:xfrm>
-            <a:off x="2928926" y="214290"/>
+            <a:off x="2913428" y="214290"/>
             <a:ext cx="928694" cy="714380"/>
           </a:xfrm>
           <a:prstGeom prst="can">
@@ -3266,14 +3267,15 @@
           <p:nvPr/>
         </p:nvCxnSpPr>
         <p:spPr>
-          <a:xfrm rot="5400000" flipH="1" flipV="1">
-            <a:off x="2928926" y="1393017"/>
-            <a:ext cx="928694" cy="1588"/>
+          <a:xfrm rot="16200000" flipV="1">
+            <a:off x="2921177" y="1385268"/>
+            <a:ext cx="928694" cy="15498"/>
           </a:xfrm>
           <a:prstGeom prst="straightConnector1">
             <a:avLst/>
           </a:prstGeom>
           <a:ln>
+            <a:prstDash val="sysDot"/>
             <a:tailEnd type="arrow"/>
           </a:ln>
         </p:spPr>
@@ -3394,6 +3396,7 @@
             <a:avLst/>
           </a:prstGeom>
           <a:ln>
+            <a:prstDash val="sysDot"/>
             <a:tailEnd type="arrow"/>
           </a:ln>
         </p:spPr>
@@ -3430,6 +3433,7 @@
             <a:avLst/>
           </a:prstGeom>
           <a:ln>
+            <a:prstDash val="sysDot"/>
             <a:tailEnd type="arrow"/>
           </a:ln>
         </p:spPr>
@@ -3466,6 +3470,7 @@
             <a:avLst/>
           </a:prstGeom>
           <a:ln>
+            <a:prstDash val="sysDot"/>
             <a:tailEnd type="arrow"/>
           </a:ln>
         </p:spPr>
@@ -3664,6 +3669,7 @@
             <a:avLst/>
           </a:prstGeom>
           <a:ln>
+            <a:prstDash val="sysDot"/>
             <a:tailEnd type="arrow"/>
           </a:ln>
         </p:spPr>
@@ -3700,6 +3706,7 @@
             <a:avLst/>
           </a:prstGeom>
           <a:ln>
+            <a:prstDash val="sysDot"/>
             <a:tailEnd type="arrow"/>
           </a:ln>
         </p:spPr>
@@ -3763,7 +3770,7 @@
         <p:spPr>
           <a:xfrm>
             <a:off x="3571868" y="5214950"/>
-            <a:ext cx="1000132" cy="642942"/>
+            <a:ext cx="1500198" cy="642942"/>
           </a:xfrm>
           <a:prstGeom prst="roundRect">
             <a:avLst/>
@@ -3790,7 +3797,7 @@
             <a:pPr algn="ctr"/>
             <a:r>
               <a:rPr lang="en-IN" dirty="0" smtClean="0"/>
-              <a:t>Config Server</a:t>
+              <a:t>Zipkin /Jaeger</a:t>
             </a:r>
             <a:endParaRPr lang="en-IN" dirty="0"/>
           </a:p>
@@ -3807,13 +3814,14 @@
         </p:nvCxnSpPr>
         <p:spPr>
           <a:xfrm rot="16200000" flipH="1">
-            <a:off x="1160835" y="2303851"/>
-            <a:ext cx="2714644" cy="3107553"/>
+            <a:off x="1285852" y="2178835"/>
+            <a:ext cx="2714644" cy="3357586"/>
           </a:xfrm>
           <a:prstGeom prst="straightConnector1">
             <a:avLst/>
           </a:prstGeom>
           <a:ln>
+            <a:prstDash val="sysDot"/>
             <a:tailEnd type="arrow"/>
           </a:ln>
         </p:spPr>
@@ -3843,13 +3851,14 @@
         </p:nvCxnSpPr>
         <p:spPr>
           <a:xfrm rot="16200000" flipH="1">
-            <a:off x="2375281" y="3518297"/>
-            <a:ext cx="2714644" cy="678661"/>
+            <a:off x="2500298" y="3393281"/>
+            <a:ext cx="2714644" cy="928694"/>
           </a:xfrm>
           <a:prstGeom prst="straightConnector1">
             <a:avLst/>
           </a:prstGeom>
           <a:ln>
+            <a:prstDash val="sysDot"/>
             <a:tailEnd type="arrow"/>
           </a:ln>
         </p:spPr>
@@ -3879,13 +3888,14 @@
         </p:nvCxnSpPr>
         <p:spPr>
           <a:xfrm rot="5400000">
-            <a:off x="3732604" y="2839637"/>
-            <a:ext cx="2714644" cy="2035983"/>
+            <a:off x="3857620" y="2964653"/>
+            <a:ext cx="2714644" cy="1785950"/>
           </a:xfrm>
           <a:prstGeom prst="straightConnector1">
             <a:avLst/>
           </a:prstGeom>
           <a:ln>
+            <a:prstDash val="sysDot"/>
             <a:tailEnd type="arrow"/>
           </a:ln>
         </p:spPr>

--- a/Lab-Designs.pptx
+++ b/Lab-Designs.pptx
@@ -3102,7 +3102,7 @@
         </p:nvSpPr>
         <p:spPr>
           <a:xfrm>
-            <a:off x="1183418" y="5214950"/>
+            <a:off x="571472" y="5715016"/>
             <a:ext cx="1000132" cy="642942"/>
           </a:xfrm>
           <a:prstGeom prst="roundRect">
@@ -3189,8 +3189,8 @@
         </p:nvCxnSpPr>
         <p:spPr>
           <a:xfrm rot="5400000">
-            <a:off x="1181057" y="3002734"/>
-            <a:ext cx="2714644" cy="1709789"/>
+            <a:off x="625051" y="2946794"/>
+            <a:ext cx="3214710" cy="2321735"/>
           </a:xfrm>
           <a:prstGeom prst="straightConnector1">
             <a:avLst/>
@@ -3302,7 +3302,7 @@
         </p:nvSpPr>
         <p:spPr>
           <a:xfrm>
-            <a:off x="2357422" y="5214950"/>
+            <a:off x="2500298" y="5715016"/>
             <a:ext cx="1000132" cy="642942"/>
           </a:xfrm>
           <a:prstGeom prst="roundRect">
@@ -3389,8 +3389,8 @@
         </p:nvCxnSpPr>
         <p:spPr>
           <a:xfrm rot="5400000">
-            <a:off x="2538379" y="1645412"/>
-            <a:ext cx="2714644" cy="4424433"/>
+            <a:off x="1982373" y="1589472"/>
+            <a:ext cx="3214710" cy="5036379"/>
           </a:xfrm>
           <a:prstGeom prst="straightConnector1">
             <a:avLst/>
@@ -3426,8 +3426,8 @@
         </p:nvCxnSpPr>
         <p:spPr>
           <a:xfrm rot="5400000">
-            <a:off x="3125381" y="2232414"/>
-            <a:ext cx="2714644" cy="3250429"/>
+            <a:off x="2946786" y="2553885"/>
+            <a:ext cx="3214710" cy="3107553"/>
           </a:xfrm>
           <a:prstGeom prst="straightConnector1">
             <a:avLst/>
@@ -3463,8 +3463,8 @@
         </p:nvCxnSpPr>
         <p:spPr>
           <a:xfrm rot="5400000">
-            <a:off x="1768059" y="3589736"/>
-            <a:ext cx="2714644" cy="535785"/>
+            <a:off x="1589464" y="3911207"/>
+            <a:ext cx="3214710" cy="392909"/>
           </a:xfrm>
           <a:prstGeom prst="straightConnector1">
             <a:avLst/>
@@ -3662,8 +3662,8 @@
         </p:nvCxnSpPr>
         <p:spPr>
           <a:xfrm rot="16200000" flipH="1">
-            <a:off x="-33390" y="3498076"/>
-            <a:ext cx="2714644" cy="719103"/>
+            <a:off x="-589396" y="4054082"/>
+            <a:ext cx="3214710" cy="107157"/>
           </a:xfrm>
           <a:prstGeom prst="straightConnector1">
             <a:avLst/>
@@ -3699,8 +3699,8 @@
         </p:nvCxnSpPr>
         <p:spPr>
           <a:xfrm rot="16200000" flipH="1">
-            <a:off x="553612" y="2911074"/>
-            <a:ext cx="2714644" cy="1893107"/>
+            <a:off x="375017" y="3089669"/>
+            <a:ext cx="3214710" cy="2035983"/>
           </a:xfrm>
           <a:prstGeom prst="straightConnector1">
             <a:avLst/>
@@ -3769,7 +3769,7 @@
         </p:nvSpPr>
         <p:spPr>
           <a:xfrm>
-            <a:off x="3571868" y="5214950"/>
+            <a:off x="4143372" y="5715016"/>
             <a:ext cx="1500198" cy="642942"/>
           </a:xfrm>
           <a:prstGeom prst="roundRect">
@@ -3814,8 +3814,8 @@
         </p:nvCxnSpPr>
         <p:spPr>
           <a:xfrm rot="16200000" flipH="1">
-            <a:off x="1285852" y="2178835"/>
-            <a:ext cx="2714644" cy="3357586"/>
+            <a:off x="1321571" y="2143116"/>
+            <a:ext cx="3214710" cy="3929090"/>
           </a:xfrm>
           <a:prstGeom prst="straightConnector1">
             <a:avLst/>
@@ -3851,8 +3851,8 @@
         </p:nvCxnSpPr>
         <p:spPr>
           <a:xfrm rot="16200000" flipH="1">
-            <a:off x="2500298" y="3393281"/>
-            <a:ext cx="2714644" cy="928694"/>
+            <a:off x="2536017" y="3357562"/>
+            <a:ext cx="3214710" cy="1500198"/>
           </a:xfrm>
           <a:prstGeom prst="straightConnector1">
             <a:avLst/>
@@ -3888,8 +3888,8 @@
         </p:nvCxnSpPr>
         <p:spPr>
           <a:xfrm rot="5400000">
-            <a:off x="3857620" y="2964653"/>
-            <a:ext cx="2714644" cy="1785950"/>
+            <a:off x="3893339" y="3500438"/>
+            <a:ext cx="3214710" cy="1214446"/>
           </a:xfrm>
           <a:prstGeom prst="straightConnector1">
             <a:avLst/>
@@ -5019,6 +5019,12 @@
             <a:avLst/>
           </a:prstGeom>
           <a:noFill/>
+          <a:ln>
+            <a:solidFill>
+              <a:schemeClr val="tx1"/>
+            </a:solidFill>
+            <a:prstDash val="sysDash"/>
+          </a:ln>
         </p:spPr>
         <p:txBody>
           <a:bodyPr wrap="square" rtlCol="0">

--- a/Lab-Designs.pptx
+++ b/Lab-Designs.pptx
@@ -291,7 +291,7 @@
             <a:fld id="{78E1F05C-0397-4A0F-A451-2FD85460A4C7}" type="datetimeFigureOut">
               <a:rPr lang="en-US" smtClean="0"/>
               <a:pPr/>
-              <a:t>4/8/2020</a:t>
+              <a:t>4/9/2020</a:t>
             </a:fld>
             <a:endParaRPr lang="en-IN"/>
           </a:p>
@@ -458,7 +458,7 @@
             <a:fld id="{78E1F05C-0397-4A0F-A451-2FD85460A4C7}" type="datetimeFigureOut">
               <a:rPr lang="en-US" smtClean="0"/>
               <a:pPr/>
-              <a:t>4/8/2020</a:t>
+              <a:t>4/9/2020</a:t>
             </a:fld>
             <a:endParaRPr lang="en-IN"/>
           </a:p>
@@ -635,7 +635,7 @@
             <a:fld id="{78E1F05C-0397-4A0F-A451-2FD85460A4C7}" type="datetimeFigureOut">
               <a:rPr lang="en-US" smtClean="0"/>
               <a:pPr/>
-              <a:t>4/8/2020</a:t>
+              <a:t>4/9/2020</a:t>
             </a:fld>
             <a:endParaRPr lang="en-IN"/>
           </a:p>
@@ -802,7 +802,7 @@
             <a:fld id="{78E1F05C-0397-4A0F-A451-2FD85460A4C7}" type="datetimeFigureOut">
               <a:rPr lang="en-US" smtClean="0"/>
               <a:pPr/>
-              <a:t>4/8/2020</a:t>
+              <a:t>4/9/2020</a:t>
             </a:fld>
             <a:endParaRPr lang="en-IN"/>
           </a:p>
@@ -1045,7 +1045,7 @@
             <a:fld id="{78E1F05C-0397-4A0F-A451-2FD85460A4C7}" type="datetimeFigureOut">
               <a:rPr lang="en-US" smtClean="0"/>
               <a:pPr/>
-              <a:t>4/8/2020</a:t>
+              <a:t>4/9/2020</a:t>
             </a:fld>
             <a:endParaRPr lang="en-IN"/>
           </a:p>
@@ -1330,7 +1330,7 @@
             <a:fld id="{78E1F05C-0397-4A0F-A451-2FD85460A4C7}" type="datetimeFigureOut">
               <a:rPr lang="en-US" smtClean="0"/>
               <a:pPr/>
-              <a:t>4/8/2020</a:t>
+              <a:t>4/9/2020</a:t>
             </a:fld>
             <a:endParaRPr lang="en-IN"/>
           </a:p>
@@ -1749,7 +1749,7 @@
             <a:fld id="{78E1F05C-0397-4A0F-A451-2FD85460A4C7}" type="datetimeFigureOut">
               <a:rPr lang="en-US" smtClean="0"/>
               <a:pPr/>
-              <a:t>4/8/2020</a:t>
+              <a:t>4/9/2020</a:t>
             </a:fld>
             <a:endParaRPr lang="en-IN"/>
           </a:p>
@@ -1864,7 +1864,7 @@
             <a:fld id="{78E1F05C-0397-4A0F-A451-2FD85460A4C7}" type="datetimeFigureOut">
               <a:rPr lang="en-US" smtClean="0"/>
               <a:pPr/>
-              <a:t>4/8/2020</a:t>
+              <a:t>4/9/2020</a:t>
             </a:fld>
             <a:endParaRPr lang="en-IN"/>
           </a:p>
@@ -1956,7 +1956,7 @@
             <a:fld id="{78E1F05C-0397-4A0F-A451-2FD85460A4C7}" type="datetimeFigureOut">
               <a:rPr lang="en-US" smtClean="0"/>
               <a:pPr/>
-              <a:t>4/8/2020</a:t>
+              <a:t>4/9/2020</a:t>
             </a:fld>
             <a:endParaRPr lang="en-IN"/>
           </a:p>
@@ -2230,7 +2230,7 @@
             <a:fld id="{78E1F05C-0397-4A0F-A451-2FD85460A4C7}" type="datetimeFigureOut">
               <a:rPr lang="en-US" smtClean="0"/>
               <a:pPr/>
-              <a:t>4/8/2020</a:t>
+              <a:t>4/9/2020</a:t>
             </a:fld>
             <a:endParaRPr lang="en-IN"/>
           </a:p>
@@ -2480,7 +2480,7 @@
             <a:fld id="{78E1F05C-0397-4A0F-A451-2FD85460A4C7}" type="datetimeFigureOut">
               <a:rPr lang="en-US" smtClean="0"/>
               <a:pPr/>
-              <a:t>4/8/2020</a:t>
+              <a:t>4/9/2020</a:t>
             </a:fld>
             <a:endParaRPr lang="en-IN"/>
           </a:p>
@@ -2690,7 +2690,7 @@
             <a:fld id="{78E1F05C-0397-4A0F-A451-2FD85460A4C7}" type="datetimeFigureOut">
               <a:rPr lang="en-US" smtClean="0"/>
               <a:pPr/>
-              <a:t>4/8/2020</a:t>
+              <a:t>4/9/2020</a:t>
             </a:fld>
             <a:endParaRPr lang="en-IN"/>
           </a:p>
@@ -3069,7 +3069,7 @@
         </p:nvCxnSpPr>
         <p:spPr>
           <a:xfrm>
-            <a:off x="0" y="4643446"/>
+            <a:off x="0" y="3929066"/>
             <a:ext cx="9144000" cy="1588"/>
           </a:xfrm>
           <a:prstGeom prst="line">
@@ -3890,6 +3890,674 @@
           <a:xfrm rot="5400000">
             <a:off x="3893339" y="3500438"/>
             <a:ext cx="3214710" cy="1214446"/>
+          </a:xfrm>
+          <a:prstGeom prst="straightConnector1">
+            <a:avLst/>
+          </a:prstGeom>
+          <a:ln>
+            <a:prstDash val="sysDot"/>
+            <a:tailEnd type="arrow"/>
+          </a:ln>
+        </p:spPr>
+        <p:style>
+          <a:lnRef idx="1">
+            <a:schemeClr val="accent1"/>
+          </a:lnRef>
+          <a:fillRef idx="0">
+            <a:schemeClr val="accent1"/>
+          </a:fillRef>
+          <a:effectRef idx="0">
+            <a:schemeClr val="accent1"/>
+          </a:effectRef>
+          <a:fontRef idx="minor">
+            <a:schemeClr val="tx1"/>
+          </a:fontRef>
+        </p:style>
+      </p:cxnSp>
+      <p:sp>
+        <p:nvSpPr>
+          <p:cNvPr id="25" name="Rounded Rectangle 24"/>
+          <p:cNvSpPr/>
+          <p:nvPr/>
+        </p:nvSpPr>
+        <p:spPr>
+          <a:xfrm>
+            <a:off x="7215206" y="4643446"/>
+            <a:ext cx="1500198" cy="642942"/>
+          </a:xfrm>
+          <a:prstGeom prst="roundRect">
+            <a:avLst/>
+          </a:prstGeom>
+        </p:spPr>
+        <p:style>
+          <a:lnRef idx="3">
+            <a:schemeClr val="lt1"/>
+          </a:lnRef>
+          <a:fillRef idx="1">
+            <a:schemeClr val="accent6"/>
+          </a:fillRef>
+          <a:effectRef idx="1">
+            <a:schemeClr val="accent6"/>
+          </a:effectRef>
+          <a:fontRef idx="minor">
+            <a:schemeClr val="lt1"/>
+          </a:fontRef>
+        </p:style>
+        <p:txBody>
+          <a:bodyPr rtlCol="0" anchor="ctr"/>
+          <a:lstStyle/>
+          <a:p>
+            <a:pPr algn="ctr"/>
+            <a:r>
+              <a:rPr lang="en-IN" dirty="0" smtClean="0"/>
+              <a:t>Rabbit MQ / </a:t>
+            </a:r>
+            <a:r>
+              <a:rPr lang="en-IN" dirty="0" smtClean="0"/>
+              <a:t>AMQP</a:t>
+            </a:r>
+            <a:endParaRPr lang="en-IN" dirty="0"/>
+          </a:p>
+        </p:txBody>
+      </p:sp>
+      <p:cxnSp>
+        <p:nvCxnSpPr>
+          <p:cNvPr id="26" name="Straight Arrow Connector 25"/>
+          <p:cNvCxnSpPr>
+            <a:stCxn id="6" idx="0"/>
+            <a:endCxn id="25" idx="1"/>
+          </p:cNvCxnSpPr>
+          <p:nvPr/>
+        </p:nvCxnSpPr>
+        <p:spPr>
+          <a:xfrm rot="5400000" flipH="1" flipV="1">
+            <a:off x="3768323" y="2268133"/>
+            <a:ext cx="750099" cy="6143668"/>
+          </a:xfrm>
+          <a:prstGeom prst="straightConnector1">
+            <a:avLst/>
+          </a:prstGeom>
+          <a:ln>
+            <a:prstDash val="sysDot"/>
+            <a:tailEnd type="arrow"/>
+          </a:ln>
+        </p:spPr>
+        <p:style>
+          <a:lnRef idx="1">
+            <a:schemeClr val="accent1"/>
+          </a:lnRef>
+          <a:fillRef idx="0">
+            <a:schemeClr val="accent1"/>
+          </a:fillRef>
+          <a:effectRef idx="0">
+            <a:schemeClr val="accent1"/>
+          </a:effectRef>
+          <a:fontRef idx="minor">
+            <a:schemeClr val="tx1"/>
+          </a:fontRef>
+        </p:style>
+      </p:cxnSp>
+      <p:cxnSp>
+        <p:nvCxnSpPr>
+          <p:cNvPr id="31" name="Straight Arrow Connector 30"/>
+          <p:cNvCxnSpPr>
+            <a:stCxn id="16" idx="2"/>
+            <a:endCxn id="25" idx="0"/>
+          </p:cNvCxnSpPr>
+          <p:nvPr/>
+        </p:nvCxnSpPr>
+        <p:spPr>
+          <a:xfrm rot="16200000" flipH="1">
+            <a:off x="3393273" y="71414"/>
+            <a:ext cx="2143140" cy="7000924"/>
+          </a:xfrm>
+          <a:prstGeom prst="straightConnector1">
+            <a:avLst/>
+          </a:prstGeom>
+          <a:ln>
+            <a:prstDash val="sysDot"/>
+            <a:tailEnd type="arrow"/>
+          </a:ln>
+        </p:spPr>
+        <p:style>
+          <a:lnRef idx="1">
+            <a:schemeClr val="accent1"/>
+          </a:lnRef>
+          <a:fillRef idx="0">
+            <a:schemeClr val="accent1"/>
+          </a:fillRef>
+          <a:effectRef idx="0">
+            <a:schemeClr val="accent1"/>
+          </a:effectRef>
+          <a:fontRef idx="minor">
+            <a:schemeClr val="tx1"/>
+          </a:fontRef>
+        </p:style>
+      </p:cxnSp>
+      <p:cxnSp>
+        <p:nvCxnSpPr>
+          <p:cNvPr id="34" name="Straight Arrow Connector 33"/>
+          <p:cNvCxnSpPr>
+            <a:stCxn id="7" idx="2"/>
+            <a:endCxn id="25" idx="0"/>
+          </p:cNvCxnSpPr>
+          <p:nvPr/>
+        </p:nvCxnSpPr>
+        <p:spPr>
+          <a:xfrm rot="16200000" flipH="1">
+            <a:off x="4607719" y="1285860"/>
+            <a:ext cx="2143140" cy="4572032"/>
+          </a:xfrm>
+          <a:prstGeom prst="straightConnector1">
+            <a:avLst/>
+          </a:prstGeom>
+          <a:ln>
+            <a:prstDash val="sysDot"/>
+            <a:tailEnd type="arrow"/>
+          </a:ln>
+        </p:spPr>
+        <p:style>
+          <a:lnRef idx="1">
+            <a:schemeClr val="accent1"/>
+          </a:lnRef>
+          <a:fillRef idx="0">
+            <a:schemeClr val="accent1"/>
+          </a:fillRef>
+          <a:effectRef idx="0">
+            <a:schemeClr val="accent1"/>
+          </a:effectRef>
+          <a:fontRef idx="minor">
+            <a:schemeClr val="tx1"/>
+          </a:fontRef>
+        </p:style>
+      </p:cxnSp>
+      <p:cxnSp>
+        <p:nvCxnSpPr>
+          <p:cNvPr id="39" name="Straight Arrow Connector 38"/>
+          <p:cNvCxnSpPr>
+            <a:stCxn id="20" idx="2"/>
+            <a:endCxn id="25" idx="0"/>
+          </p:cNvCxnSpPr>
+          <p:nvPr/>
+        </p:nvCxnSpPr>
+        <p:spPr>
+          <a:xfrm rot="16200000" flipH="1">
+            <a:off x="5965041" y="2643182"/>
+            <a:ext cx="2143140" cy="1857388"/>
+          </a:xfrm>
+          <a:prstGeom prst="straightConnector1">
+            <a:avLst/>
+          </a:prstGeom>
+          <a:ln>
+            <a:prstDash val="sysDot"/>
+            <a:tailEnd type="arrow"/>
+          </a:ln>
+        </p:spPr>
+        <p:style>
+          <a:lnRef idx="1">
+            <a:schemeClr val="accent1"/>
+          </a:lnRef>
+          <a:fillRef idx="0">
+            <a:schemeClr val="accent1"/>
+          </a:fillRef>
+          <a:effectRef idx="0">
+            <a:schemeClr val="accent1"/>
+          </a:effectRef>
+          <a:fontRef idx="minor">
+            <a:schemeClr val="tx1"/>
+          </a:fontRef>
+        </p:style>
+      </p:cxnSp>
+      <p:sp>
+        <p:nvSpPr>
+          <p:cNvPr id="44" name="Oval 43"/>
+          <p:cNvSpPr/>
+          <p:nvPr/>
+        </p:nvSpPr>
+        <p:spPr>
+          <a:xfrm>
+            <a:off x="1714480" y="5429264"/>
+            <a:ext cx="571504" cy="285752"/>
+          </a:xfrm>
+          <a:prstGeom prst="ellipse">
+            <a:avLst/>
+          </a:prstGeom>
+        </p:spPr>
+        <p:style>
+          <a:lnRef idx="2">
+            <a:schemeClr val="accent2"/>
+          </a:lnRef>
+          <a:fillRef idx="1">
+            <a:schemeClr val="lt1"/>
+          </a:fillRef>
+          <a:effectRef idx="0">
+            <a:schemeClr val="accent2"/>
+          </a:effectRef>
+          <a:fontRef idx="minor">
+            <a:schemeClr val="dk1"/>
+          </a:fontRef>
+        </p:style>
+        <p:txBody>
+          <a:bodyPr rtlCol="0" anchor="ctr"/>
+          <a:lstStyle/>
+          <a:p>
+            <a:pPr algn="ctr"/>
+            <a:r>
+              <a:rPr lang="en-IN" sz="1050" dirty="0" smtClean="0"/>
+              <a:t>bus</a:t>
+            </a:r>
+            <a:endParaRPr lang="en-IN" sz="1050" dirty="0"/>
+          </a:p>
+        </p:txBody>
+      </p:sp>
+      <p:sp>
+        <p:nvSpPr>
+          <p:cNvPr id="45" name="Oval 44"/>
+          <p:cNvSpPr/>
+          <p:nvPr/>
+        </p:nvSpPr>
+        <p:spPr>
+          <a:xfrm>
+            <a:off x="1428728" y="2571744"/>
+            <a:ext cx="571504" cy="285752"/>
+          </a:xfrm>
+          <a:prstGeom prst="ellipse">
+            <a:avLst/>
+          </a:prstGeom>
+        </p:spPr>
+        <p:style>
+          <a:lnRef idx="2">
+            <a:schemeClr val="accent2"/>
+          </a:lnRef>
+          <a:fillRef idx="1">
+            <a:schemeClr val="lt1"/>
+          </a:fillRef>
+          <a:effectRef idx="0">
+            <a:schemeClr val="accent2"/>
+          </a:effectRef>
+          <a:fontRef idx="minor">
+            <a:schemeClr val="dk1"/>
+          </a:fontRef>
+        </p:style>
+        <p:txBody>
+          <a:bodyPr rtlCol="0" anchor="ctr"/>
+          <a:lstStyle/>
+          <a:p>
+            <a:pPr algn="ctr"/>
+            <a:r>
+              <a:rPr lang="en-IN" sz="1050" dirty="0" smtClean="0"/>
+              <a:t>bus</a:t>
+            </a:r>
+            <a:endParaRPr lang="en-IN" sz="1050" dirty="0"/>
+          </a:p>
+        </p:txBody>
+      </p:sp>
+      <p:sp>
+        <p:nvSpPr>
+          <p:cNvPr id="46" name="Oval 45"/>
+          <p:cNvSpPr/>
+          <p:nvPr/>
+        </p:nvSpPr>
+        <p:spPr>
+          <a:xfrm>
+            <a:off x="3929058" y="2786058"/>
+            <a:ext cx="571504" cy="285752"/>
+          </a:xfrm>
+          <a:prstGeom prst="ellipse">
+            <a:avLst/>
+          </a:prstGeom>
+        </p:spPr>
+        <p:style>
+          <a:lnRef idx="2">
+            <a:schemeClr val="accent2"/>
+          </a:lnRef>
+          <a:fillRef idx="1">
+            <a:schemeClr val="lt1"/>
+          </a:fillRef>
+          <a:effectRef idx="0">
+            <a:schemeClr val="accent2"/>
+          </a:effectRef>
+          <a:fontRef idx="minor">
+            <a:schemeClr val="dk1"/>
+          </a:fontRef>
+        </p:style>
+        <p:txBody>
+          <a:bodyPr rtlCol="0" anchor="ctr"/>
+          <a:lstStyle/>
+          <a:p>
+            <a:pPr algn="ctr"/>
+            <a:r>
+              <a:rPr lang="en-IN" sz="1050" dirty="0" smtClean="0"/>
+              <a:t>bus</a:t>
+            </a:r>
+            <a:endParaRPr lang="en-IN" sz="1050" dirty="0"/>
+          </a:p>
+        </p:txBody>
+      </p:sp>
+      <p:sp>
+        <p:nvSpPr>
+          <p:cNvPr id="47" name="Oval 46"/>
+          <p:cNvSpPr/>
+          <p:nvPr/>
+        </p:nvSpPr>
+        <p:spPr>
+          <a:xfrm>
+            <a:off x="6072198" y="2786058"/>
+            <a:ext cx="571504" cy="285752"/>
+          </a:xfrm>
+          <a:prstGeom prst="ellipse">
+            <a:avLst/>
+          </a:prstGeom>
+        </p:spPr>
+        <p:style>
+          <a:lnRef idx="2">
+            <a:schemeClr val="accent2"/>
+          </a:lnRef>
+          <a:fillRef idx="1">
+            <a:schemeClr val="lt1"/>
+          </a:fillRef>
+          <a:effectRef idx="0">
+            <a:schemeClr val="accent2"/>
+          </a:effectRef>
+          <a:fontRef idx="minor">
+            <a:schemeClr val="dk1"/>
+          </a:fontRef>
+        </p:style>
+        <p:txBody>
+          <a:bodyPr rtlCol="0" anchor="ctr"/>
+          <a:lstStyle/>
+          <a:p>
+            <a:pPr algn="ctr"/>
+            <a:r>
+              <a:rPr lang="en-IN" sz="1050" dirty="0" smtClean="0"/>
+              <a:t>bus</a:t>
+            </a:r>
+            <a:endParaRPr lang="en-IN" sz="1050" dirty="0"/>
+          </a:p>
+        </p:txBody>
+      </p:sp>
+      <p:sp>
+        <p:nvSpPr>
+          <p:cNvPr id="48" name="Rounded Rectangle 47"/>
+          <p:cNvSpPr/>
+          <p:nvPr/>
+        </p:nvSpPr>
+        <p:spPr>
+          <a:xfrm>
+            <a:off x="7715272" y="1857364"/>
+            <a:ext cx="1357322" cy="642942"/>
+          </a:xfrm>
+          <a:prstGeom prst="roundRect">
+            <a:avLst/>
+          </a:prstGeom>
+        </p:spPr>
+        <p:style>
+          <a:lnRef idx="3">
+            <a:schemeClr val="lt1"/>
+          </a:lnRef>
+          <a:fillRef idx="1">
+            <a:schemeClr val="accent5"/>
+          </a:fillRef>
+          <a:effectRef idx="1">
+            <a:schemeClr val="accent5"/>
+          </a:effectRef>
+          <a:fontRef idx="minor">
+            <a:schemeClr val="lt1"/>
+          </a:fontRef>
+        </p:style>
+        <p:txBody>
+          <a:bodyPr rtlCol="0" anchor="ctr"/>
+          <a:lstStyle/>
+          <a:p>
+            <a:pPr algn="ctr"/>
+            <a:r>
+              <a:rPr lang="en-IN" dirty="0" smtClean="0"/>
+              <a:t>audit</a:t>
+            </a:r>
+            <a:endParaRPr lang="en-IN" dirty="0"/>
+          </a:p>
+        </p:txBody>
+      </p:sp>
+      <p:sp>
+        <p:nvSpPr>
+          <p:cNvPr id="53" name="Can 52"/>
+          <p:cNvSpPr/>
+          <p:nvPr/>
+        </p:nvSpPr>
+        <p:spPr>
+          <a:xfrm>
+            <a:off x="7929586" y="214290"/>
+            <a:ext cx="928694" cy="714380"/>
+          </a:xfrm>
+          <a:prstGeom prst="can">
+            <a:avLst/>
+          </a:prstGeom>
+        </p:spPr>
+        <p:style>
+          <a:lnRef idx="1">
+            <a:schemeClr val="dk1"/>
+          </a:lnRef>
+          <a:fillRef idx="2">
+            <a:schemeClr val="dk1"/>
+          </a:fillRef>
+          <a:effectRef idx="1">
+            <a:schemeClr val="dk1"/>
+          </a:effectRef>
+          <a:fontRef idx="minor">
+            <a:schemeClr val="dk1"/>
+          </a:fontRef>
+        </p:style>
+        <p:txBody>
+          <a:bodyPr rtlCol="0" anchor="ctr"/>
+          <a:lstStyle/>
+          <a:p>
+            <a:pPr algn="ctr"/>
+            <a:r>
+              <a:rPr lang="en-IN" sz="1200" dirty="0" smtClean="0"/>
+              <a:t>auditDB</a:t>
+            </a:r>
+            <a:endParaRPr lang="en-IN" sz="1200" dirty="0"/>
+          </a:p>
+        </p:txBody>
+      </p:sp>
+      <p:cxnSp>
+        <p:nvCxnSpPr>
+          <p:cNvPr id="54" name="Straight Arrow Connector 53"/>
+          <p:cNvCxnSpPr>
+            <a:stCxn id="48" idx="0"/>
+            <a:endCxn id="53" idx="3"/>
+          </p:cNvCxnSpPr>
+          <p:nvPr/>
+        </p:nvCxnSpPr>
+        <p:spPr>
+          <a:xfrm rot="5400000" flipH="1" flipV="1">
+            <a:off x="7929586" y="1393017"/>
+            <a:ext cx="928694" cy="1588"/>
+          </a:xfrm>
+          <a:prstGeom prst="straightConnector1">
+            <a:avLst/>
+          </a:prstGeom>
+          <a:ln>
+            <a:prstDash val="sysDot"/>
+            <a:tailEnd type="arrow"/>
+          </a:ln>
+        </p:spPr>
+        <p:style>
+          <a:lnRef idx="1">
+            <a:schemeClr val="accent1"/>
+          </a:lnRef>
+          <a:fillRef idx="0">
+            <a:schemeClr val="accent1"/>
+          </a:fillRef>
+          <a:effectRef idx="0">
+            <a:schemeClr val="accent1"/>
+          </a:effectRef>
+          <a:fontRef idx="minor">
+            <a:schemeClr val="tx1"/>
+          </a:fontRef>
+        </p:style>
+      </p:cxnSp>
+      <p:cxnSp>
+        <p:nvCxnSpPr>
+          <p:cNvPr id="57" name="Straight Arrow Connector 56"/>
+          <p:cNvCxnSpPr>
+            <a:stCxn id="20" idx="3"/>
+            <a:endCxn id="25" idx="0"/>
+          </p:cNvCxnSpPr>
+          <p:nvPr/>
+        </p:nvCxnSpPr>
+        <p:spPr>
+          <a:xfrm>
+            <a:off x="6786578" y="2178835"/>
+            <a:ext cx="1178727" cy="2464611"/>
+          </a:xfrm>
+          <a:prstGeom prst="straightConnector1">
+            <a:avLst/>
+          </a:prstGeom>
+          <a:ln>
+            <a:prstDash val="sysDot"/>
+            <a:tailEnd type="arrow"/>
+          </a:ln>
+        </p:spPr>
+        <p:style>
+          <a:lnRef idx="1">
+            <a:schemeClr val="accent1"/>
+          </a:lnRef>
+          <a:fillRef idx="0">
+            <a:schemeClr val="accent1"/>
+          </a:fillRef>
+          <a:effectRef idx="0">
+            <a:schemeClr val="accent1"/>
+          </a:effectRef>
+          <a:fontRef idx="minor">
+            <a:schemeClr val="tx1"/>
+          </a:fontRef>
+        </p:style>
+      </p:cxnSp>
+      <p:cxnSp>
+        <p:nvCxnSpPr>
+          <p:cNvPr id="60" name="Straight Arrow Connector 59"/>
+          <p:cNvCxnSpPr>
+            <a:stCxn id="48" idx="2"/>
+            <a:endCxn id="25" idx="0"/>
+          </p:cNvCxnSpPr>
+          <p:nvPr/>
+        </p:nvCxnSpPr>
+        <p:spPr>
+          <a:xfrm rot="5400000">
+            <a:off x="7108049" y="3357562"/>
+            <a:ext cx="2143140" cy="428628"/>
+          </a:xfrm>
+          <a:prstGeom prst="straightConnector1">
+            <a:avLst/>
+          </a:prstGeom>
+          <a:ln>
+            <a:prstDash val="sysDot"/>
+            <a:tailEnd type="arrow"/>
+          </a:ln>
+        </p:spPr>
+        <p:style>
+          <a:lnRef idx="1">
+            <a:schemeClr val="accent1"/>
+          </a:lnRef>
+          <a:fillRef idx="0">
+            <a:schemeClr val="accent1"/>
+          </a:fillRef>
+          <a:effectRef idx="0">
+            <a:schemeClr val="accent1"/>
+          </a:effectRef>
+          <a:fontRef idx="minor">
+            <a:schemeClr val="tx1"/>
+          </a:fontRef>
+        </p:style>
+      </p:cxnSp>
+      <p:cxnSp>
+        <p:nvCxnSpPr>
+          <p:cNvPr id="69" name="Straight Arrow Connector 68"/>
+          <p:cNvCxnSpPr>
+            <a:stCxn id="48" idx="2"/>
+            <a:endCxn id="6" idx="0"/>
+          </p:cNvCxnSpPr>
+          <p:nvPr/>
+        </p:nvCxnSpPr>
+        <p:spPr>
+          <a:xfrm rot="5400000">
+            <a:off x="3125381" y="446464"/>
+            <a:ext cx="3214710" cy="7322395"/>
+          </a:xfrm>
+          <a:prstGeom prst="straightConnector1">
+            <a:avLst/>
+          </a:prstGeom>
+          <a:ln>
+            <a:prstDash val="sysDot"/>
+            <a:tailEnd type="arrow"/>
+          </a:ln>
+        </p:spPr>
+        <p:style>
+          <a:lnRef idx="1">
+            <a:schemeClr val="accent1"/>
+          </a:lnRef>
+          <a:fillRef idx="0">
+            <a:schemeClr val="accent1"/>
+          </a:fillRef>
+          <a:effectRef idx="0">
+            <a:schemeClr val="accent1"/>
+          </a:effectRef>
+          <a:fontRef idx="minor">
+            <a:schemeClr val="tx1"/>
+          </a:fontRef>
+        </p:style>
+      </p:cxnSp>
+      <p:cxnSp>
+        <p:nvCxnSpPr>
+          <p:cNvPr id="72" name="Straight Arrow Connector 71"/>
+          <p:cNvCxnSpPr>
+            <a:stCxn id="48" idx="2"/>
+            <a:endCxn id="19" idx="0"/>
+          </p:cNvCxnSpPr>
+          <p:nvPr/>
+        </p:nvCxnSpPr>
+        <p:spPr>
+          <a:xfrm rot="5400000">
+            <a:off x="4089794" y="1410877"/>
+            <a:ext cx="3214710" cy="5393569"/>
+          </a:xfrm>
+          <a:prstGeom prst="straightConnector1">
+            <a:avLst/>
+          </a:prstGeom>
+          <a:ln>
+            <a:prstDash val="sysDot"/>
+            <a:tailEnd type="arrow"/>
+          </a:ln>
+        </p:spPr>
+        <p:style>
+          <a:lnRef idx="1">
+            <a:schemeClr val="accent1"/>
+          </a:lnRef>
+          <a:fillRef idx="0">
+            <a:schemeClr val="accent1"/>
+          </a:fillRef>
+          <a:effectRef idx="0">
+            <a:schemeClr val="accent1"/>
+          </a:effectRef>
+          <a:fontRef idx="minor">
+            <a:schemeClr val="tx1"/>
+          </a:fontRef>
+        </p:style>
+      </p:cxnSp>
+      <p:cxnSp>
+        <p:nvCxnSpPr>
+          <p:cNvPr id="75" name="Straight Arrow Connector 74"/>
+          <p:cNvCxnSpPr>
+            <a:stCxn id="48" idx="2"/>
+            <a:endCxn id="36" idx="0"/>
+          </p:cNvCxnSpPr>
+          <p:nvPr/>
+        </p:nvCxnSpPr>
+        <p:spPr>
+          <a:xfrm rot="5400000">
+            <a:off x="5036347" y="2357430"/>
+            <a:ext cx="3214710" cy="3500462"/>
           </a:xfrm>
           <a:prstGeom prst="straightConnector1">
             <a:avLst/>

--- a/Lab-Designs.pptx
+++ b/Lab-Designs.pptx
@@ -8,6 +8,10 @@
     <p:sldId id="256" r:id="rId2"/>
     <p:sldId id="257" r:id="rId3"/>
     <p:sldId id="258" r:id="rId4"/>
+    <p:sldId id="259" r:id="rId5"/>
+    <p:sldId id="260" r:id="rId6"/>
+    <p:sldId id="261" r:id="rId7"/>
+    <p:sldId id="262" r:id="rId8"/>
   </p:sldIdLst>
   <p:sldSz cx="9144000" cy="6858000" type="screen4x3"/>
   <p:notesSz cx="6858000" cy="9144000"/>
@@ -3950,11 +3954,7 @@
             <a:pPr algn="ctr"/>
             <a:r>
               <a:rPr lang="en-IN" dirty="0" smtClean="0"/>
-              <a:t>Rabbit MQ / </a:t>
-            </a:r>
-            <a:r>
-              <a:rPr lang="en-IN" dirty="0" smtClean="0"/>
-              <a:t>AMQP</a:t>
+              <a:t>Rabbit MQ / AMQP</a:t>
             </a:r>
             <a:endParaRPr lang="en-IN" dirty="0"/>
           </a:p>
@@ -6448,6 +6448,1156 @@
           <a:p>
             <a:pPr algn="ctr"/>
             <a:endParaRPr lang="en-IN"/>
+          </a:p>
+        </p:txBody>
+      </p:sp>
+    </p:spTree>
+  </p:cSld>
+  <p:clrMapOvr>
+    <a:masterClrMapping/>
+  </p:clrMapOvr>
+</p:sld>
+</file>
+
+<file path=ppt/slides/slide4.xml><?xml version="1.0" encoding="utf-8"?>
+<p:sld xmlns:a="http://schemas.openxmlformats.org/drawingml/2006/main" xmlns:r="http://schemas.openxmlformats.org/officeDocument/2006/relationships" xmlns:p="http://schemas.openxmlformats.org/presentationml/2006/main">
+  <p:cSld>
+    <p:spTree>
+      <p:nvGrpSpPr>
+        <p:cNvPr id="1" name=""/>
+        <p:cNvGrpSpPr/>
+        <p:nvPr/>
+      </p:nvGrpSpPr>
+      <p:grpSpPr>
+        <a:xfrm>
+          <a:off x="0" y="0"/>
+          <a:ext cx="0" cy="0"/>
+          <a:chOff x="0" y="0"/>
+          <a:chExt cx="0" cy="0"/>
+        </a:xfrm>
+      </p:grpSpPr>
+      <p:sp>
+        <p:nvSpPr>
+          <p:cNvPr id="24" name="TextBox 23"/>
+          <p:cNvSpPr txBox="1"/>
+          <p:nvPr/>
+        </p:nvSpPr>
+        <p:spPr>
+          <a:xfrm>
+            <a:off x="714348" y="285728"/>
+            <a:ext cx="2786082" cy="369332"/>
+          </a:xfrm>
+          <a:prstGeom prst="rect">
+            <a:avLst/>
+          </a:prstGeom>
+          <a:noFill/>
+        </p:spPr>
+        <p:txBody>
+          <a:bodyPr wrap="square" rtlCol="0">
+            <a:spAutoFit/>
+          </a:bodyPr>
+          <a:lstStyle/>
+          <a:p>
+            <a:r>
+              <a:rPr lang="en-IN" dirty="0" smtClean="0"/>
+              <a:t>VM</a:t>
+            </a:r>
+            <a:endParaRPr lang="en-IN" dirty="0"/>
+          </a:p>
+        </p:txBody>
+      </p:sp>
+      <p:pic>
+        <p:nvPicPr>
+          <p:cNvPr id="1026" name="Picture 2" descr="Hypervisor Type 1 and Type 2-image.png"/>
+          <p:cNvPicPr>
+            <a:picLocks noChangeAspect="1" noChangeArrowheads="1"/>
+          </p:cNvPicPr>
+          <p:nvPr/>
+        </p:nvPicPr>
+        <p:blipFill>
+          <a:blip r:embed="rId2"/>
+          <a:srcRect/>
+          <a:stretch>
+            <a:fillRect/>
+          </a:stretch>
+        </p:blipFill>
+        <p:spPr bwMode="auto">
+          <a:xfrm>
+            <a:off x="500034" y="785794"/>
+            <a:ext cx="8143932" cy="5820350"/>
+          </a:xfrm>
+          <a:prstGeom prst="rect">
+            <a:avLst/>
+          </a:prstGeom>
+          <a:noFill/>
+        </p:spPr>
+      </p:pic>
+    </p:spTree>
+  </p:cSld>
+  <p:clrMapOvr>
+    <a:masterClrMapping/>
+  </p:clrMapOvr>
+  <p:timing>
+    <p:tnLst>
+      <p:par>
+        <p:cTn id="1" dur="indefinite" restart="never" nodeType="tmRoot"/>
+      </p:par>
+    </p:tnLst>
+  </p:timing>
+</p:sld>
+</file>
+
+<file path=ppt/slides/slide5.xml><?xml version="1.0" encoding="utf-8"?>
+<p:sld xmlns:a="http://schemas.openxmlformats.org/drawingml/2006/main" xmlns:r="http://schemas.openxmlformats.org/officeDocument/2006/relationships" xmlns:p="http://schemas.openxmlformats.org/presentationml/2006/main">
+  <p:cSld>
+    <p:spTree>
+      <p:nvGrpSpPr>
+        <p:cNvPr id="1" name=""/>
+        <p:cNvGrpSpPr/>
+        <p:nvPr/>
+      </p:nvGrpSpPr>
+      <p:grpSpPr>
+        <a:xfrm>
+          <a:off x="0" y="0"/>
+          <a:ext cx="0" cy="0"/>
+          <a:chOff x="0" y="0"/>
+          <a:chExt cx="0" cy="0"/>
+        </a:xfrm>
+      </p:grpSpPr>
+      <p:sp>
+        <p:nvSpPr>
+          <p:cNvPr id="24" name="TextBox 23"/>
+          <p:cNvSpPr txBox="1"/>
+          <p:nvPr/>
+        </p:nvSpPr>
+        <p:spPr>
+          <a:xfrm>
+            <a:off x="714348" y="285728"/>
+            <a:ext cx="2786082" cy="369332"/>
+          </a:xfrm>
+          <a:prstGeom prst="rect">
+            <a:avLst/>
+          </a:prstGeom>
+          <a:noFill/>
+        </p:spPr>
+        <p:txBody>
+          <a:bodyPr wrap="square" rtlCol="0">
+            <a:spAutoFit/>
+          </a:bodyPr>
+          <a:lstStyle/>
+          <a:p>
+            <a:r>
+              <a:rPr lang="en-IN" dirty="0" smtClean="0"/>
+              <a:t>VM</a:t>
+            </a:r>
+            <a:endParaRPr lang="en-IN" dirty="0"/>
+          </a:p>
+        </p:txBody>
+      </p:sp>
+      <p:pic>
+        <p:nvPicPr>
+          <p:cNvPr id="17410" name="Picture 2" descr="Type-1 and Type-2 Hypervisors"/>
+          <p:cNvPicPr>
+            <a:picLocks noChangeAspect="1" noChangeArrowheads="1"/>
+          </p:cNvPicPr>
+          <p:nvPr/>
+        </p:nvPicPr>
+        <p:blipFill>
+          <a:blip r:embed="rId2"/>
+          <a:srcRect/>
+          <a:stretch>
+            <a:fillRect/>
+          </a:stretch>
+        </p:blipFill>
+        <p:spPr bwMode="auto">
+          <a:xfrm>
+            <a:off x="0" y="928670"/>
+            <a:ext cx="9144001" cy="4389122"/>
+          </a:xfrm>
+          <a:prstGeom prst="rect">
+            <a:avLst/>
+          </a:prstGeom>
+          <a:noFill/>
+        </p:spPr>
+      </p:pic>
+    </p:spTree>
+  </p:cSld>
+  <p:clrMapOvr>
+    <a:masterClrMapping/>
+  </p:clrMapOvr>
+  <p:timing>
+    <p:tnLst>
+      <p:par>
+        <p:cTn id="1" dur="indefinite" restart="never" nodeType="tmRoot"/>
+      </p:par>
+    </p:tnLst>
+  </p:timing>
+</p:sld>
+</file>
+
+<file path=ppt/slides/slide6.xml><?xml version="1.0" encoding="utf-8"?>
+<p:sld xmlns:a="http://schemas.openxmlformats.org/drawingml/2006/main" xmlns:r="http://schemas.openxmlformats.org/officeDocument/2006/relationships" xmlns:p="http://schemas.openxmlformats.org/presentationml/2006/main">
+  <p:cSld>
+    <p:spTree>
+      <p:nvGrpSpPr>
+        <p:cNvPr id="1" name=""/>
+        <p:cNvGrpSpPr/>
+        <p:nvPr/>
+      </p:nvGrpSpPr>
+      <p:grpSpPr>
+        <a:xfrm>
+          <a:off x="0" y="0"/>
+          <a:ext cx="0" cy="0"/>
+          <a:chOff x="0" y="0"/>
+          <a:chExt cx="0" cy="0"/>
+        </a:xfrm>
+      </p:grpSpPr>
+      <p:sp>
+        <p:nvSpPr>
+          <p:cNvPr id="4" name="Rounded Rectangle 3"/>
+          <p:cNvSpPr/>
+          <p:nvPr/>
+        </p:nvSpPr>
+        <p:spPr>
+          <a:xfrm>
+            <a:off x="500034" y="357166"/>
+            <a:ext cx="8286808" cy="6143668"/>
+          </a:xfrm>
+          <a:prstGeom prst="roundRect">
+            <a:avLst/>
+          </a:prstGeom>
+        </p:spPr>
+        <p:style>
+          <a:lnRef idx="2">
+            <a:schemeClr val="accent6"/>
+          </a:lnRef>
+          <a:fillRef idx="1">
+            <a:schemeClr val="lt1"/>
+          </a:fillRef>
+          <a:effectRef idx="0">
+            <a:schemeClr val="accent6"/>
+          </a:effectRef>
+          <a:fontRef idx="minor">
+            <a:schemeClr val="dk1"/>
+          </a:fontRef>
+        </p:style>
+        <p:txBody>
+          <a:bodyPr rtlCol="0" anchor="ctr"/>
+          <a:lstStyle/>
+          <a:p>
+            <a:pPr algn="ctr"/>
+            <a:endParaRPr lang="en-IN" dirty="0" smtClean="0"/>
+          </a:p>
+          <a:p>
+            <a:pPr algn="ctr"/>
+            <a:endParaRPr lang="en-IN" dirty="0" smtClean="0"/>
+          </a:p>
+          <a:p>
+            <a:pPr algn="ctr"/>
+            <a:endParaRPr lang="en-IN" dirty="0" smtClean="0"/>
+          </a:p>
+          <a:p>
+            <a:pPr algn="ctr"/>
+            <a:endParaRPr lang="en-IN" dirty="0" smtClean="0"/>
+          </a:p>
+          <a:p>
+            <a:pPr algn="ctr"/>
+            <a:endParaRPr lang="en-IN" dirty="0" smtClean="0"/>
+          </a:p>
+          <a:p>
+            <a:pPr algn="ctr"/>
+            <a:endParaRPr lang="en-IN" dirty="0" smtClean="0"/>
+          </a:p>
+          <a:p>
+            <a:pPr algn="ctr"/>
+            <a:endParaRPr lang="en-IN" dirty="0" smtClean="0"/>
+          </a:p>
+          <a:p>
+            <a:pPr algn="ctr"/>
+            <a:endParaRPr lang="en-IN" dirty="0" smtClean="0"/>
+          </a:p>
+          <a:p>
+            <a:pPr algn="ctr"/>
+            <a:endParaRPr lang="en-IN" dirty="0" smtClean="0"/>
+          </a:p>
+          <a:p>
+            <a:pPr algn="ctr"/>
+            <a:endParaRPr lang="en-IN" dirty="0" smtClean="0"/>
+          </a:p>
+          <a:p>
+            <a:pPr algn="ctr"/>
+            <a:endParaRPr lang="en-IN" dirty="0" smtClean="0"/>
+          </a:p>
+          <a:p>
+            <a:pPr algn="ctr"/>
+            <a:endParaRPr lang="en-IN" dirty="0" smtClean="0"/>
+          </a:p>
+          <a:p>
+            <a:pPr algn="ctr"/>
+            <a:endParaRPr lang="en-IN" dirty="0" smtClean="0"/>
+          </a:p>
+          <a:p>
+            <a:pPr algn="ctr"/>
+            <a:endParaRPr lang="en-IN" dirty="0" smtClean="0"/>
+          </a:p>
+          <a:p>
+            <a:pPr algn="ctr"/>
+            <a:endParaRPr lang="en-IN" dirty="0" smtClean="0"/>
+          </a:p>
+          <a:p>
+            <a:pPr algn="ctr"/>
+            <a:endParaRPr lang="en-IN" dirty="0" smtClean="0"/>
+          </a:p>
+          <a:p>
+            <a:pPr algn="ctr"/>
+            <a:endParaRPr lang="en-IN" dirty="0" smtClean="0"/>
+          </a:p>
+          <a:p>
+            <a:pPr algn="ctr"/>
+            <a:endParaRPr lang="en-IN" dirty="0" smtClean="0"/>
+          </a:p>
+          <a:p>
+            <a:pPr algn="ctr"/>
+            <a:endParaRPr lang="en-IN" dirty="0" smtClean="0"/>
+          </a:p>
+          <a:p>
+            <a:pPr algn="ctr"/>
+            <a:endParaRPr lang="en-IN" dirty="0" smtClean="0"/>
+          </a:p>
+          <a:p>
+            <a:pPr algn="ctr"/>
+            <a:r>
+              <a:rPr lang="en-IN" dirty="0" smtClean="0"/>
+              <a:t>WINDOWS VM</a:t>
+            </a:r>
+            <a:endParaRPr lang="en-IN" dirty="0"/>
+          </a:p>
+        </p:txBody>
+      </p:sp>
+      <p:sp>
+        <p:nvSpPr>
+          <p:cNvPr id="5" name="Rounded Rectangle 4"/>
+          <p:cNvSpPr/>
+          <p:nvPr/>
+        </p:nvSpPr>
+        <p:spPr>
+          <a:xfrm>
+            <a:off x="1928794" y="571480"/>
+            <a:ext cx="5214974" cy="3571900"/>
+          </a:xfrm>
+          <a:prstGeom prst="roundRect">
+            <a:avLst/>
+          </a:prstGeom>
+        </p:spPr>
+        <p:style>
+          <a:lnRef idx="2">
+            <a:schemeClr val="accent6"/>
+          </a:lnRef>
+          <a:fillRef idx="1">
+            <a:schemeClr val="lt1"/>
+          </a:fillRef>
+          <a:effectRef idx="0">
+            <a:schemeClr val="accent6"/>
+          </a:effectRef>
+          <a:fontRef idx="minor">
+            <a:schemeClr val="dk1"/>
+          </a:fontRef>
+        </p:style>
+        <p:txBody>
+          <a:bodyPr rtlCol="0" anchor="ctr"/>
+          <a:lstStyle/>
+          <a:p>
+            <a:pPr algn="ctr"/>
+            <a:endParaRPr lang="en-IN" dirty="0" smtClean="0"/>
+          </a:p>
+          <a:p>
+            <a:pPr algn="ctr"/>
+            <a:endParaRPr lang="en-IN" dirty="0" smtClean="0"/>
+          </a:p>
+          <a:p>
+            <a:pPr algn="ctr"/>
+            <a:endParaRPr lang="en-IN" dirty="0" smtClean="0"/>
+          </a:p>
+          <a:p>
+            <a:pPr algn="ctr"/>
+            <a:endParaRPr lang="en-IN" dirty="0" smtClean="0"/>
+          </a:p>
+          <a:p>
+            <a:pPr algn="ctr"/>
+            <a:endParaRPr lang="en-IN" dirty="0" smtClean="0"/>
+          </a:p>
+          <a:p>
+            <a:pPr algn="ctr"/>
+            <a:endParaRPr lang="en-IN" dirty="0" smtClean="0"/>
+          </a:p>
+          <a:p>
+            <a:pPr algn="ctr"/>
+            <a:endParaRPr lang="en-IN" dirty="0" smtClean="0"/>
+          </a:p>
+          <a:p>
+            <a:pPr algn="ctr"/>
+            <a:endParaRPr lang="en-IN" dirty="0" smtClean="0"/>
+          </a:p>
+          <a:p>
+            <a:pPr algn="ctr"/>
+            <a:endParaRPr lang="en-IN" dirty="0" smtClean="0"/>
+          </a:p>
+          <a:p>
+            <a:pPr algn="ctr"/>
+            <a:endParaRPr lang="en-IN" dirty="0" smtClean="0"/>
+          </a:p>
+          <a:p>
+            <a:pPr algn="ctr"/>
+            <a:endParaRPr lang="en-IN" dirty="0" smtClean="0"/>
+          </a:p>
+          <a:p>
+            <a:pPr algn="ctr"/>
+            <a:endParaRPr lang="en-IN" dirty="0" smtClean="0"/>
+          </a:p>
+          <a:p>
+            <a:pPr algn="ctr"/>
+            <a:r>
+              <a:rPr lang="en-IN" dirty="0" smtClean="0"/>
+              <a:t>VM Box</a:t>
+            </a:r>
+            <a:endParaRPr lang="en-IN" dirty="0"/>
+          </a:p>
+        </p:txBody>
+      </p:sp>
+      <p:sp>
+        <p:nvSpPr>
+          <p:cNvPr id="6" name="Rounded Rectangle 5"/>
+          <p:cNvSpPr/>
+          <p:nvPr/>
+        </p:nvSpPr>
+        <p:spPr>
+          <a:xfrm>
+            <a:off x="2214546" y="857232"/>
+            <a:ext cx="4643470" cy="2490806"/>
+          </a:xfrm>
+          <a:prstGeom prst="roundRect">
+            <a:avLst/>
+          </a:prstGeom>
+        </p:spPr>
+        <p:style>
+          <a:lnRef idx="2">
+            <a:schemeClr val="accent6"/>
+          </a:lnRef>
+          <a:fillRef idx="1">
+            <a:schemeClr val="lt1"/>
+          </a:fillRef>
+          <a:effectRef idx="0">
+            <a:schemeClr val="accent6"/>
+          </a:effectRef>
+          <a:fontRef idx="minor">
+            <a:schemeClr val="dk1"/>
+          </a:fontRef>
+        </p:style>
+        <p:txBody>
+          <a:bodyPr rtlCol="0" anchor="ctr"/>
+          <a:lstStyle/>
+          <a:p>
+            <a:pPr algn="ctr"/>
+            <a:endParaRPr lang="en-IN" dirty="0" smtClean="0"/>
+          </a:p>
+          <a:p>
+            <a:pPr algn="ctr"/>
+            <a:endParaRPr lang="en-IN" dirty="0" smtClean="0"/>
+          </a:p>
+          <a:p>
+            <a:pPr algn="ctr"/>
+            <a:endParaRPr lang="en-IN" dirty="0" smtClean="0"/>
+          </a:p>
+          <a:p>
+            <a:pPr algn="ctr"/>
+            <a:endParaRPr lang="en-IN" dirty="0" smtClean="0"/>
+          </a:p>
+          <a:p>
+            <a:pPr algn="ctr"/>
+            <a:endParaRPr lang="en-IN" dirty="0" smtClean="0"/>
+          </a:p>
+          <a:p>
+            <a:pPr algn="ctr"/>
+            <a:endParaRPr lang="en-IN" dirty="0" smtClean="0"/>
+          </a:p>
+          <a:p>
+            <a:pPr algn="ctr"/>
+            <a:endParaRPr lang="en-IN" dirty="0" smtClean="0"/>
+          </a:p>
+          <a:p>
+            <a:pPr algn="ctr"/>
+            <a:endParaRPr lang="en-IN" dirty="0" smtClean="0"/>
+          </a:p>
+          <a:p>
+            <a:pPr algn="ctr"/>
+            <a:r>
+              <a:rPr lang="en-IN" dirty="0" smtClean="0"/>
+              <a:t>Docker-vm1 (</a:t>
+            </a:r>
+            <a:r>
+              <a:rPr lang="en-IN" dirty="0" err="1" smtClean="0"/>
+              <a:t>docker</a:t>
+            </a:r>
+            <a:r>
+              <a:rPr lang="en-IN" dirty="0" smtClean="0"/>
+              <a:t>-host)</a:t>
+            </a:r>
+            <a:endParaRPr lang="en-IN" dirty="0" smtClean="0"/>
+          </a:p>
+        </p:txBody>
+      </p:sp>
+      <p:sp>
+        <p:nvSpPr>
+          <p:cNvPr id="7" name="Flowchart: Preparation 6"/>
+          <p:cNvSpPr/>
+          <p:nvPr/>
+        </p:nvSpPr>
+        <p:spPr>
+          <a:xfrm>
+            <a:off x="3643306" y="1071546"/>
+            <a:ext cx="1785950" cy="500066"/>
+          </a:xfrm>
+          <a:prstGeom prst="flowChartPreparation">
+            <a:avLst/>
+          </a:prstGeom>
+        </p:spPr>
+        <p:style>
+          <a:lnRef idx="0">
+            <a:schemeClr val="accent1"/>
+          </a:lnRef>
+          <a:fillRef idx="3">
+            <a:schemeClr val="accent1"/>
+          </a:fillRef>
+          <a:effectRef idx="3">
+            <a:schemeClr val="accent1"/>
+          </a:effectRef>
+          <a:fontRef idx="minor">
+            <a:schemeClr val="lt1"/>
+          </a:fontRef>
+        </p:style>
+        <p:txBody>
+          <a:bodyPr rtlCol="0" anchor="ctr"/>
+          <a:lstStyle/>
+          <a:p>
+            <a:pPr algn="ctr"/>
+            <a:r>
+              <a:rPr lang="en-IN" dirty="0" err="1" smtClean="0"/>
+              <a:t>dockerd</a:t>
+            </a:r>
+            <a:endParaRPr lang="en-IN" dirty="0"/>
+          </a:p>
+        </p:txBody>
+      </p:sp>
+      <p:sp>
+        <p:nvSpPr>
+          <p:cNvPr id="13" name="Oval 12"/>
+          <p:cNvSpPr/>
+          <p:nvPr/>
+        </p:nvSpPr>
+        <p:spPr>
+          <a:xfrm>
+            <a:off x="3714744" y="1857364"/>
+            <a:ext cx="1571636" cy="571504"/>
+          </a:xfrm>
+          <a:prstGeom prst="ellipse">
+            <a:avLst/>
+          </a:prstGeom>
+        </p:spPr>
+        <p:style>
+          <a:lnRef idx="0">
+            <a:schemeClr val="accent6"/>
+          </a:lnRef>
+          <a:fillRef idx="3">
+            <a:schemeClr val="accent6"/>
+          </a:fillRef>
+          <a:effectRef idx="3">
+            <a:schemeClr val="accent6"/>
+          </a:effectRef>
+          <a:fontRef idx="minor">
+            <a:schemeClr val="lt1"/>
+          </a:fontRef>
+        </p:style>
+        <p:txBody>
+          <a:bodyPr rtlCol="0" anchor="ctr"/>
+          <a:lstStyle/>
+          <a:p>
+            <a:pPr algn="ctr"/>
+            <a:r>
+              <a:rPr lang="en-IN" dirty="0" smtClean="0"/>
+              <a:t>n</a:t>
+            </a:r>
+            <a:r>
+              <a:rPr lang="en-IN" dirty="0" smtClean="0"/>
+              <a:t>ginx:80</a:t>
+            </a:r>
+            <a:endParaRPr lang="en-IN" dirty="0"/>
+          </a:p>
+        </p:txBody>
+      </p:sp>
+      <p:sp>
+        <p:nvSpPr>
+          <p:cNvPr id="14" name="Rounded Rectangle 13"/>
+          <p:cNvSpPr/>
+          <p:nvPr/>
+        </p:nvSpPr>
+        <p:spPr>
+          <a:xfrm>
+            <a:off x="2357422" y="4929198"/>
+            <a:ext cx="2214578" cy="642942"/>
+          </a:xfrm>
+          <a:prstGeom prst="roundRect">
+            <a:avLst/>
+          </a:prstGeom>
+        </p:spPr>
+        <p:style>
+          <a:lnRef idx="2">
+            <a:schemeClr val="accent1">
+              <a:shade val="50000"/>
+            </a:schemeClr>
+          </a:lnRef>
+          <a:fillRef idx="1">
+            <a:schemeClr val="accent1"/>
+          </a:fillRef>
+          <a:effectRef idx="0">
+            <a:schemeClr val="accent1"/>
+          </a:effectRef>
+          <a:fontRef idx="minor">
+            <a:schemeClr val="lt1"/>
+          </a:fontRef>
+        </p:style>
+        <p:txBody>
+          <a:bodyPr rtlCol="0" anchor="ctr"/>
+          <a:lstStyle/>
+          <a:p>
+            <a:pPr algn="ctr"/>
+            <a:r>
+              <a:rPr lang="en-IN" dirty="0" smtClean="0"/>
+              <a:t>docker-machine.exe</a:t>
+            </a:r>
+            <a:endParaRPr lang="en-IN" dirty="0"/>
+          </a:p>
+        </p:txBody>
+      </p:sp>
+      <p:sp>
+        <p:nvSpPr>
+          <p:cNvPr id="15" name="Rounded Rectangle 14"/>
+          <p:cNvSpPr/>
+          <p:nvPr/>
+        </p:nvSpPr>
+        <p:spPr>
+          <a:xfrm>
+            <a:off x="4857752" y="4929198"/>
+            <a:ext cx="1928826" cy="642942"/>
+          </a:xfrm>
+          <a:prstGeom prst="roundRect">
+            <a:avLst/>
+          </a:prstGeom>
+        </p:spPr>
+        <p:style>
+          <a:lnRef idx="2">
+            <a:schemeClr val="accent1">
+              <a:shade val="50000"/>
+            </a:schemeClr>
+          </a:lnRef>
+          <a:fillRef idx="1">
+            <a:schemeClr val="accent1"/>
+          </a:fillRef>
+          <a:effectRef idx="0">
+            <a:schemeClr val="accent1"/>
+          </a:effectRef>
+          <a:fontRef idx="minor">
+            <a:schemeClr val="lt1"/>
+          </a:fontRef>
+        </p:style>
+        <p:txBody>
+          <a:bodyPr rtlCol="0" anchor="ctr"/>
+          <a:lstStyle/>
+          <a:p>
+            <a:pPr algn="ctr"/>
+            <a:r>
+              <a:rPr lang="en-IN" dirty="0" smtClean="0"/>
+              <a:t>d</a:t>
+            </a:r>
+            <a:r>
+              <a:rPr lang="en-IN" dirty="0" smtClean="0"/>
+              <a:t>ocker.exe</a:t>
+            </a:r>
+            <a:endParaRPr lang="en-IN" dirty="0"/>
+          </a:p>
+        </p:txBody>
+      </p:sp>
+      <p:cxnSp>
+        <p:nvCxnSpPr>
+          <p:cNvPr id="17" name="Straight Arrow Connector 16"/>
+          <p:cNvCxnSpPr>
+            <a:stCxn id="14" idx="0"/>
+          </p:cNvCxnSpPr>
+          <p:nvPr/>
+        </p:nvCxnSpPr>
+        <p:spPr>
+          <a:xfrm rot="5400000" flipH="1" flipV="1">
+            <a:off x="2696752" y="4125521"/>
+            <a:ext cx="1571636" cy="35719"/>
+          </a:xfrm>
+          <a:prstGeom prst="straightConnector1">
+            <a:avLst/>
+          </a:prstGeom>
+          <a:ln>
+            <a:tailEnd type="arrow"/>
+          </a:ln>
+        </p:spPr>
+        <p:style>
+          <a:lnRef idx="1">
+            <a:schemeClr val="accent1"/>
+          </a:lnRef>
+          <a:fillRef idx="0">
+            <a:schemeClr val="accent1"/>
+          </a:fillRef>
+          <a:effectRef idx="0">
+            <a:schemeClr val="accent1"/>
+          </a:effectRef>
+          <a:fontRef idx="minor">
+            <a:schemeClr val="tx1"/>
+          </a:fontRef>
+        </p:style>
+      </p:cxnSp>
+      <p:cxnSp>
+        <p:nvCxnSpPr>
+          <p:cNvPr id="18" name="Straight Arrow Connector 17"/>
+          <p:cNvCxnSpPr>
+            <a:endCxn id="13" idx="4"/>
+          </p:cNvCxnSpPr>
+          <p:nvPr/>
+        </p:nvCxnSpPr>
+        <p:spPr>
+          <a:xfrm rot="16200000" flipV="1">
+            <a:off x="3929060" y="3000370"/>
+            <a:ext cx="2571770" cy="1428766"/>
+          </a:xfrm>
+          <a:prstGeom prst="straightConnector1">
+            <a:avLst/>
+          </a:prstGeom>
+          <a:ln>
+            <a:tailEnd type="arrow"/>
+          </a:ln>
+        </p:spPr>
+        <p:style>
+          <a:lnRef idx="1">
+            <a:schemeClr val="accent1"/>
+          </a:lnRef>
+          <a:fillRef idx="0">
+            <a:schemeClr val="accent1"/>
+          </a:fillRef>
+          <a:effectRef idx="0">
+            <a:schemeClr val="accent1"/>
+          </a:effectRef>
+          <a:fontRef idx="minor">
+            <a:schemeClr val="tx1"/>
+          </a:fontRef>
+        </p:style>
+      </p:cxnSp>
+      <p:sp>
+        <p:nvSpPr>
+          <p:cNvPr id="21" name="Round Diagonal Corner Rectangle 20"/>
+          <p:cNvSpPr/>
+          <p:nvPr/>
+        </p:nvSpPr>
+        <p:spPr>
+          <a:xfrm>
+            <a:off x="5786446" y="1142984"/>
+            <a:ext cx="857256" cy="857256"/>
+          </a:xfrm>
+          <a:prstGeom prst="round2DiagRect">
+            <a:avLst/>
+          </a:prstGeom>
+        </p:spPr>
+        <p:style>
+          <a:lnRef idx="1">
+            <a:schemeClr val="accent2"/>
+          </a:lnRef>
+          <a:fillRef idx="3">
+            <a:schemeClr val="accent2"/>
+          </a:fillRef>
+          <a:effectRef idx="2">
+            <a:schemeClr val="accent2"/>
+          </a:effectRef>
+          <a:fontRef idx="minor">
+            <a:schemeClr val="lt1"/>
+          </a:fontRef>
+        </p:style>
+        <p:txBody>
+          <a:bodyPr rtlCol="0" anchor="ctr"/>
+          <a:lstStyle/>
+          <a:p>
+            <a:pPr algn="ctr"/>
+            <a:r>
+              <a:rPr lang="en-IN" dirty="0" smtClean="0"/>
+              <a:t>Image cache</a:t>
+            </a:r>
+            <a:endParaRPr lang="en-IN" dirty="0" smtClean="0"/>
+          </a:p>
+        </p:txBody>
+      </p:sp>
+      <p:sp>
+        <p:nvSpPr>
+          <p:cNvPr id="27" name="Rounded Rectangle 26"/>
+          <p:cNvSpPr/>
+          <p:nvPr/>
+        </p:nvSpPr>
+        <p:spPr>
+          <a:xfrm>
+            <a:off x="7000892" y="4929198"/>
+            <a:ext cx="1428760" cy="642942"/>
+          </a:xfrm>
+          <a:prstGeom prst="roundRect">
+            <a:avLst/>
+          </a:prstGeom>
+        </p:spPr>
+        <p:style>
+          <a:lnRef idx="2">
+            <a:schemeClr val="accent1">
+              <a:shade val="50000"/>
+            </a:schemeClr>
+          </a:lnRef>
+          <a:fillRef idx="1">
+            <a:schemeClr val="accent1"/>
+          </a:fillRef>
+          <a:effectRef idx="0">
+            <a:schemeClr val="accent1"/>
+          </a:effectRef>
+          <a:fontRef idx="minor">
+            <a:schemeClr val="lt1"/>
+          </a:fontRef>
+        </p:style>
+        <p:txBody>
+          <a:bodyPr rtlCol="0" anchor="ctr"/>
+          <a:lstStyle/>
+          <a:p>
+            <a:pPr algn="ctr"/>
+            <a:r>
+              <a:rPr lang="en-IN" dirty="0" smtClean="0"/>
+              <a:t>Browser / client</a:t>
+            </a:r>
+            <a:endParaRPr lang="en-IN" dirty="0"/>
+          </a:p>
+        </p:txBody>
+      </p:sp>
+      <p:cxnSp>
+        <p:nvCxnSpPr>
+          <p:cNvPr id="28" name="Straight Arrow Connector 27"/>
+          <p:cNvCxnSpPr>
+            <a:stCxn id="27" idx="0"/>
+            <a:endCxn id="32" idx="4"/>
+          </p:cNvCxnSpPr>
+          <p:nvPr/>
+        </p:nvCxnSpPr>
+        <p:spPr>
+          <a:xfrm rot="16200000" flipV="1">
+            <a:off x="6322231" y="3536157"/>
+            <a:ext cx="1428760" cy="1357322"/>
+          </a:xfrm>
+          <a:prstGeom prst="straightConnector1">
+            <a:avLst/>
+          </a:prstGeom>
+          <a:ln>
+            <a:tailEnd type="arrow"/>
+          </a:ln>
+        </p:spPr>
+        <p:style>
+          <a:lnRef idx="1">
+            <a:schemeClr val="accent1"/>
+          </a:lnRef>
+          <a:fillRef idx="0">
+            <a:schemeClr val="accent1"/>
+          </a:fillRef>
+          <a:effectRef idx="0">
+            <a:schemeClr val="accent1"/>
+          </a:effectRef>
+          <a:fontRef idx="minor">
+            <a:schemeClr val="tx1"/>
+          </a:fontRef>
+        </p:style>
+      </p:cxnSp>
+      <p:sp>
+        <p:nvSpPr>
+          <p:cNvPr id="32" name="Oval 31"/>
+          <p:cNvSpPr/>
+          <p:nvPr/>
+        </p:nvSpPr>
+        <p:spPr>
+          <a:xfrm>
+            <a:off x="5786446" y="3071810"/>
+            <a:ext cx="1143008" cy="428628"/>
+          </a:xfrm>
+          <a:prstGeom prst="ellipse">
+            <a:avLst/>
+          </a:prstGeom>
+        </p:spPr>
+        <p:style>
+          <a:lnRef idx="1">
+            <a:schemeClr val="dk1"/>
+          </a:lnRef>
+          <a:fillRef idx="2">
+            <a:schemeClr val="dk1"/>
+          </a:fillRef>
+          <a:effectRef idx="1">
+            <a:schemeClr val="dk1"/>
+          </a:effectRef>
+          <a:fontRef idx="minor">
+            <a:schemeClr val="dk1"/>
+          </a:fontRef>
+        </p:style>
+        <p:txBody>
+          <a:bodyPr rtlCol="0" anchor="ctr"/>
+          <a:lstStyle/>
+          <a:p>
+            <a:pPr algn="ctr"/>
+            <a:r>
+              <a:rPr lang="en-IN" sz="1050" dirty="0" smtClean="0"/>
+              <a:t>80:80</a:t>
+            </a:r>
+            <a:endParaRPr lang="en-IN" sz="1050" dirty="0"/>
+          </a:p>
+        </p:txBody>
+      </p:sp>
+      <p:cxnSp>
+        <p:nvCxnSpPr>
+          <p:cNvPr id="34" name="Straight Arrow Connector 33"/>
+          <p:cNvCxnSpPr>
+            <a:stCxn id="32" idx="1"/>
+            <a:endCxn id="13" idx="5"/>
+          </p:cNvCxnSpPr>
+          <p:nvPr/>
+        </p:nvCxnSpPr>
+        <p:spPr>
+          <a:xfrm rot="16200000" flipV="1">
+            <a:off x="5110324" y="2291068"/>
+            <a:ext cx="789408" cy="897617"/>
+          </a:xfrm>
+          <a:prstGeom prst="straightConnector1">
+            <a:avLst/>
+          </a:prstGeom>
+          <a:ln>
+            <a:tailEnd type="arrow"/>
+          </a:ln>
+        </p:spPr>
+        <p:style>
+          <a:lnRef idx="1">
+            <a:schemeClr val="accent1"/>
+          </a:lnRef>
+          <a:fillRef idx="0">
+            <a:schemeClr val="accent1"/>
+          </a:fillRef>
+          <a:effectRef idx="0">
+            <a:schemeClr val="accent1"/>
+          </a:effectRef>
+          <a:fontRef idx="minor">
+            <a:schemeClr val="tx1"/>
+          </a:fontRef>
+        </p:style>
+      </p:cxnSp>
+      <p:sp>
+        <p:nvSpPr>
+          <p:cNvPr id="41" name="Rectangle 40"/>
+          <p:cNvSpPr/>
+          <p:nvPr/>
+        </p:nvSpPr>
+        <p:spPr>
+          <a:xfrm>
+            <a:off x="928662" y="5643578"/>
+            <a:ext cx="2786082" cy="923330"/>
+          </a:xfrm>
+          <a:prstGeom prst="rect">
+            <a:avLst/>
+          </a:prstGeom>
+        </p:spPr>
+        <p:txBody>
+          <a:bodyPr wrap="square">
+            <a:spAutoFit/>
+          </a:bodyPr>
+          <a:lstStyle/>
+          <a:p>
+            <a:r>
+              <a:rPr lang="en-IN" sz="900" dirty="0" smtClean="0"/>
+              <a:t>SET DOCKER_TLS_VERIFY=1</a:t>
+            </a:r>
+          </a:p>
+          <a:p>
+            <a:r>
+              <a:rPr lang="en-IN" sz="900" dirty="0" smtClean="0"/>
+              <a:t>SET DOCKER_HOST=tcp://192.168.99.105:2376</a:t>
+            </a:r>
+          </a:p>
+          <a:p>
+            <a:r>
+              <a:rPr lang="en-IN" sz="900" dirty="0" smtClean="0"/>
+              <a:t>SET DOCKER_CERT_PATH=C:\Users\w2cluster01\.docker\machine\machines\docker-vm1</a:t>
+            </a:r>
+          </a:p>
+          <a:p>
+            <a:r>
+              <a:rPr lang="en-IN" sz="900" dirty="0" smtClean="0"/>
+              <a:t>SET DOCKER_MACHINE_NAME=docker-vm1</a:t>
+            </a:r>
+            <a:endParaRPr lang="en-IN" sz="900" dirty="0"/>
+          </a:p>
+        </p:txBody>
+      </p:sp>
+    </p:spTree>
+  </p:cSld>
+  <p:clrMapOvr>
+    <a:masterClrMapping/>
+  </p:clrMapOvr>
+  <p:timing>
+    <p:tnLst>
+      <p:par>
+        <p:cTn id="1" dur="indefinite" restart="never" nodeType="tmRoot"/>
+      </p:par>
+    </p:tnLst>
+  </p:timing>
+</p:sld>
+</file>
+
+<file path=ppt/slides/slide7.xml><?xml version="1.0" encoding="utf-8"?>
+<p:sld xmlns:a="http://schemas.openxmlformats.org/drawingml/2006/main" xmlns:r="http://schemas.openxmlformats.org/officeDocument/2006/relationships" xmlns:p="http://schemas.openxmlformats.org/presentationml/2006/main">
+  <p:cSld>
+    <p:spTree>
+      <p:nvGrpSpPr>
+        <p:cNvPr id="1" name=""/>
+        <p:cNvGrpSpPr/>
+        <p:nvPr/>
+      </p:nvGrpSpPr>
+      <p:grpSpPr>
+        <a:xfrm>
+          <a:off x="0" y="0"/>
+          <a:ext cx="0" cy="0"/>
+          <a:chOff x="0" y="0"/>
+          <a:chExt cx="0" cy="0"/>
+        </a:xfrm>
+      </p:grpSpPr>
+      <p:sp>
+        <p:nvSpPr>
+          <p:cNvPr id="42" name="Rounded Rectangle 41"/>
+          <p:cNvSpPr/>
+          <p:nvPr/>
+        </p:nvSpPr>
+        <p:spPr>
+          <a:xfrm>
+            <a:off x="2143108" y="4071942"/>
+            <a:ext cx="1357322" cy="642942"/>
+          </a:xfrm>
+          <a:prstGeom prst="roundRect">
+            <a:avLst/>
+          </a:prstGeom>
+        </p:spPr>
+        <p:style>
+          <a:lnRef idx="3">
+            <a:schemeClr val="lt1"/>
+          </a:lnRef>
+          <a:fillRef idx="1">
+            <a:schemeClr val="accent5"/>
+          </a:fillRef>
+          <a:effectRef idx="1">
+            <a:schemeClr val="accent5"/>
+          </a:effectRef>
+          <a:fontRef idx="minor">
+            <a:schemeClr val="lt1"/>
+          </a:fontRef>
+        </p:style>
+        <p:txBody>
+          <a:bodyPr rtlCol="0" anchor="ctr"/>
+          <a:lstStyle/>
+          <a:p>
+            <a:pPr algn="ctr"/>
+            <a:r>
+              <a:rPr lang="en-IN" dirty="0" err="1" smtClean="0"/>
+              <a:t>linux</a:t>
+            </a:r>
+            <a:endParaRPr lang="en-IN" dirty="0" smtClean="0"/>
+          </a:p>
+        </p:txBody>
+      </p:sp>
+      <p:sp>
+        <p:nvSpPr>
+          <p:cNvPr id="16" name="Rounded Rectangle 15"/>
+          <p:cNvSpPr/>
+          <p:nvPr/>
+        </p:nvSpPr>
+        <p:spPr>
+          <a:xfrm>
+            <a:off x="2143108" y="3357562"/>
+            <a:ext cx="1357322" cy="642942"/>
+          </a:xfrm>
+          <a:prstGeom prst="roundRect">
+            <a:avLst/>
+          </a:prstGeom>
+        </p:spPr>
+        <p:style>
+          <a:lnRef idx="3">
+            <a:schemeClr val="lt1"/>
+          </a:lnRef>
+          <a:fillRef idx="1">
+            <a:schemeClr val="accent5"/>
+          </a:fillRef>
+          <a:effectRef idx="1">
+            <a:schemeClr val="accent5"/>
+          </a:effectRef>
+          <a:fontRef idx="minor">
+            <a:schemeClr val="lt1"/>
+          </a:fontRef>
+        </p:style>
+        <p:txBody>
+          <a:bodyPr rtlCol="0" anchor="ctr"/>
+          <a:lstStyle/>
+          <a:p>
+            <a:pPr algn="ctr"/>
+            <a:r>
+              <a:rPr lang="en-IN" dirty="0" err="1" smtClean="0"/>
+              <a:t>jre</a:t>
+            </a:r>
+            <a:endParaRPr lang="en-IN" dirty="0" smtClean="0"/>
+          </a:p>
+        </p:txBody>
+      </p:sp>
+      <p:sp>
+        <p:nvSpPr>
+          <p:cNvPr id="17" name="Rounded Rectangle 16"/>
+          <p:cNvSpPr/>
+          <p:nvPr/>
+        </p:nvSpPr>
+        <p:spPr>
+          <a:xfrm>
+            <a:off x="2143108" y="2571744"/>
+            <a:ext cx="1357322" cy="642942"/>
+          </a:xfrm>
+          <a:prstGeom prst="roundRect">
+            <a:avLst/>
+          </a:prstGeom>
+        </p:spPr>
+        <p:style>
+          <a:lnRef idx="3">
+            <a:schemeClr val="lt1"/>
+          </a:lnRef>
+          <a:fillRef idx="1">
+            <a:schemeClr val="accent5"/>
+          </a:fillRef>
+          <a:effectRef idx="1">
+            <a:schemeClr val="accent5"/>
+          </a:effectRef>
+          <a:fontRef idx="minor">
+            <a:schemeClr val="lt1"/>
+          </a:fontRef>
+        </p:style>
+        <p:txBody>
+          <a:bodyPr rtlCol="0" anchor="ctr"/>
+          <a:lstStyle/>
+          <a:p>
+            <a:pPr algn="ctr"/>
+            <a:r>
+              <a:rPr lang="en-IN" dirty="0" smtClean="0"/>
+              <a:t>Boot app</a:t>
+            </a:r>
+            <a:endParaRPr lang="en-IN" dirty="0" smtClean="0"/>
           </a:p>
         </p:txBody>
       </p:sp>

--- a/Lab-Designs.pptx
+++ b/Lab-Designs.pptx
@@ -6942,7 +6942,6 @@
               <a:rPr lang="en-IN" dirty="0" smtClean="0"/>
               <a:t>-host)</a:t>
             </a:r>
-            <a:endParaRPr lang="en-IN" dirty="0" smtClean="0"/>
           </a:p>
         </p:txBody>
       </p:sp>
@@ -7024,11 +7023,7 @@
             <a:pPr algn="ctr"/>
             <a:r>
               <a:rPr lang="en-IN" dirty="0" smtClean="0"/>
-              <a:t>n</a:t>
-            </a:r>
-            <a:r>
-              <a:rPr lang="en-IN" dirty="0" smtClean="0"/>
-              <a:t>ginx:80</a:t>
+              <a:t>nginx:80</a:t>
             </a:r>
             <a:endParaRPr lang="en-IN" dirty="0"/>
           </a:p>
@@ -7116,11 +7111,7 @@
             <a:pPr algn="ctr"/>
             <a:r>
               <a:rPr lang="en-IN" dirty="0" smtClean="0"/>
-              <a:t>d</a:t>
-            </a:r>
-            <a:r>
-              <a:rPr lang="en-IN" dirty="0" smtClean="0"/>
-              <a:t>ocker.exe</a:t>
+              <a:t>docker.exe</a:t>
             </a:r>
             <a:endParaRPr lang="en-IN" dirty="0"/>
           </a:p>
@@ -7234,7 +7225,6 @@
               <a:rPr lang="en-IN" dirty="0" smtClean="0"/>
               <a:t>Image cache</a:t>
             </a:r>
-            <a:endParaRPr lang="en-IN" dirty="0" smtClean="0"/>
           </a:p>
         </p:txBody>
       </p:sp>
@@ -7440,6 +7430,36 @@
               <a:t>SET DOCKER_MACHINE_NAME=docker-vm1</a:t>
             </a:r>
             <a:endParaRPr lang="en-IN" sz="900" dirty="0"/>
+          </a:p>
+        </p:txBody>
+      </p:sp>
+      <p:sp>
+        <p:nvSpPr>
+          <p:cNvPr id="19" name="TextBox 18"/>
+          <p:cNvSpPr txBox="1"/>
+          <p:nvPr/>
+        </p:nvSpPr>
+        <p:spPr>
+          <a:xfrm>
+            <a:off x="214282" y="214290"/>
+            <a:ext cx="1000132" cy="369332"/>
+          </a:xfrm>
+          <a:prstGeom prst="rect">
+            <a:avLst/>
+          </a:prstGeom>
+          <a:noFill/>
+        </p:spPr>
+        <p:txBody>
+          <a:bodyPr wrap="square" rtlCol="0">
+            <a:spAutoFit/>
+          </a:bodyPr>
+          <a:lstStyle/>
+          <a:p>
+            <a:r>
+              <a:rPr lang="en-IN" dirty="0" err="1" smtClean="0"/>
+              <a:t>docker</a:t>
+            </a:r>
+            <a:endParaRPr lang="en-IN" dirty="0"/>
           </a:p>
         </p:txBody>
       </p:sp>
@@ -7477,31 +7497,199 @@
       </p:grpSpPr>
       <p:sp>
         <p:nvSpPr>
-          <p:cNvPr id="42" name="Rounded Rectangle 41"/>
+          <p:cNvPr id="5" name="Rounded Rectangle 4"/>
           <p:cNvSpPr/>
           <p:nvPr/>
         </p:nvSpPr>
         <p:spPr>
           <a:xfrm>
-            <a:off x="2143108" y="4071942"/>
-            <a:ext cx="1357322" cy="642942"/>
+            <a:off x="428596" y="857232"/>
+            <a:ext cx="7286676" cy="3786214"/>
           </a:xfrm>
           <a:prstGeom prst="roundRect">
             <a:avLst/>
           </a:prstGeom>
         </p:spPr>
         <p:style>
-          <a:lnRef idx="3">
+          <a:lnRef idx="2">
+            <a:schemeClr val="accent6"/>
+          </a:lnRef>
+          <a:fillRef idx="1">
             <a:schemeClr val="lt1"/>
+          </a:fillRef>
+          <a:effectRef idx="0">
+            <a:schemeClr val="accent6"/>
+          </a:effectRef>
+          <a:fontRef idx="minor">
+            <a:schemeClr val="dk1"/>
+          </a:fontRef>
+        </p:style>
+        <p:txBody>
+          <a:bodyPr rtlCol="0" anchor="ctr"/>
+          <a:lstStyle/>
+          <a:p>
+            <a:pPr algn="ctr"/>
+            <a:endParaRPr lang="en-IN" dirty="0" smtClean="0"/>
+          </a:p>
+          <a:p>
+            <a:pPr algn="ctr"/>
+            <a:endParaRPr lang="en-IN" dirty="0" smtClean="0"/>
+          </a:p>
+          <a:p>
+            <a:pPr algn="ctr"/>
+            <a:endParaRPr lang="en-IN" dirty="0" smtClean="0"/>
+          </a:p>
+          <a:p>
+            <a:pPr algn="ctr"/>
+            <a:endParaRPr lang="en-IN" dirty="0" smtClean="0"/>
+          </a:p>
+          <a:p>
+            <a:pPr algn="ctr"/>
+            <a:endParaRPr lang="en-IN" dirty="0" smtClean="0"/>
+          </a:p>
+          <a:p>
+            <a:pPr algn="ctr"/>
+            <a:endParaRPr lang="en-IN" dirty="0" smtClean="0"/>
+          </a:p>
+          <a:p>
+            <a:pPr algn="ctr"/>
+            <a:endParaRPr lang="en-IN" dirty="0" smtClean="0"/>
+          </a:p>
+          <a:p>
+            <a:pPr algn="ctr"/>
+            <a:endParaRPr lang="en-IN" dirty="0" smtClean="0"/>
+          </a:p>
+          <a:p>
+            <a:pPr algn="ctr"/>
+            <a:r>
+              <a:rPr lang="en-IN" dirty="0" smtClean="0"/>
+              <a:t>Docker-vm1 (</a:t>
+            </a:r>
+            <a:r>
+              <a:rPr lang="en-IN" dirty="0" err="1" smtClean="0"/>
+              <a:t>docker</a:t>
+            </a:r>
+            <a:r>
+              <a:rPr lang="en-IN" dirty="0" smtClean="0"/>
+              <a:t>-host)</a:t>
+            </a:r>
+          </a:p>
+        </p:txBody>
+      </p:sp>
+      <p:sp>
+        <p:nvSpPr>
+          <p:cNvPr id="10" name="Flowchart: Connector 9"/>
+          <p:cNvSpPr/>
+          <p:nvPr/>
+        </p:nvSpPr>
+        <p:spPr>
+          <a:xfrm>
+            <a:off x="3786182" y="1142984"/>
+            <a:ext cx="2214578" cy="1714512"/>
+          </a:xfrm>
+          <a:prstGeom prst="flowChartConnector">
+            <a:avLst/>
+          </a:prstGeom>
+        </p:spPr>
+        <p:style>
+          <a:lnRef idx="2">
+            <a:schemeClr val="accent5"/>
           </a:lnRef>
           <a:fillRef idx="1">
+            <a:schemeClr val="lt1"/>
+          </a:fillRef>
+          <a:effectRef idx="0">
             <a:schemeClr val="accent5"/>
+          </a:effectRef>
+          <a:fontRef idx="minor">
+            <a:schemeClr val="dk1"/>
+          </a:fontRef>
+        </p:style>
+        <p:txBody>
+          <a:bodyPr rtlCol="0" anchor="ctr"/>
+          <a:lstStyle/>
+          <a:p>
+            <a:pPr algn="ctr"/>
+            <a:r>
+              <a:rPr lang="en-IN" dirty="0" smtClean="0">
+                <a:solidFill>
+                  <a:schemeClr val="dk1"/>
+                </a:solidFill>
+              </a:rPr>
+              <a:t>N2</a:t>
+            </a:r>
+          </a:p>
+        </p:txBody>
+      </p:sp>
+      <p:sp>
+        <p:nvSpPr>
+          <p:cNvPr id="9" name="Flowchart: Connector 8"/>
+          <p:cNvSpPr/>
+          <p:nvPr/>
+        </p:nvSpPr>
+        <p:spPr>
+          <a:xfrm>
+            <a:off x="1428728" y="1285860"/>
+            <a:ext cx="2214578" cy="1714512"/>
+          </a:xfrm>
+          <a:prstGeom prst="flowChartConnector">
+            <a:avLst/>
+          </a:prstGeom>
+        </p:spPr>
+        <p:style>
+          <a:lnRef idx="2">
+            <a:schemeClr val="accent5"/>
+          </a:lnRef>
+          <a:fillRef idx="1">
+            <a:schemeClr val="lt1"/>
+          </a:fillRef>
+          <a:effectRef idx="0">
+            <a:schemeClr val="accent5"/>
+          </a:effectRef>
+          <a:fontRef idx="minor">
+            <a:schemeClr val="dk1"/>
+          </a:fontRef>
+        </p:style>
+        <p:txBody>
+          <a:bodyPr rtlCol="0" anchor="ctr"/>
+          <a:lstStyle/>
+          <a:p>
+            <a:pPr algn="ctr"/>
+            <a:r>
+              <a:rPr lang="en-IN" dirty="0" smtClean="0"/>
+              <a:t>N1</a:t>
+            </a:r>
+            <a:endParaRPr lang="en-IN" dirty="0"/>
+          </a:p>
+        </p:txBody>
+      </p:sp>
+      <p:sp>
+        <p:nvSpPr>
+          <p:cNvPr id="6" name="Oval 5"/>
+          <p:cNvSpPr/>
+          <p:nvPr/>
+        </p:nvSpPr>
+        <p:spPr>
+          <a:xfrm>
+            <a:off x="1214414" y="1357298"/>
+            <a:ext cx="642942" cy="500066"/>
+          </a:xfrm>
+          <a:prstGeom prst="ellipse">
+            <a:avLst/>
+          </a:prstGeom>
+        </p:spPr>
+        <p:style>
+          <a:lnRef idx="1">
+            <a:schemeClr val="dk1"/>
+          </a:lnRef>
+          <a:fillRef idx="2">
+            <a:schemeClr val="dk1"/>
           </a:fillRef>
           <a:effectRef idx="1">
-            <a:schemeClr val="accent5"/>
-          </a:effectRef>
-          <a:fontRef idx="minor">
-            <a:schemeClr val="lt1"/>
+            <a:schemeClr val="dk1"/>
+          </a:effectRef>
+          <a:fontRef idx="minor">
+            <a:schemeClr val="dk1"/>
           </a:fontRef>
         </p:style>
         <p:txBody>
@@ -7510,94 +7698,170 @@
           <a:p>
             <a:pPr algn="ctr"/>
             <a:r>
+              <a:rPr lang="en-IN" sz="1050" dirty="0" smtClean="0"/>
+              <a:t>s1</a:t>
+            </a:r>
+            <a:endParaRPr lang="en-IN" sz="1050" dirty="0"/>
+          </a:p>
+        </p:txBody>
+      </p:sp>
+      <p:sp>
+        <p:nvSpPr>
+          <p:cNvPr id="7" name="Oval 6"/>
+          <p:cNvSpPr/>
+          <p:nvPr/>
+        </p:nvSpPr>
+        <p:spPr>
+          <a:xfrm>
+            <a:off x="3286116" y="1785926"/>
+            <a:ext cx="642942" cy="500066"/>
+          </a:xfrm>
+          <a:prstGeom prst="ellipse">
+            <a:avLst/>
+          </a:prstGeom>
+        </p:spPr>
+        <p:style>
+          <a:lnRef idx="1">
+            <a:schemeClr val="dk1"/>
+          </a:lnRef>
+          <a:fillRef idx="2">
+            <a:schemeClr val="dk1"/>
+          </a:fillRef>
+          <a:effectRef idx="1">
+            <a:schemeClr val="dk1"/>
+          </a:effectRef>
+          <a:fontRef idx="minor">
+            <a:schemeClr val="dk1"/>
+          </a:fontRef>
+        </p:style>
+        <p:txBody>
+          <a:bodyPr rtlCol="0" anchor="ctr"/>
+          <a:lstStyle/>
+          <a:p>
+            <a:pPr algn="ctr"/>
+            <a:r>
+              <a:rPr lang="en-IN" sz="1050" dirty="0" smtClean="0"/>
+              <a:t>s2</a:t>
+            </a:r>
+            <a:endParaRPr lang="en-IN" sz="1050" dirty="0"/>
+          </a:p>
+        </p:txBody>
+      </p:sp>
+      <p:sp>
+        <p:nvSpPr>
+          <p:cNvPr id="8" name="Oval 7"/>
+          <p:cNvSpPr/>
+          <p:nvPr/>
+        </p:nvSpPr>
+        <p:spPr>
+          <a:xfrm>
+            <a:off x="1428728" y="2500306"/>
+            <a:ext cx="642942" cy="500066"/>
+          </a:xfrm>
+          <a:prstGeom prst="ellipse">
+            <a:avLst/>
+          </a:prstGeom>
+        </p:spPr>
+        <p:style>
+          <a:lnRef idx="1">
+            <a:schemeClr val="dk1"/>
+          </a:lnRef>
+          <a:fillRef idx="2">
+            <a:schemeClr val="dk1"/>
+          </a:fillRef>
+          <a:effectRef idx="1">
+            <a:schemeClr val="dk1"/>
+          </a:effectRef>
+          <a:fontRef idx="minor">
+            <a:schemeClr val="dk1"/>
+          </a:fontRef>
+        </p:style>
+        <p:txBody>
+          <a:bodyPr rtlCol="0" anchor="ctr"/>
+          <a:lstStyle/>
+          <a:p>
+            <a:pPr algn="ctr"/>
+            <a:r>
+              <a:rPr lang="en-IN" sz="1050" dirty="0" smtClean="0"/>
+              <a:t>s3</a:t>
+            </a:r>
+            <a:endParaRPr lang="en-IN" sz="1050" dirty="0"/>
+          </a:p>
+        </p:txBody>
+      </p:sp>
+      <p:sp>
+        <p:nvSpPr>
+          <p:cNvPr id="11" name="Oval 10"/>
+          <p:cNvSpPr/>
+          <p:nvPr/>
+        </p:nvSpPr>
+        <p:spPr>
+          <a:xfrm>
+            <a:off x="5572132" y="1643050"/>
+            <a:ext cx="642942" cy="500066"/>
+          </a:xfrm>
+          <a:prstGeom prst="ellipse">
+            <a:avLst/>
+          </a:prstGeom>
+        </p:spPr>
+        <p:style>
+          <a:lnRef idx="1">
+            <a:schemeClr val="dk1"/>
+          </a:lnRef>
+          <a:fillRef idx="2">
+            <a:schemeClr val="dk1"/>
+          </a:fillRef>
+          <a:effectRef idx="1">
+            <a:schemeClr val="dk1"/>
+          </a:effectRef>
+          <a:fontRef idx="minor">
+            <a:schemeClr val="dk1"/>
+          </a:fontRef>
+        </p:style>
+        <p:txBody>
+          <a:bodyPr rtlCol="0" anchor="ctr"/>
+          <a:lstStyle/>
+          <a:p>
+            <a:pPr algn="ctr"/>
+            <a:r>
+              <a:rPr lang="en-IN" sz="1050" dirty="0" smtClean="0"/>
+              <a:t>s7</a:t>
+            </a:r>
+            <a:endParaRPr lang="en-IN" sz="1050" dirty="0"/>
+          </a:p>
+        </p:txBody>
+      </p:sp>
+      <p:sp>
+        <p:nvSpPr>
+          <p:cNvPr id="12" name="TextBox 11"/>
+          <p:cNvSpPr txBox="1"/>
+          <p:nvPr/>
+        </p:nvSpPr>
+        <p:spPr>
+          <a:xfrm>
+            <a:off x="357158" y="357166"/>
+            <a:ext cx="2643206" cy="369332"/>
+          </a:xfrm>
+          <a:prstGeom prst="rect">
+            <a:avLst/>
+          </a:prstGeom>
+          <a:noFill/>
+        </p:spPr>
+        <p:txBody>
+          <a:bodyPr wrap="square" rtlCol="0">
+            <a:spAutoFit/>
+          </a:bodyPr>
+          <a:lstStyle/>
+          <a:p>
+            <a:r>
               <a:rPr lang="en-IN" dirty="0" err="1" smtClean="0"/>
-              <a:t>linux</a:t>
-            </a:r>
-            <a:endParaRPr lang="en-IN" dirty="0" smtClean="0"/>
-          </a:p>
-        </p:txBody>
-      </p:sp>
-      <p:sp>
-        <p:nvSpPr>
-          <p:cNvPr id="16" name="Rounded Rectangle 15"/>
-          <p:cNvSpPr/>
-          <p:nvPr/>
-        </p:nvSpPr>
-        <p:spPr>
-          <a:xfrm>
-            <a:off x="2143108" y="3357562"/>
-            <a:ext cx="1357322" cy="642942"/>
-          </a:xfrm>
-          <a:prstGeom prst="roundRect">
-            <a:avLst/>
-          </a:prstGeom>
-        </p:spPr>
-        <p:style>
-          <a:lnRef idx="3">
-            <a:schemeClr val="lt1"/>
-          </a:lnRef>
-          <a:fillRef idx="1">
-            <a:schemeClr val="accent5"/>
-          </a:fillRef>
-          <a:effectRef idx="1">
-            <a:schemeClr val="accent5"/>
-          </a:effectRef>
-          <a:fontRef idx="minor">
-            <a:schemeClr val="lt1"/>
-          </a:fontRef>
-        </p:style>
-        <p:txBody>
-          <a:bodyPr rtlCol="0" anchor="ctr"/>
-          <a:lstStyle/>
-          <a:p>
-            <a:pPr algn="ctr"/>
-            <a:r>
-              <a:rPr lang="en-IN" dirty="0" err="1" smtClean="0"/>
-              <a:t>jre</a:t>
-            </a:r>
-            <a:endParaRPr lang="en-IN" dirty="0" smtClean="0"/>
-          </a:p>
-        </p:txBody>
-      </p:sp>
-      <p:sp>
-        <p:nvSpPr>
-          <p:cNvPr id="17" name="Rounded Rectangle 16"/>
-          <p:cNvSpPr/>
-          <p:nvPr/>
-        </p:nvSpPr>
-        <p:spPr>
-          <a:xfrm>
-            <a:off x="2143108" y="2571744"/>
-            <a:ext cx="1357322" cy="642942"/>
-          </a:xfrm>
-          <a:prstGeom prst="roundRect">
-            <a:avLst/>
-          </a:prstGeom>
-        </p:spPr>
-        <p:style>
-          <a:lnRef idx="3">
-            <a:schemeClr val="lt1"/>
-          </a:lnRef>
-          <a:fillRef idx="1">
-            <a:schemeClr val="accent5"/>
-          </a:fillRef>
-          <a:effectRef idx="1">
-            <a:schemeClr val="accent5"/>
-          </a:effectRef>
-          <a:fontRef idx="minor">
-            <a:schemeClr val="lt1"/>
-          </a:fontRef>
-        </p:style>
-        <p:txBody>
-          <a:bodyPr rtlCol="0" anchor="ctr"/>
-          <a:lstStyle/>
-          <a:p>
-            <a:pPr algn="ctr"/>
+              <a:t>Docker</a:t>
+            </a:r>
             <a:r>
               <a:rPr lang="en-IN" dirty="0" smtClean="0"/>
-              <a:t>Boot app</a:t>
-            </a:r>
-            <a:endParaRPr lang="en-IN" dirty="0" smtClean="0"/>
+              <a:t> networking</a:t>
+            </a:r>
+            <a:endParaRPr lang="en-IN" dirty="0"/>
           </a:p>
         </p:txBody>
       </p:sp>

--- a/Lab-Designs.pptx
+++ b/Lab-Designs.pptx
@@ -12,6 +12,8 @@
     <p:sldId id="260" r:id="rId6"/>
     <p:sldId id="261" r:id="rId7"/>
     <p:sldId id="262" r:id="rId8"/>
+    <p:sldId id="263" r:id="rId9"/>
+    <p:sldId id="264" r:id="rId10"/>
   </p:sldIdLst>
   <p:sldSz cx="9144000" cy="6858000" type="screen4x3"/>
   <p:notesSz cx="6858000" cy="9144000"/>
@@ -295,7 +297,7 @@
             <a:fld id="{78E1F05C-0397-4A0F-A451-2FD85460A4C7}" type="datetimeFigureOut">
               <a:rPr lang="en-US" smtClean="0"/>
               <a:pPr/>
-              <a:t>4/9/2020</a:t>
+              <a:t>4/13/2020</a:t>
             </a:fld>
             <a:endParaRPr lang="en-IN"/>
           </a:p>
@@ -462,7 +464,7 @@
             <a:fld id="{78E1F05C-0397-4A0F-A451-2FD85460A4C7}" type="datetimeFigureOut">
               <a:rPr lang="en-US" smtClean="0"/>
               <a:pPr/>
-              <a:t>4/9/2020</a:t>
+              <a:t>4/13/2020</a:t>
             </a:fld>
             <a:endParaRPr lang="en-IN"/>
           </a:p>
@@ -639,7 +641,7 @@
             <a:fld id="{78E1F05C-0397-4A0F-A451-2FD85460A4C7}" type="datetimeFigureOut">
               <a:rPr lang="en-US" smtClean="0"/>
               <a:pPr/>
-              <a:t>4/9/2020</a:t>
+              <a:t>4/13/2020</a:t>
             </a:fld>
             <a:endParaRPr lang="en-IN"/>
           </a:p>
@@ -806,7 +808,7 @@
             <a:fld id="{78E1F05C-0397-4A0F-A451-2FD85460A4C7}" type="datetimeFigureOut">
               <a:rPr lang="en-US" smtClean="0"/>
               <a:pPr/>
-              <a:t>4/9/2020</a:t>
+              <a:t>4/13/2020</a:t>
             </a:fld>
             <a:endParaRPr lang="en-IN"/>
           </a:p>
@@ -1049,7 +1051,7 @@
             <a:fld id="{78E1F05C-0397-4A0F-A451-2FD85460A4C7}" type="datetimeFigureOut">
               <a:rPr lang="en-US" smtClean="0"/>
               <a:pPr/>
-              <a:t>4/9/2020</a:t>
+              <a:t>4/13/2020</a:t>
             </a:fld>
             <a:endParaRPr lang="en-IN"/>
           </a:p>
@@ -1334,7 +1336,7 @@
             <a:fld id="{78E1F05C-0397-4A0F-A451-2FD85460A4C7}" type="datetimeFigureOut">
               <a:rPr lang="en-US" smtClean="0"/>
               <a:pPr/>
-              <a:t>4/9/2020</a:t>
+              <a:t>4/13/2020</a:t>
             </a:fld>
             <a:endParaRPr lang="en-IN"/>
           </a:p>
@@ -1753,7 +1755,7 @@
             <a:fld id="{78E1F05C-0397-4A0F-A451-2FD85460A4C7}" type="datetimeFigureOut">
               <a:rPr lang="en-US" smtClean="0"/>
               <a:pPr/>
-              <a:t>4/9/2020</a:t>
+              <a:t>4/13/2020</a:t>
             </a:fld>
             <a:endParaRPr lang="en-IN"/>
           </a:p>
@@ -1868,7 +1870,7 @@
             <a:fld id="{78E1F05C-0397-4A0F-A451-2FD85460A4C7}" type="datetimeFigureOut">
               <a:rPr lang="en-US" smtClean="0"/>
               <a:pPr/>
-              <a:t>4/9/2020</a:t>
+              <a:t>4/13/2020</a:t>
             </a:fld>
             <a:endParaRPr lang="en-IN"/>
           </a:p>
@@ -1960,7 +1962,7 @@
             <a:fld id="{78E1F05C-0397-4A0F-A451-2FD85460A4C7}" type="datetimeFigureOut">
               <a:rPr lang="en-US" smtClean="0"/>
               <a:pPr/>
-              <a:t>4/9/2020</a:t>
+              <a:t>4/13/2020</a:t>
             </a:fld>
             <a:endParaRPr lang="en-IN"/>
           </a:p>
@@ -2234,7 +2236,7 @@
             <a:fld id="{78E1F05C-0397-4A0F-A451-2FD85460A4C7}" type="datetimeFigureOut">
               <a:rPr lang="en-US" smtClean="0"/>
               <a:pPr/>
-              <a:t>4/9/2020</a:t>
+              <a:t>4/13/2020</a:t>
             </a:fld>
             <a:endParaRPr lang="en-IN"/>
           </a:p>
@@ -2484,7 +2486,7 @@
             <a:fld id="{78E1F05C-0397-4A0F-A451-2FD85460A4C7}" type="datetimeFigureOut">
               <a:rPr lang="en-US" smtClean="0"/>
               <a:pPr/>
-              <a:t>4/9/2020</a:t>
+              <a:t>4/13/2020</a:t>
             </a:fld>
             <a:endParaRPr lang="en-IN"/>
           </a:p>
@@ -2694,7 +2696,7 @@
             <a:fld id="{78E1F05C-0397-4A0F-A451-2FD85460A4C7}" type="datetimeFigureOut">
               <a:rPr lang="en-US" smtClean="0"/>
               <a:pPr/>
-              <a:t>4/9/2020</a:t>
+              <a:t>4/13/2020</a:t>
             </a:fld>
             <a:endParaRPr lang="en-IN"/>
           </a:p>
@@ -7873,6 +7875,953 @@
 </p:sld>
 </file>
 
+<file path=ppt/slides/slide8.xml><?xml version="1.0" encoding="utf-8"?>
+<p:sld xmlns:a="http://schemas.openxmlformats.org/drawingml/2006/main" xmlns:r="http://schemas.openxmlformats.org/officeDocument/2006/relationships" xmlns:p="http://schemas.openxmlformats.org/presentationml/2006/main">
+  <p:cSld>
+    <p:spTree>
+      <p:nvGrpSpPr>
+        <p:cNvPr id="1" name=""/>
+        <p:cNvGrpSpPr/>
+        <p:nvPr/>
+      </p:nvGrpSpPr>
+      <p:grpSpPr>
+        <a:xfrm>
+          <a:off x="0" y="0"/>
+          <a:ext cx="0" cy="0"/>
+          <a:chOff x="0" y="0"/>
+          <a:chExt cx="0" cy="0"/>
+        </a:xfrm>
+      </p:grpSpPr>
+      <p:sp>
+        <p:nvSpPr>
+          <p:cNvPr id="4" name="Rounded Rectangle 3"/>
+          <p:cNvSpPr/>
+          <p:nvPr/>
+        </p:nvSpPr>
+        <p:spPr>
+          <a:xfrm>
+            <a:off x="500034" y="357166"/>
+            <a:ext cx="8286808" cy="6143668"/>
+          </a:xfrm>
+          <a:prstGeom prst="roundRect">
+            <a:avLst/>
+          </a:prstGeom>
+        </p:spPr>
+        <p:style>
+          <a:lnRef idx="2">
+            <a:schemeClr val="accent6"/>
+          </a:lnRef>
+          <a:fillRef idx="1">
+            <a:schemeClr val="lt1"/>
+          </a:fillRef>
+          <a:effectRef idx="0">
+            <a:schemeClr val="accent6"/>
+          </a:effectRef>
+          <a:fontRef idx="minor">
+            <a:schemeClr val="dk1"/>
+          </a:fontRef>
+        </p:style>
+        <p:txBody>
+          <a:bodyPr rtlCol="0" anchor="ctr"/>
+          <a:lstStyle/>
+          <a:p>
+            <a:pPr algn="ctr"/>
+            <a:endParaRPr lang="en-IN" dirty="0" smtClean="0"/>
+          </a:p>
+          <a:p>
+            <a:pPr algn="ctr"/>
+            <a:endParaRPr lang="en-IN" dirty="0" smtClean="0"/>
+          </a:p>
+          <a:p>
+            <a:pPr algn="ctr"/>
+            <a:endParaRPr lang="en-IN" dirty="0" smtClean="0"/>
+          </a:p>
+          <a:p>
+            <a:pPr algn="ctr"/>
+            <a:endParaRPr lang="en-IN" dirty="0" smtClean="0"/>
+          </a:p>
+          <a:p>
+            <a:pPr algn="ctr"/>
+            <a:endParaRPr lang="en-IN" dirty="0" smtClean="0"/>
+          </a:p>
+          <a:p>
+            <a:pPr algn="ctr"/>
+            <a:endParaRPr lang="en-IN" dirty="0" smtClean="0"/>
+          </a:p>
+          <a:p>
+            <a:pPr algn="ctr"/>
+            <a:endParaRPr lang="en-IN" dirty="0" smtClean="0"/>
+          </a:p>
+          <a:p>
+            <a:pPr algn="ctr"/>
+            <a:endParaRPr lang="en-IN" dirty="0" smtClean="0"/>
+          </a:p>
+          <a:p>
+            <a:pPr algn="ctr"/>
+            <a:endParaRPr lang="en-IN" dirty="0" smtClean="0"/>
+          </a:p>
+          <a:p>
+            <a:pPr algn="ctr"/>
+            <a:endParaRPr lang="en-IN" dirty="0" smtClean="0"/>
+          </a:p>
+          <a:p>
+            <a:pPr algn="ctr"/>
+            <a:endParaRPr lang="en-IN" dirty="0" smtClean="0"/>
+          </a:p>
+          <a:p>
+            <a:pPr algn="ctr"/>
+            <a:endParaRPr lang="en-IN" dirty="0" smtClean="0"/>
+          </a:p>
+          <a:p>
+            <a:pPr algn="ctr"/>
+            <a:endParaRPr lang="en-IN" dirty="0" smtClean="0"/>
+          </a:p>
+          <a:p>
+            <a:pPr algn="ctr"/>
+            <a:endParaRPr lang="en-IN" dirty="0" smtClean="0"/>
+          </a:p>
+          <a:p>
+            <a:pPr algn="ctr"/>
+            <a:endParaRPr lang="en-IN" dirty="0" smtClean="0"/>
+          </a:p>
+          <a:p>
+            <a:pPr algn="ctr"/>
+            <a:endParaRPr lang="en-IN" dirty="0" smtClean="0"/>
+          </a:p>
+          <a:p>
+            <a:pPr algn="ctr"/>
+            <a:endParaRPr lang="en-IN" dirty="0" smtClean="0"/>
+          </a:p>
+          <a:p>
+            <a:pPr algn="ctr"/>
+            <a:endParaRPr lang="en-IN" dirty="0" smtClean="0"/>
+          </a:p>
+          <a:p>
+            <a:pPr algn="ctr"/>
+            <a:endParaRPr lang="en-IN" dirty="0" smtClean="0"/>
+          </a:p>
+          <a:p>
+            <a:pPr algn="ctr"/>
+            <a:endParaRPr lang="en-IN" dirty="0" smtClean="0"/>
+          </a:p>
+          <a:p>
+            <a:pPr algn="ctr"/>
+            <a:r>
+              <a:rPr lang="en-IN" dirty="0" smtClean="0"/>
+              <a:t>WINDOWS VM</a:t>
+            </a:r>
+            <a:endParaRPr lang="en-IN" dirty="0"/>
+          </a:p>
+        </p:txBody>
+      </p:sp>
+      <p:sp>
+        <p:nvSpPr>
+          <p:cNvPr id="5" name="Rounded Rectangle 4"/>
+          <p:cNvSpPr/>
+          <p:nvPr/>
+        </p:nvSpPr>
+        <p:spPr>
+          <a:xfrm>
+            <a:off x="1928794" y="571480"/>
+            <a:ext cx="5214974" cy="3571900"/>
+          </a:xfrm>
+          <a:prstGeom prst="roundRect">
+            <a:avLst/>
+          </a:prstGeom>
+        </p:spPr>
+        <p:style>
+          <a:lnRef idx="2">
+            <a:schemeClr val="accent6"/>
+          </a:lnRef>
+          <a:fillRef idx="1">
+            <a:schemeClr val="lt1"/>
+          </a:fillRef>
+          <a:effectRef idx="0">
+            <a:schemeClr val="accent6"/>
+          </a:effectRef>
+          <a:fontRef idx="minor">
+            <a:schemeClr val="dk1"/>
+          </a:fontRef>
+        </p:style>
+        <p:txBody>
+          <a:bodyPr rtlCol="0" anchor="ctr"/>
+          <a:lstStyle/>
+          <a:p>
+            <a:pPr algn="ctr"/>
+            <a:endParaRPr lang="en-IN" dirty="0" smtClean="0"/>
+          </a:p>
+          <a:p>
+            <a:pPr algn="ctr"/>
+            <a:endParaRPr lang="en-IN" dirty="0" smtClean="0"/>
+          </a:p>
+          <a:p>
+            <a:pPr algn="ctr"/>
+            <a:endParaRPr lang="en-IN" dirty="0" smtClean="0"/>
+          </a:p>
+          <a:p>
+            <a:pPr algn="ctr"/>
+            <a:endParaRPr lang="en-IN" dirty="0" smtClean="0"/>
+          </a:p>
+          <a:p>
+            <a:pPr algn="ctr"/>
+            <a:endParaRPr lang="en-IN" dirty="0" smtClean="0"/>
+          </a:p>
+          <a:p>
+            <a:pPr algn="ctr"/>
+            <a:endParaRPr lang="en-IN" dirty="0" smtClean="0"/>
+          </a:p>
+          <a:p>
+            <a:pPr algn="ctr"/>
+            <a:endParaRPr lang="en-IN" dirty="0" smtClean="0"/>
+          </a:p>
+          <a:p>
+            <a:pPr algn="ctr"/>
+            <a:endParaRPr lang="en-IN" dirty="0" smtClean="0"/>
+          </a:p>
+          <a:p>
+            <a:pPr algn="ctr"/>
+            <a:endParaRPr lang="en-IN" dirty="0" smtClean="0"/>
+          </a:p>
+          <a:p>
+            <a:pPr algn="ctr"/>
+            <a:endParaRPr lang="en-IN" dirty="0" smtClean="0"/>
+          </a:p>
+          <a:p>
+            <a:pPr algn="ctr"/>
+            <a:endParaRPr lang="en-IN" dirty="0" smtClean="0"/>
+          </a:p>
+          <a:p>
+            <a:pPr algn="ctr"/>
+            <a:r>
+              <a:rPr lang="en-IN" dirty="0" smtClean="0"/>
+              <a:t>Virtual VM</a:t>
+            </a:r>
+            <a:endParaRPr lang="en-IN" dirty="0" smtClean="0"/>
+          </a:p>
+        </p:txBody>
+      </p:sp>
+      <p:sp>
+        <p:nvSpPr>
+          <p:cNvPr id="6" name="Rounded Rectangle 5"/>
+          <p:cNvSpPr/>
+          <p:nvPr/>
+        </p:nvSpPr>
+        <p:spPr>
+          <a:xfrm>
+            <a:off x="3428992" y="2643182"/>
+            <a:ext cx="2428892" cy="633418"/>
+          </a:xfrm>
+          <a:prstGeom prst="roundRect">
+            <a:avLst/>
+          </a:prstGeom>
+        </p:spPr>
+        <p:style>
+          <a:lnRef idx="2">
+            <a:schemeClr val="accent6"/>
+          </a:lnRef>
+          <a:fillRef idx="1">
+            <a:schemeClr val="lt1"/>
+          </a:fillRef>
+          <a:effectRef idx="0">
+            <a:schemeClr val="accent6"/>
+          </a:effectRef>
+          <a:fontRef idx="minor">
+            <a:schemeClr val="dk1"/>
+          </a:fontRef>
+        </p:style>
+        <p:txBody>
+          <a:bodyPr rtlCol="0" anchor="ctr"/>
+          <a:lstStyle/>
+          <a:p>
+            <a:pPr algn="ctr"/>
+            <a:r>
+              <a:rPr lang="en-IN" dirty="0" smtClean="0"/>
+              <a:t>K8S Master Node</a:t>
+            </a:r>
+            <a:endParaRPr lang="en-IN" dirty="0" smtClean="0"/>
+          </a:p>
+        </p:txBody>
+      </p:sp>
+      <p:sp>
+        <p:nvSpPr>
+          <p:cNvPr id="15" name="Rounded Rectangle 14"/>
+          <p:cNvSpPr/>
+          <p:nvPr/>
+        </p:nvSpPr>
+        <p:spPr>
+          <a:xfrm>
+            <a:off x="3714744" y="4929198"/>
+            <a:ext cx="1928826" cy="642942"/>
+          </a:xfrm>
+          <a:prstGeom prst="roundRect">
+            <a:avLst/>
+          </a:prstGeom>
+        </p:spPr>
+        <p:style>
+          <a:lnRef idx="2">
+            <a:schemeClr val="accent1">
+              <a:shade val="50000"/>
+            </a:schemeClr>
+          </a:lnRef>
+          <a:fillRef idx="1">
+            <a:schemeClr val="accent1"/>
+          </a:fillRef>
+          <a:effectRef idx="0">
+            <a:schemeClr val="accent1"/>
+          </a:effectRef>
+          <a:fontRef idx="minor">
+            <a:schemeClr val="lt1"/>
+          </a:fontRef>
+        </p:style>
+        <p:txBody>
+          <a:bodyPr rtlCol="0" anchor="ctr"/>
+          <a:lstStyle/>
+          <a:p>
+            <a:pPr algn="ctr"/>
+            <a:r>
+              <a:rPr lang="en-IN" dirty="0" smtClean="0"/>
+              <a:t>kubectl</a:t>
+            </a:r>
+            <a:endParaRPr lang="en-IN" dirty="0"/>
+          </a:p>
+        </p:txBody>
+      </p:sp>
+      <p:cxnSp>
+        <p:nvCxnSpPr>
+          <p:cNvPr id="18" name="Straight Arrow Connector 17"/>
+          <p:cNvCxnSpPr>
+            <a:stCxn id="15" idx="0"/>
+            <a:endCxn id="6" idx="2"/>
+          </p:cNvCxnSpPr>
+          <p:nvPr/>
+        </p:nvCxnSpPr>
+        <p:spPr>
+          <a:xfrm rot="16200000" flipV="1">
+            <a:off x="3834999" y="4085039"/>
+            <a:ext cx="1652598" cy="35719"/>
+          </a:xfrm>
+          <a:prstGeom prst="straightConnector1">
+            <a:avLst/>
+          </a:prstGeom>
+          <a:ln>
+            <a:tailEnd type="arrow"/>
+          </a:ln>
+        </p:spPr>
+        <p:style>
+          <a:lnRef idx="1">
+            <a:schemeClr val="accent1"/>
+          </a:lnRef>
+          <a:fillRef idx="0">
+            <a:schemeClr val="accent1"/>
+          </a:fillRef>
+          <a:effectRef idx="0">
+            <a:schemeClr val="accent1"/>
+          </a:effectRef>
+          <a:fontRef idx="minor">
+            <a:schemeClr val="tx1"/>
+          </a:fontRef>
+        </p:style>
+      </p:cxnSp>
+      <p:sp>
+        <p:nvSpPr>
+          <p:cNvPr id="27" name="Rounded Rectangle 26"/>
+          <p:cNvSpPr/>
+          <p:nvPr/>
+        </p:nvSpPr>
+        <p:spPr>
+          <a:xfrm>
+            <a:off x="6143636" y="4929198"/>
+            <a:ext cx="1428760" cy="642942"/>
+          </a:xfrm>
+          <a:prstGeom prst="roundRect">
+            <a:avLst/>
+          </a:prstGeom>
+        </p:spPr>
+        <p:style>
+          <a:lnRef idx="2">
+            <a:schemeClr val="accent1">
+              <a:shade val="50000"/>
+            </a:schemeClr>
+          </a:lnRef>
+          <a:fillRef idx="1">
+            <a:schemeClr val="accent1"/>
+          </a:fillRef>
+          <a:effectRef idx="0">
+            <a:schemeClr val="accent1"/>
+          </a:effectRef>
+          <a:fontRef idx="minor">
+            <a:schemeClr val="lt1"/>
+          </a:fontRef>
+        </p:style>
+        <p:txBody>
+          <a:bodyPr rtlCol="0" anchor="ctr"/>
+          <a:lstStyle/>
+          <a:p>
+            <a:pPr algn="ctr"/>
+            <a:r>
+              <a:rPr lang="en-IN" dirty="0" smtClean="0"/>
+              <a:t>Browser / client</a:t>
+            </a:r>
+            <a:endParaRPr lang="en-IN" dirty="0"/>
+          </a:p>
+        </p:txBody>
+      </p:sp>
+      <p:sp>
+        <p:nvSpPr>
+          <p:cNvPr id="19" name="TextBox 18"/>
+          <p:cNvSpPr txBox="1"/>
+          <p:nvPr/>
+        </p:nvSpPr>
+        <p:spPr>
+          <a:xfrm>
+            <a:off x="214282" y="214290"/>
+            <a:ext cx="1000132" cy="369332"/>
+          </a:xfrm>
+          <a:prstGeom prst="rect">
+            <a:avLst/>
+          </a:prstGeom>
+          <a:noFill/>
+        </p:spPr>
+        <p:txBody>
+          <a:bodyPr wrap="square" rtlCol="0">
+            <a:spAutoFit/>
+          </a:bodyPr>
+          <a:lstStyle/>
+          <a:p>
+            <a:r>
+              <a:rPr lang="en-IN" dirty="0" smtClean="0"/>
+              <a:t>K8S</a:t>
+            </a:r>
+            <a:endParaRPr lang="en-IN" dirty="0"/>
+          </a:p>
+        </p:txBody>
+      </p:sp>
+      <p:sp>
+        <p:nvSpPr>
+          <p:cNvPr id="29" name="Rounded Rectangle 28"/>
+          <p:cNvSpPr/>
+          <p:nvPr/>
+        </p:nvSpPr>
+        <p:spPr>
+          <a:xfrm>
+            <a:off x="2643174" y="1142984"/>
+            <a:ext cx="1500198" cy="633418"/>
+          </a:xfrm>
+          <a:prstGeom prst="roundRect">
+            <a:avLst/>
+          </a:prstGeom>
+        </p:spPr>
+        <p:style>
+          <a:lnRef idx="2">
+            <a:schemeClr val="accent6"/>
+          </a:lnRef>
+          <a:fillRef idx="1">
+            <a:schemeClr val="lt1"/>
+          </a:fillRef>
+          <a:effectRef idx="0">
+            <a:schemeClr val="accent6"/>
+          </a:effectRef>
+          <a:fontRef idx="minor">
+            <a:schemeClr val="dk1"/>
+          </a:fontRef>
+        </p:style>
+        <p:txBody>
+          <a:bodyPr rtlCol="0" anchor="ctr"/>
+          <a:lstStyle/>
+          <a:p>
+            <a:pPr algn="ctr"/>
+            <a:r>
+              <a:rPr lang="en-IN" dirty="0" smtClean="0"/>
+              <a:t>node01</a:t>
+            </a:r>
+            <a:endParaRPr lang="en-IN" dirty="0" smtClean="0"/>
+          </a:p>
+        </p:txBody>
+      </p:sp>
+      <p:sp>
+        <p:nvSpPr>
+          <p:cNvPr id="30" name="Rounded Rectangle 29"/>
+          <p:cNvSpPr/>
+          <p:nvPr/>
+        </p:nvSpPr>
+        <p:spPr>
+          <a:xfrm>
+            <a:off x="4786314" y="1142984"/>
+            <a:ext cx="1500198" cy="633418"/>
+          </a:xfrm>
+          <a:prstGeom prst="roundRect">
+            <a:avLst/>
+          </a:prstGeom>
+        </p:spPr>
+        <p:style>
+          <a:lnRef idx="2">
+            <a:schemeClr val="accent6"/>
+          </a:lnRef>
+          <a:fillRef idx="1">
+            <a:schemeClr val="lt1"/>
+          </a:fillRef>
+          <a:effectRef idx="0">
+            <a:schemeClr val="accent6"/>
+          </a:effectRef>
+          <a:fontRef idx="minor">
+            <a:schemeClr val="dk1"/>
+          </a:fontRef>
+        </p:style>
+        <p:txBody>
+          <a:bodyPr rtlCol="0" anchor="ctr"/>
+          <a:lstStyle/>
+          <a:p>
+            <a:pPr algn="ctr"/>
+            <a:r>
+              <a:rPr lang="en-IN" dirty="0" smtClean="0"/>
+              <a:t>node02</a:t>
+            </a:r>
+            <a:endParaRPr lang="en-IN" dirty="0" smtClean="0"/>
+          </a:p>
+        </p:txBody>
+      </p:sp>
+      <p:cxnSp>
+        <p:nvCxnSpPr>
+          <p:cNvPr id="31" name="Straight Arrow Connector 30"/>
+          <p:cNvCxnSpPr>
+            <a:stCxn id="6" idx="0"/>
+            <a:endCxn id="29" idx="2"/>
+          </p:cNvCxnSpPr>
+          <p:nvPr/>
+        </p:nvCxnSpPr>
+        <p:spPr>
+          <a:xfrm rot="16200000" flipV="1">
+            <a:off x="3584966" y="1584709"/>
+            <a:ext cx="866780" cy="1250165"/>
+          </a:xfrm>
+          <a:prstGeom prst="straightConnector1">
+            <a:avLst/>
+          </a:prstGeom>
+          <a:ln>
+            <a:tailEnd type="arrow"/>
+          </a:ln>
+        </p:spPr>
+        <p:style>
+          <a:lnRef idx="1">
+            <a:schemeClr val="accent1"/>
+          </a:lnRef>
+          <a:fillRef idx="0">
+            <a:schemeClr val="accent1"/>
+          </a:fillRef>
+          <a:effectRef idx="0">
+            <a:schemeClr val="accent1"/>
+          </a:effectRef>
+          <a:fontRef idx="minor">
+            <a:schemeClr val="tx1"/>
+          </a:fontRef>
+        </p:style>
+      </p:cxnSp>
+      <p:cxnSp>
+        <p:nvCxnSpPr>
+          <p:cNvPr id="36" name="Straight Arrow Connector 35"/>
+          <p:cNvCxnSpPr>
+            <a:stCxn id="6" idx="0"/>
+            <a:endCxn id="30" idx="2"/>
+          </p:cNvCxnSpPr>
+          <p:nvPr/>
+        </p:nvCxnSpPr>
+        <p:spPr>
+          <a:xfrm rot="5400000" flipH="1" flipV="1">
+            <a:off x="4656535" y="1763305"/>
+            <a:ext cx="866780" cy="892975"/>
+          </a:xfrm>
+          <a:prstGeom prst="straightConnector1">
+            <a:avLst/>
+          </a:prstGeom>
+          <a:ln>
+            <a:tailEnd type="arrow"/>
+          </a:ln>
+        </p:spPr>
+        <p:style>
+          <a:lnRef idx="1">
+            <a:schemeClr val="accent1"/>
+          </a:lnRef>
+          <a:fillRef idx="0">
+            <a:schemeClr val="accent1"/>
+          </a:fillRef>
+          <a:effectRef idx="0">
+            <a:schemeClr val="accent1"/>
+          </a:effectRef>
+          <a:fontRef idx="minor">
+            <a:schemeClr val="tx1"/>
+          </a:fontRef>
+        </p:style>
+      </p:cxnSp>
+      <p:sp>
+        <p:nvSpPr>
+          <p:cNvPr id="39" name="Smiley Face 38"/>
+          <p:cNvSpPr/>
+          <p:nvPr/>
+        </p:nvSpPr>
+        <p:spPr>
+          <a:xfrm>
+            <a:off x="2285984" y="4929198"/>
+            <a:ext cx="785818" cy="785818"/>
+          </a:xfrm>
+          <a:prstGeom prst="smileyFace">
+            <a:avLst/>
+          </a:prstGeom>
+        </p:spPr>
+        <p:style>
+          <a:lnRef idx="2">
+            <a:schemeClr val="accent1">
+              <a:shade val="50000"/>
+            </a:schemeClr>
+          </a:lnRef>
+          <a:fillRef idx="1">
+            <a:schemeClr val="accent1"/>
+          </a:fillRef>
+          <a:effectRef idx="0">
+            <a:schemeClr val="accent1"/>
+          </a:effectRef>
+          <a:fontRef idx="minor">
+            <a:schemeClr val="lt1"/>
+          </a:fontRef>
+        </p:style>
+        <p:txBody>
+          <a:bodyPr rtlCol="0" anchor="ctr"/>
+          <a:lstStyle/>
+          <a:p>
+            <a:pPr algn="ctr"/>
+            <a:endParaRPr lang="en-IN"/>
+          </a:p>
+        </p:txBody>
+      </p:sp>
+    </p:spTree>
+  </p:cSld>
+  <p:clrMapOvr>
+    <a:masterClrMapping/>
+  </p:clrMapOvr>
+  <p:timing>
+    <p:tnLst>
+      <p:par>
+        <p:cTn id="1" dur="indefinite" restart="never" nodeType="tmRoot"/>
+      </p:par>
+    </p:tnLst>
+  </p:timing>
+</p:sld>
+</file>
+
+<file path=ppt/slides/slide9.xml><?xml version="1.0" encoding="utf-8"?>
+<p:sld xmlns:a="http://schemas.openxmlformats.org/drawingml/2006/main" xmlns:r="http://schemas.openxmlformats.org/officeDocument/2006/relationships" xmlns:p="http://schemas.openxmlformats.org/presentationml/2006/main">
+  <p:cSld>
+    <p:spTree>
+      <p:nvGrpSpPr>
+        <p:cNvPr id="1" name=""/>
+        <p:cNvGrpSpPr/>
+        <p:nvPr/>
+      </p:nvGrpSpPr>
+      <p:grpSpPr>
+        <a:xfrm>
+          <a:off x="0" y="0"/>
+          <a:ext cx="0" cy="0"/>
+          <a:chOff x="0" y="0"/>
+          <a:chExt cx="0" cy="0"/>
+        </a:xfrm>
+      </p:grpSpPr>
+      <p:sp>
+        <p:nvSpPr>
+          <p:cNvPr id="10" name="Flowchart: Connector 9"/>
+          <p:cNvSpPr/>
+          <p:nvPr/>
+        </p:nvSpPr>
+        <p:spPr>
+          <a:xfrm>
+            <a:off x="3500430" y="1357298"/>
+            <a:ext cx="2214578" cy="1714512"/>
+          </a:xfrm>
+          <a:prstGeom prst="flowChartConnector">
+            <a:avLst/>
+          </a:prstGeom>
+        </p:spPr>
+        <p:style>
+          <a:lnRef idx="2">
+            <a:schemeClr val="accent5"/>
+          </a:lnRef>
+          <a:fillRef idx="1">
+            <a:schemeClr val="lt1"/>
+          </a:fillRef>
+          <a:effectRef idx="0">
+            <a:schemeClr val="accent5"/>
+          </a:effectRef>
+          <a:fontRef idx="minor">
+            <a:schemeClr val="dk1"/>
+          </a:fontRef>
+        </p:style>
+        <p:txBody>
+          <a:bodyPr rtlCol="0" anchor="ctr"/>
+          <a:lstStyle/>
+          <a:p>
+            <a:pPr algn="ctr"/>
+            <a:r>
+              <a:rPr lang="en-IN" dirty="0" smtClean="0">
+                <a:solidFill>
+                  <a:schemeClr val="dk1"/>
+                </a:solidFill>
+              </a:rPr>
+              <a:t>auth</a:t>
+            </a:r>
+            <a:endParaRPr lang="en-IN" dirty="0" smtClean="0">
+              <a:solidFill>
+                <a:schemeClr val="dk1"/>
+              </a:solidFill>
+            </a:endParaRPr>
+          </a:p>
+        </p:txBody>
+      </p:sp>
+      <p:sp>
+        <p:nvSpPr>
+          <p:cNvPr id="9" name="Flowchart: Connector 8"/>
+          <p:cNvSpPr/>
+          <p:nvPr/>
+        </p:nvSpPr>
+        <p:spPr>
+          <a:xfrm>
+            <a:off x="571472" y="1357298"/>
+            <a:ext cx="2214578" cy="1714512"/>
+          </a:xfrm>
+          <a:prstGeom prst="flowChartConnector">
+            <a:avLst/>
+          </a:prstGeom>
+        </p:spPr>
+        <p:style>
+          <a:lnRef idx="2">
+            <a:schemeClr val="accent5"/>
+          </a:lnRef>
+          <a:fillRef idx="1">
+            <a:schemeClr val="lt1"/>
+          </a:fillRef>
+          <a:effectRef idx="0">
+            <a:schemeClr val="accent5"/>
+          </a:effectRef>
+          <a:fontRef idx="minor">
+            <a:schemeClr val="dk1"/>
+          </a:fontRef>
+        </p:style>
+        <p:txBody>
+          <a:bodyPr rtlCol="0" anchor="ctr"/>
+          <a:lstStyle/>
+          <a:p>
+            <a:pPr algn="ctr"/>
+            <a:r>
+              <a:rPr lang="en-IN" dirty="0" smtClean="0"/>
+              <a:t>cluster</a:t>
+            </a:r>
+            <a:endParaRPr lang="en-IN" dirty="0"/>
+          </a:p>
+        </p:txBody>
+      </p:sp>
+      <p:sp>
+        <p:nvSpPr>
+          <p:cNvPr id="12" name="TextBox 11"/>
+          <p:cNvSpPr txBox="1"/>
+          <p:nvPr/>
+        </p:nvSpPr>
+        <p:spPr>
+          <a:xfrm>
+            <a:off x="357158" y="357166"/>
+            <a:ext cx="2643206" cy="369332"/>
+          </a:xfrm>
+          <a:prstGeom prst="rect">
+            <a:avLst/>
+          </a:prstGeom>
+          <a:noFill/>
+        </p:spPr>
+        <p:txBody>
+          <a:bodyPr wrap="square" rtlCol="0">
+            <a:spAutoFit/>
+          </a:bodyPr>
+          <a:lstStyle/>
+          <a:p>
+            <a:r>
+              <a:rPr lang="en-IN" dirty="0" err="1" smtClean="0"/>
+              <a:t>Docker</a:t>
+            </a:r>
+            <a:r>
+              <a:rPr lang="en-IN" dirty="0" smtClean="0"/>
+              <a:t> networking</a:t>
+            </a:r>
+            <a:endParaRPr lang="en-IN" dirty="0"/>
+          </a:p>
+        </p:txBody>
+      </p:sp>
+      <p:sp>
+        <p:nvSpPr>
+          <p:cNvPr id="13" name="Flowchart: Connector 12"/>
+          <p:cNvSpPr/>
+          <p:nvPr/>
+        </p:nvSpPr>
+        <p:spPr>
+          <a:xfrm>
+            <a:off x="2000232" y="3929066"/>
+            <a:ext cx="2214578" cy="1714512"/>
+          </a:xfrm>
+          <a:prstGeom prst="flowChartConnector">
+            <a:avLst/>
+          </a:prstGeom>
+        </p:spPr>
+        <p:style>
+          <a:lnRef idx="2">
+            <a:schemeClr val="accent5"/>
+          </a:lnRef>
+          <a:fillRef idx="1">
+            <a:schemeClr val="lt1"/>
+          </a:fillRef>
+          <a:effectRef idx="0">
+            <a:schemeClr val="accent5"/>
+          </a:effectRef>
+          <a:fontRef idx="minor">
+            <a:schemeClr val="dk1"/>
+          </a:fontRef>
+        </p:style>
+        <p:txBody>
+          <a:bodyPr rtlCol="0" anchor="ctr"/>
+          <a:lstStyle/>
+          <a:p>
+            <a:pPr algn="ctr"/>
+            <a:r>
+              <a:rPr lang="en-IN" dirty="0" smtClean="0">
+                <a:solidFill>
+                  <a:schemeClr val="dk1"/>
+                </a:solidFill>
+              </a:rPr>
+              <a:t>context</a:t>
+            </a:r>
+            <a:endParaRPr lang="en-IN" dirty="0" smtClean="0">
+              <a:solidFill>
+                <a:schemeClr val="dk1"/>
+              </a:solidFill>
+            </a:endParaRPr>
+          </a:p>
+        </p:txBody>
+      </p:sp>
+      <p:cxnSp>
+        <p:nvCxnSpPr>
+          <p:cNvPr id="14" name="Straight Arrow Connector 13"/>
+          <p:cNvCxnSpPr>
+            <a:stCxn id="9" idx="4"/>
+            <a:endCxn id="13" idx="0"/>
+          </p:cNvCxnSpPr>
+          <p:nvPr/>
+        </p:nvCxnSpPr>
+        <p:spPr>
+          <a:xfrm rot="16200000" flipH="1">
+            <a:off x="1964513" y="2786058"/>
+            <a:ext cx="857256" cy="1428760"/>
+          </a:xfrm>
+          <a:prstGeom prst="straightConnector1">
+            <a:avLst/>
+          </a:prstGeom>
+          <a:ln>
+            <a:tailEnd type="arrow"/>
+          </a:ln>
+        </p:spPr>
+        <p:style>
+          <a:lnRef idx="1">
+            <a:schemeClr val="accent1"/>
+          </a:lnRef>
+          <a:fillRef idx="0">
+            <a:schemeClr val="accent1"/>
+          </a:fillRef>
+          <a:effectRef idx="0">
+            <a:schemeClr val="accent1"/>
+          </a:effectRef>
+          <a:fontRef idx="minor">
+            <a:schemeClr val="tx1"/>
+          </a:fontRef>
+        </p:style>
+      </p:cxnSp>
+      <p:cxnSp>
+        <p:nvCxnSpPr>
+          <p:cNvPr id="17" name="Straight Arrow Connector 16"/>
+          <p:cNvCxnSpPr>
+            <a:stCxn id="10" idx="4"/>
+            <a:endCxn id="13" idx="0"/>
+          </p:cNvCxnSpPr>
+          <p:nvPr/>
+        </p:nvCxnSpPr>
+        <p:spPr>
+          <a:xfrm rot="5400000">
+            <a:off x="3428992" y="2750339"/>
+            <a:ext cx="857256" cy="1500198"/>
+          </a:xfrm>
+          <a:prstGeom prst="straightConnector1">
+            <a:avLst/>
+          </a:prstGeom>
+          <a:ln>
+            <a:tailEnd type="arrow"/>
+          </a:ln>
+        </p:spPr>
+        <p:style>
+          <a:lnRef idx="1">
+            <a:schemeClr val="accent1"/>
+          </a:lnRef>
+          <a:fillRef idx="0">
+            <a:schemeClr val="accent1"/>
+          </a:fillRef>
+          <a:effectRef idx="0">
+            <a:schemeClr val="accent1"/>
+          </a:effectRef>
+          <a:fontRef idx="minor">
+            <a:schemeClr val="tx1"/>
+          </a:fontRef>
+        </p:style>
+      </p:cxnSp>
+      <p:sp>
+        <p:nvSpPr>
+          <p:cNvPr id="20" name="Oval 19"/>
+          <p:cNvSpPr/>
+          <p:nvPr/>
+        </p:nvSpPr>
+        <p:spPr>
+          <a:xfrm>
+            <a:off x="3786182" y="4572008"/>
+            <a:ext cx="1857388" cy="500066"/>
+          </a:xfrm>
+          <a:prstGeom prst="ellipse">
+            <a:avLst/>
+          </a:prstGeom>
+        </p:spPr>
+        <p:style>
+          <a:lnRef idx="1">
+            <a:schemeClr val="dk1"/>
+          </a:lnRef>
+          <a:fillRef idx="2">
+            <a:schemeClr val="dk1"/>
+          </a:fillRef>
+          <a:effectRef idx="1">
+            <a:schemeClr val="dk1"/>
+          </a:effectRef>
+          <a:fontRef idx="minor">
+            <a:schemeClr val="dk1"/>
+          </a:fontRef>
+        </p:style>
+        <p:txBody>
+          <a:bodyPr rtlCol="0" anchor="ctr"/>
+          <a:lstStyle/>
+          <a:p>
+            <a:pPr algn="ctr"/>
+            <a:r>
+              <a:rPr lang="en-IN" sz="1050" dirty="0" smtClean="0"/>
+              <a:t>Set as current</a:t>
+            </a:r>
+            <a:endParaRPr lang="en-IN" sz="1050" dirty="0"/>
+          </a:p>
+        </p:txBody>
+      </p:sp>
+    </p:spTree>
+  </p:cSld>
+  <p:clrMapOvr>
+    <a:masterClrMapping/>
+  </p:clrMapOvr>
+</p:sld>
+</file>
+
 <file path=ppt/theme/theme1.xml><?xml version="1.0" encoding="utf-8"?>
 <a:theme xmlns:a="http://schemas.openxmlformats.org/drawingml/2006/main" name="Office Theme">
   <a:themeElements>

--- a/Lab-Designs.pptx
+++ b/Lab-Designs.pptx
@@ -8022,8 +8022,8 @@
         </p:nvSpPr>
         <p:spPr>
           <a:xfrm>
-            <a:off x="1928794" y="571480"/>
-            <a:ext cx="5214974" cy="3571900"/>
+            <a:off x="1357290" y="571480"/>
+            <a:ext cx="5786478" cy="3571900"/>
           </a:xfrm>
           <a:prstGeom prst="roundRect">
             <a:avLst/>
@@ -8096,7 +8096,6 @@
               <a:rPr lang="en-IN" dirty="0" smtClean="0"/>
               <a:t>Virtual VM</a:t>
             </a:r>
-            <a:endParaRPr lang="en-IN" dirty="0" smtClean="0"/>
           </a:p>
         </p:txBody>
       </p:sp>
@@ -8108,7 +8107,7 @@
         </p:nvSpPr>
         <p:spPr>
           <a:xfrm>
-            <a:off x="3428992" y="2643182"/>
+            <a:off x="1643042" y="2643182"/>
             <a:ext cx="2428892" cy="633418"/>
           </a:xfrm>
           <a:prstGeom prst="roundRect">
@@ -8138,7 +8137,6 @@
               <a:rPr lang="en-IN" dirty="0" smtClean="0"/>
               <a:t>K8S Master Node</a:t>
             </a:r>
-            <a:endParaRPr lang="en-IN" dirty="0" smtClean="0"/>
           </a:p>
         </p:txBody>
       </p:sp>
@@ -8197,8 +8195,8 @@
         </p:nvCxnSpPr>
         <p:spPr>
           <a:xfrm rot="16200000" flipV="1">
-            <a:off x="3834999" y="4085039"/>
-            <a:ext cx="1652598" cy="35719"/>
+            <a:off x="2942024" y="3192064"/>
+            <a:ext cx="1652598" cy="1821669"/>
           </a:xfrm>
           <a:prstGeom prst="straightConnector1">
             <a:avLst/>
@@ -8230,7 +8228,7 @@
         </p:nvSpPr>
         <p:spPr>
           <a:xfrm>
-            <a:off x="6143636" y="4929198"/>
+            <a:off x="6786578" y="5429264"/>
             <a:ext cx="1428760" cy="642942"/>
           </a:xfrm>
           <a:prstGeom prst="roundRect">
@@ -8334,7 +8332,6 @@
               <a:rPr lang="en-IN" dirty="0" smtClean="0"/>
               <a:t>node01</a:t>
             </a:r>
-            <a:endParaRPr lang="en-IN" dirty="0" smtClean="0"/>
           </a:p>
         </p:txBody>
       </p:sp>
@@ -8376,7 +8373,6 @@
               <a:rPr lang="en-IN" dirty="0" smtClean="0"/>
               <a:t>node02</a:t>
             </a:r>
-            <a:endParaRPr lang="en-IN" dirty="0" smtClean="0"/>
           </a:p>
         </p:txBody>
       </p:sp>
@@ -8390,9 +8386,9 @@
           <p:nvPr/>
         </p:nvCxnSpPr>
         <p:spPr>
-          <a:xfrm rot="16200000" flipV="1">
-            <a:off x="3584966" y="1584709"/>
-            <a:ext cx="866780" cy="1250165"/>
+          <a:xfrm rot="5400000" flipH="1" flipV="1">
+            <a:off x="2691990" y="1941900"/>
+            <a:ext cx="866780" cy="535785"/>
           </a:xfrm>
           <a:prstGeom prst="straightConnector1">
             <a:avLst/>
@@ -8427,8 +8423,8 @@
         </p:nvCxnSpPr>
         <p:spPr>
           <a:xfrm rot="5400000" flipH="1" flipV="1">
-            <a:off x="4656535" y="1763305"/>
-            <a:ext cx="866780" cy="892975"/>
+            <a:off x="3763560" y="870330"/>
+            <a:ext cx="866780" cy="2678925"/>
           </a:xfrm>
           <a:prstGeom prst="straightConnector1">
             <a:avLst/>
@@ -8460,7 +8456,7 @@
         </p:nvSpPr>
         <p:spPr>
           <a:xfrm>
-            <a:off x="2285984" y="4929198"/>
+            <a:off x="928662" y="5572140"/>
             <a:ext cx="785818" cy="785818"/>
           </a:xfrm>
           <a:prstGeom prst="smileyFace">
@@ -8489,6 +8485,162 @@
           <a:p>
             <a:pPr algn="ctr"/>
             <a:endParaRPr lang="en-IN"/>
+          </a:p>
+        </p:txBody>
+      </p:sp>
+      <p:cxnSp>
+        <p:nvCxnSpPr>
+          <p:cNvPr id="14" name="Straight Arrow Connector 13"/>
+          <p:cNvCxnSpPr>
+            <a:stCxn id="27" idx="0"/>
+            <a:endCxn id="30" idx="3"/>
+          </p:cNvCxnSpPr>
+          <p:nvPr/>
+        </p:nvCxnSpPr>
+        <p:spPr>
+          <a:xfrm rot="16200000" flipV="1">
+            <a:off x="4908950" y="2837256"/>
+            <a:ext cx="3969571" cy="1214446"/>
+          </a:xfrm>
+          <a:prstGeom prst="straightConnector1">
+            <a:avLst/>
+          </a:prstGeom>
+          <a:ln>
+            <a:tailEnd type="arrow"/>
+          </a:ln>
+        </p:spPr>
+        <p:style>
+          <a:lnRef idx="1">
+            <a:schemeClr val="accent1"/>
+          </a:lnRef>
+          <a:fillRef idx="0">
+            <a:schemeClr val="accent1"/>
+          </a:fillRef>
+          <a:effectRef idx="0">
+            <a:schemeClr val="accent1"/>
+          </a:effectRef>
+          <a:fontRef idx="minor">
+            <a:schemeClr val="tx1"/>
+          </a:fontRef>
+        </p:style>
+      </p:cxnSp>
+      <p:cxnSp>
+        <p:nvCxnSpPr>
+          <p:cNvPr id="20" name="Straight Arrow Connector 19"/>
+          <p:cNvCxnSpPr>
+            <a:stCxn id="27" idx="0"/>
+            <a:endCxn id="29" idx="3"/>
+          </p:cNvCxnSpPr>
+          <p:nvPr/>
+        </p:nvCxnSpPr>
+        <p:spPr>
+          <a:xfrm rot="16200000" flipV="1">
+            <a:off x="3837380" y="1765686"/>
+            <a:ext cx="3969571" cy="3357586"/>
+          </a:xfrm>
+          <a:prstGeom prst="straightConnector1">
+            <a:avLst/>
+          </a:prstGeom>
+          <a:ln>
+            <a:tailEnd type="arrow"/>
+          </a:ln>
+        </p:spPr>
+        <p:style>
+          <a:lnRef idx="1">
+            <a:schemeClr val="accent1"/>
+          </a:lnRef>
+          <a:fillRef idx="0">
+            <a:schemeClr val="accent1"/>
+          </a:fillRef>
+          <a:effectRef idx="0">
+            <a:schemeClr val="accent1"/>
+          </a:effectRef>
+          <a:fontRef idx="minor">
+            <a:schemeClr val="tx1"/>
+          </a:fontRef>
+        </p:style>
+      </p:cxnSp>
+      <p:sp>
+        <p:nvSpPr>
+          <p:cNvPr id="26" name="Oval 25"/>
+          <p:cNvSpPr/>
+          <p:nvPr/>
+        </p:nvSpPr>
+        <p:spPr>
+          <a:xfrm>
+            <a:off x="7358050" y="4786322"/>
+            <a:ext cx="1785950" cy="428628"/>
+          </a:xfrm>
+          <a:prstGeom prst="ellipse">
+            <a:avLst/>
+          </a:prstGeom>
+        </p:spPr>
+        <p:style>
+          <a:lnRef idx="1">
+            <a:schemeClr val="dk1"/>
+          </a:lnRef>
+          <a:fillRef idx="2">
+            <a:schemeClr val="dk1"/>
+          </a:fillRef>
+          <a:effectRef idx="1">
+            <a:schemeClr val="dk1"/>
+          </a:effectRef>
+          <a:fontRef idx="minor">
+            <a:schemeClr val="dk1"/>
+          </a:fontRef>
+        </p:style>
+        <p:txBody>
+          <a:bodyPr rtlCol="0" anchor="ctr"/>
+          <a:lstStyle/>
+          <a:p>
+            <a:pPr algn="ctr"/>
+            <a:r>
+              <a:rPr lang="en-IN" sz="1050" dirty="0" err="1" smtClean="0"/>
+              <a:t>nodePort:ContainerPort</a:t>
+            </a:r>
+            <a:endParaRPr lang="en-IN" sz="1050" dirty="0"/>
+          </a:p>
+        </p:txBody>
+      </p:sp>
+      <p:sp>
+        <p:nvSpPr>
+          <p:cNvPr id="28" name="Oval 27"/>
+          <p:cNvSpPr/>
+          <p:nvPr/>
+        </p:nvSpPr>
+        <p:spPr>
+          <a:xfrm>
+            <a:off x="5429256" y="4429132"/>
+            <a:ext cx="1785950" cy="428628"/>
+          </a:xfrm>
+          <a:prstGeom prst="ellipse">
+            <a:avLst/>
+          </a:prstGeom>
+        </p:spPr>
+        <p:style>
+          <a:lnRef idx="1">
+            <a:schemeClr val="dk1"/>
+          </a:lnRef>
+          <a:fillRef idx="2">
+            <a:schemeClr val="dk1"/>
+          </a:fillRef>
+          <a:effectRef idx="1">
+            <a:schemeClr val="dk1"/>
+          </a:effectRef>
+          <a:fontRef idx="minor">
+            <a:schemeClr val="dk1"/>
+          </a:fontRef>
+        </p:style>
+        <p:txBody>
+          <a:bodyPr rtlCol="0" anchor="ctr"/>
+          <a:lstStyle/>
+          <a:p>
+            <a:pPr algn="ctr"/>
+            <a:r>
+              <a:rPr lang="en-IN" sz="1050" dirty="0" err="1" smtClean="0"/>
+              <a:t>nodePort:ContainerPort</a:t>
+            </a:r>
+            <a:endParaRPr lang="en-IN" sz="1050" dirty="0"/>
           </a:p>
         </p:txBody>
       </p:sp>
@@ -8566,11 +8718,6 @@
               </a:rPr>
               <a:t>auth</a:t>
             </a:r>
-            <a:endParaRPr lang="en-IN" dirty="0" smtClean="0">
-              <a:solidFill>
-                <a:schemeClr val="dk1"/>
-              </a:solidFill>
-            </a:endParaRPr>
           </a:p>
         </p:txBody>
       </p:sp>
@@ -8692,11 +8839,6 @@
               </a:rPr>
               <a:t>context</a:t>
             </a:r>
-            <a:endParaRPr lang="en-IN" dirty="0" smtClean="0">
-              <a:solidFill>
-                <a:schemeClr val="dk1"/>
-              </a:solidFill>
-            </a:endParaRPr>
           </a:p>
         </p:txBody>
       </p:sp>

--- a/Lab-Designs.pptx
+++ b/Lab-Designs.pptx
@@ -8023,7 +8023,7 @@
         <p:spPr>
           <a:xfrm>
             <a:off x="1357290" y="571480"/>
-            <a:ext cx="5786478" cy="3571900"/>
+            <a:ext cx="6929486" cy="3571900"/>
           </a:xfrm>
           <a:prstGeom prst="roundRect">
             <a:avLst/>
@@ -8302,7 +8302,7 @@
         </p:nvSpPr>
         <p:spPr>
           <a:xfrm>
-            <a:off x="2643174" y="1142984"/>
+            <a:off x="1714480" y="928670"/>
             <a:ext cx="1500198" cy="633418"/>
           </a:xfrm>
           <a:prstGeom prst="roundRect">
@@ -8343,7 +8343,7 @@
         </p:nvSpPr>
         <p:spPr>
           <a:xfrm>
-            <a:off x="4786314" y="1142984"/>
+            <a:off x="6572264" y="1357298"/>
             <a:ext cx="1500198" cy="633418"/>
           </a:xfrm>
           <a:prstGeom prst="roundRect">
@@ -8386,9 +8386,9 @@
           <p:nvPr/>
         </p:nvCxnSpPr>
         <p:spPr>
-          <a:xfrm rot="5400000" flipH="1" flipV="1">
-            <a:off x="2691990" y="1941900"/>
-            <a:ext cx="866780" cy="535785"/>
+          <a:xfrm rot="16200000" flipV="1">
+            <a:off x="2120487" y="1906180"/>
+            <a:ext cx="1081094" cy="392909"/>
           </a:xfrm>
           <a:prstGeom prst="straightConnector1">
             <a:avLst/>
@@ -8423,8 +8423,8 @@
         </p:nvCxnSpPr>
         <p:spPr>
           <a:xfrm rot="5400000" flipH="1" flipV="1">
-            <a:off x="3763560" y="870330"/>
-            <a:ext cx="866780" cy="2678925"/>
+            <a:off x="4763692" y="84512"/>
+            <a:ext cx="652466" cy="4464875"/>
           </a:xfrm>
           <a:prstGeom prst="straightConnector1">
             <a:avLst/>
@@ -8456,7 +8456,7 @@
         </p:nvSpPr>
         <p:spPr>
           <a:xfrm>
-            <a:off x="928662" y="5572140"/>
+            <a:off x="2071670" y="5500702"/>
             <a:ext cx="785818" cy="785818"/>
           </a:xfrm>
           <a:prstGeom prst="smileyFace">
@@ -8465,18 +8465,16 @@
         </p:spPr>
         <p:style>
           <a:lnRef idx="2">
-            <a:schemeClr val="accent1">
-              <a:shade val="50000"/>
-            </a:schemeClr>
+            <a:schemeClr val="accent6"/>
           </a:lnRef>
           <a:fillRef idx="1">
-            <a:schemeClr val="accent1"/>
+            <a:schemeClr val="lt1"/>
           </a:fillRef>
           <a:effectRef idx="0">
-            <a:schemeClr val="accent1"/>
-          </a:effectRef>
-          <a:fontRef idx="minor">
-            <a:schemeClr val="lt1"/>
+            <a:schemeClr val="accent6"/>
+          </a:effectRef>
+          <a:fontRef idx="minor">
+            <a:schemeClr val="dk1"/>
           </a:fontRef>
         </p:style>
         <p:txBody>
@@ -8493,14 +8491,14 @@
           <p:cNvPr id="14" name="Straight Arrow Connector 13"/>
           <p:cNvCxnSpPr>
             <a:stCxn id="27" idx="0"/>
-            <a:endCxn id="30" idx="3"/>
+            <a:endCxn id="30" idx="2"/>
           </p:cNvCxnSpPr>
           <p:nvPr/>
         </p:nvCxnSpPr>
         <p:spPr>
           <a:xfrm rot="16200000" flipV="1">
-            <a:off x="4908950" y="2837256"/>
-            <a:ext cx="3969571" cy="1214446"/>
+            <a:off x="5692387" y="3620692"/>
+            <a:ext cx="3438548" cy="178595"/>
           </a:xfrm>
           <a:prstGeom prst="straightConnector1">
             <a:avLst/>
@@ -8535,8 +8533,8 @@
         </p:nvCxnSpPr>
         <p:spPr>
           <a:xfrm rot="16200000" flipV="1">
-            <a:off x="3837380" y="1765686"/>
-            <a:ext cx="3969571" cy="3357586"/>
+            <a:off x="3265876" y="1194182"/>
+            <a:ext cx="4183885" cy="4286280"/>
           </a:xfrm>
           <a:prstGeom prst="straightConnector1">
             <a:avLst/>
@@ -8595,7 +8593,7 @@
           <a:p>
             <a:pPr algn="ctr"/>
             <a:r>
-              <a:rPr lang="en-IN" sz="1050" dirty="0" err="1" smtClean="0"/>
+              <a:rPr lang="en-IN" sz="1050" dirty="0" smtClean="0"/>
               <a:t>nodePort:ContainerPort</a:t>
             </a:r>
             <a:endParaRPr lang="en-IN" sz="1050" dirty="0"/>
@@ -8637,8 +8635,86 @@
           <a:p>
             <a:pPr algn="ctr"/>
             <a:r>
-              <a:rPr lang="en-IN" sz="1050" dirty="0" err="1" smtClean="0"/>
+              <a:rPr lang="en-IN" sz="1050" dirty="0" smtClean="0"/>
               <a:t>nodePort:ContainerPort</a:t>
+            </a:r>
+            <a:endParaRPr lang="en-IN" sz="1050" dirty="0"/>
+          </a:p>
+        </p:txBody>
+      </p:sp>
+      <p:cxnSp>
+        <p:nvCxnSpPr>
+          <p:cNvPr id="23" name="Straight Arrow Connector 22"/>
+          <p:cNvCxnSpPr>
+            <a:stCxn id="29" idx="3"/>
+            <a:endCxn id="30" idx="1"/>
+          </p:cNvCxnSpPr>
+          <p:nvPr/>
+        </p:nvCxnSpPr>
+        <p:spPr>
+          <a:xfrm>
+            <a:off x="3214678" y="1245379"/>
+            <a:ext cx="3357586" cy="428628"/>
+          </a:xfrm>
+          <a:prstGeom prst="straightConnector1">
+            <a:avLst/>
+          </a:prstGeom>
+          <a:ln>
+            <a:tailEnd type="arrow"/>
+          </a:ln>
+        </p:spPr>
+        <p:style>
+          <a:lnRef idx="1">
+            <a:schemeClr val="accent1"/>
+          </a:lnRef>
+          <a:fillRef idx="0">
+            <a:schemeClr val="accent1"/>
+          </a:fillRef>
+          <a:effectRef idx="0">
+            <a:schemeClr val="accent1"/>
+          </a:effectRef>
+          <a:fontRef idx="minor">
+            <a:schemeClr val="tx1"/>
+          </a:fontRef>
+        </p:style>
+      </p:cxnSp>
+      <p:sp>
+        <p:nvSpPr>
+          <p:cNvPr id="32" name="Oval 31"/>
+          <p:cNvSpPr/>
+          <p:nvPr/>
+        </p:nvSpPr>
+        <p:spPr>
+          <a:xfrm>
+            <a:off x="4429124" y="1285860"/>
+            <a:ext cx="1785950" cy="428628"/>
+          </a:xfrm>
+          <a:prstGeom prst="ellipse">
+            <a:avLst/>
+          </a:prstGeom>
+        </p:spPr>
+        <p:style>
+          <a:lnRef idx="1">
+            <a:schemeClr val="dk1"/>
+          </a:lnRef>
+          <a:fillRef idx="2">
+            <a:schemeClr val="dk1"/>
+          </a:fillRef>
+          <a:effectRef idx="1">
+            <a:schemeClr val="dk1"/>
+          </a:effectRef>
+          <a:fontRef idx="minor">
+            <a:schemeClr val="dk1"/>
+          </a:fontRef>
+        </p:style>
+        <p:txBody>
+          <a:bodyPr rtlCol="0" anchor="ctr"/>
+          <a:lstStyle/>
+          <a:p>
+            <a:pPr algn="ctr"/>
+            <a:r>
+              <a:rPr lang="en-IN" sz="1050" dirty="0" smtClean="0"/>
+              <a:t>ClusterIP:ContainerPort</a:t>
             </a:r>
             <a:endParaRPr lang="en-IN" sz="1050" dirty="0"/>
           </a:p>

--- a/Lab-Designs.pptx
+++ b/Lab-Designs.pptx
@@ -8343,7 +8343,7 @@
         </p:nvSpPr>
         <p:spPr>
           <a:xfrm>
-            <a:off x="6572264" y="1357298"/>
+            <a:off x="6500826" y="1000108"/>
             <a:ext cx="1500198" cy="633418"/>
           </a:xfrm>
           <a:prstGeom prst="roundRect">
@@ -8423,8 +8423,8 @@
         </p:nvCxnSpPr>
         <p:spPr>
           <a:xfrm rot="5400000" flipH="1" flipV="1">
-            <a:off x="4763692" y="84512"/>
-            <a:ext cx="652466" cy="4464875"/>
+            <a:off x="4549378" y="-58364"/>
+            <a:ext cx="1009656" cy="4393437"/>
           </a:xfrm>
           <a:prstGeom prst="straightConnector1">
             <a:avLst/>
@@ -8497,8 +8497,8 @@
         </p:nvCxnSpPr>
         <p:spPr>
           <a:xfrm rot="16200000" flipV="1">
-            <a:off x="5692387" y="3620692"/>
-            <a:ext cx="3438548" cy="178595"/>
+            <a:off x="5478073" y="3406378"/>
+            <a:ext cx="3795738" cy="250033"/>
           </a:xfrm>
           <a:prstGeom prst="straightConnector1">
             <a:avLst/>
@@ -8654,7 +8654,7 @@
         <p:spPr>
           <a:xfrm>
             <a:off x="3214678" y="1245379"/>
-            <a:ext cx="3357586" cy="428628"/>
+            <a:ext cx="3286148" cy="71438"/>
           </a:xfrm>
           <a:prstGeom prst="straightConnector1">
             <a:avLst/>
@@ -8686,7 +8686,7 @@
         </p:nvSpPr>
         <p:spPr>
           <a:xfrm>
-            <a:off x="4429124" y="1285860"/>
+            <a:off x="4286248" y="1071546"/>
             <a:ext cx="1785950" cy="428628"/>
           </a:xfrm>
           <a:prstGeom prst="ellipse">
@@ -8862,12 +8862,12 @@
           <a:lstStyle/>
           <a:p>
             <a:r>
+              <a:rPr lang="en-IN" dirty="0" smtClean="0"/>
+              <a:t>Kubectl </a:t>
+            </a:r>
+            <a:r>
               <a:rPr lang="en-IN" dirty="0" err="1" smtClean="0"/>
-              <a:t>Docker</a:t>
-            </a:r>
-            <a:r>
-              <a:rPr lang="en-IN" dirty="0" smtClean="0"/>
-              <a:t> networking</a:t>
+              <a:t>config</a:t>
             </a:r>
             <a:endParaRPr lang="en-IN" dirty="0"/>
           </a:p>

--- a/Lab-Designs.pptx
+++ b/Lab-Designs.pptx
@@ -14,6 +14,8 @@
     <p:sldId id="262" r:id="rId8"/>
     <p:sldId id="263" r:id="rId9"/>
     <p:sldId id="264" r:id="rId10"/>
+    <p:sldId id="265" r:id="rId11"/>
+    <p:sldId id="266" r:id="rId12"/>
   </p:sldIdLst>
   <p:sldSz cx="9144000" cy="6858000" type="screen4x3"/>
   <p:notesSz cx="6858000" cy="9144000"/>
@@ -4592,6 +4594,419 @@
 </p:sld>
 </file>
 
+<file path=ppt/slides/slide10.xml><?xml version="1.0" encoding="utf-8"?>
+<p:sld xmlns:a="http://schemas.openxmlformats.org/drawingml/2006/main" xmlns:r="http://schemas.openxmlformats.org/officeDocument/2006/relationships" xmlns:p="http://schemas.openxmlformats.org/presentationml/2006/main">
+  <p:cSld>
+    <p:spTree>
+      <p:nvGrpSpPr>
+        <p:cNvPr id="1" name=""/>
+        <p:cNvGrpSpPr/>
+        <p:nvPr/>
+      </p:nvGrpSpPr>
+      <p:grpSpPr>
+        <a:xfrm>
+          <a:off x="0" y="0"/>
+          <a:ext cx="0" cy="0"/>
+          <a:chOff x="0" y="0"/>
+          <a:chExt cx="0" cy="0"/>
+        </a:xfrm>
+      </p:grpSpPr>
+      <p:sp>
+        <p:nvSpPr>
+          <p:cNvPr id="9" name="Flowchart: Connector 8"/>
+          <p:cNvSpPr/>
+          <p:nvPr/>
+        </p:nvSpPr>
+        <p:spPr>
+          <a:xfrm>
+            <a:off x="1285852" y="2357430"/>
+            <a:ext cx="2214578" cy="1714512"/>
+          </a:xfrm>
+          <a:prstGeom prst="flowChartConnector">
+            <a:avLst/>
+          </a:prstGeom>
+        </p:spPr>
+        <p:style>
+          <a:lnRef idx="2">
+            <a:schemeClr val="accent5"/>
+          </a:lnRef>
+          <a:fillRef idx="1">
+            <a:schemeClr val="lt1"/>
+          </a:fillRef>
+          <a:effectRef idx="0">
+            <a:schemeClr val="accent5"/>
+          </a:effectRef>
+          <a:fontRef idx="minor">
+            <a:schemeClr val="dk1"/>
+          </a:fontRef>
+        </p:style>
+        <p:txBody>
+          <a:bodyPr rtlCol="0" anchor="ctr"/>
+          <a:lstStyle/>
+          <a:p>
+            <a:pPr algn="ctr"/>
+            <a:r>
+              <a:rPr lang="en-IN" dirty="0" smtClean="0"/>
+              <a:t>SL4J</a:t>
+            </a:r>
+            <a:endParaRPr lang="en-IN" dirty="0"/>
+          </a:p>
+        </p:txBody>
+      </p:sp>
+      <p:sp>
+        <p:nvSpPr>
+          <p:cNvPr id="12" name="TextBox 11"/>
+          <p:cNvSpPr txBox="1"/>
+          <p:nvPr/>
+        </p:nvSpPr>
+        <p:spPr>
+          <a:xfrm>
+            <a:off x="357158" y="357166"/>
+            <a:ext cx="2643206" cy="369332"/>
+          </a:xfrm>
+          <a:prstGeom prst="rect">
+            <a:avLst/>
+          </a:prstGeom>
+          <a:noFill/>
+        </p:spPr>
+        <p:txBody>
+          <a:bodyPr wrap="square" rtlCol="0">
+            <a:spAutoFit/>
+          </a:bodyPr>
+          <a:lstStyle/>
+          <a:p>
+            <a:r>
+              <a:rPr lang="en-IN" dirty="0" smtClean="0"/>
+              <a:t>Spring logging</a:t>
+            </a:r>
+            <a:endParaRPr lang="en-IN" dirty="0"/>
+          </a:p>
+        </p:txBody>
+      </p:sp>
+      <p:sp>
+        <p:nvSpPr>
+          <p:cNvPr id="13" name="Flowchart: Connector 12"/>
+          <p:cNvSpPr/>
+          <p:nvPr/>
+        </p:nvSpPr>
+        <p:spPr>
+          <a:xfrm>
+            <a:off x="4643438" y="2786058"/>
+            <a:ext cx="2214578" cy="857256"/>
+          </a:xfrm>
+          <a:prstGeom prst="flowChartConnector">
+            <a:avLst/>
+          </a:prstGeom>
+        </p:spPr>
+        <p:style>
+          <a:lnRef idx="2">
+            <a:schemeClr val="accent5"/>
+          </a:lnRef>
+          <a:fillRef idx="1">
+            <a:schemeClr val="lt1"/>
+          </a:fillRef>
+          <a:effectRef idx="0">
+            <a:schemeClr val="accent5"/>
+          </a:effectRef>
+          <a:fontRef idx="minor">
+            <a:schemeClr val="dk1"/>
+          </a:fontRef>
+        </p:style>
+        <p:txBody>
+          <a:bodyPr rtlCol="0" anchor="ctr"/>
+          <a:lstStyle/>
+          <a:p>
+            <a:pPr algn="ctr"/>
+            <a:r>
+              <a:rPr lang="en-IN" dirty="0" smtClean="0">
+                <a:solidFill>
+                  <a:schemeClr val="dk1"/>
+                </a:solidFill>
+              </a:rPr>
+              <a:t>log4j</a:t>
+            </a:r>
+            <a:endParaRPr lang="en-IN" dirty="0" smtClean="0">
+              <a:solidFill>
+                <a:schemeClr val="dk1"/>
+              </a:solidFill>
+            </a:endParaRPr>
+          </a:p>
+        </p:txBody>
+      </p:sp>
+      <p:cxnSp>
+        <p:nvCxnSpPr>
+          <p:cNvPr id="14" name="Straight Arrow Connector 13"/>
+          <p:cNvCxnSpPr>
+            <a:stCxn id="9" idx="6"/>
+            <a:endCxn id="13" idx="2"/>
+          </p:cNvCxnSpPr>
+          <p:nvPr/>
+        </p:nvCxnSpPr>
+        <p:spPr>
+          <a:xfrm>
+            <a:off x="3500430" y="3214686"/>
+            <a:ext cx="1143008" cy="1588"/>
+          </a:xfrm>
+          <a:prstGeom prst="straightConnector1">
+            <a:avLst/>
+          </a:prstGeom>
+          <a:ln>
+            <a:tailEnd type="arrow"/>
+          </a:ln>
+        </p:spPr>
+        <p:style>
+          <a:lnRef idx="1">
+            <a:schemeClr val="accent1"/>
+          </a:lnRef>
+          <a:fillRef idx="0">
+            <a:schemeClr val="accent1"/>
+          </a:fillRef>
+          <a:effectRef idx="0">
+            <a:schemeClr val="accent1"/>
+          </a:effectRef>
+          <a:fontRef idx="minor">
+            <a:schemeClr val="tx1"/>
+          </a:fontRef>
+        </p:style>
+      </p:cxnSp>
+      <p:sp>
+        <p:nvSpPr>
+          <p:cNvPr id="19" name="Flowchart: Connector 18"/>
+          <p:cNvSpPr/>
+          <p:nvPr/>
+        </p:nvSpPr>
+        <p:spPr>
+          <a:xfrm>
+            <a:off x="4510086" y="866756"/>
+            <a:ext cx="2214578" cy="857256"/>
+          </a:xfrm>
+          <a:prstGeom prst="flowChartConnector">
+            <a:avLst/>
+          </a:prstGeom>
+        </p:spPr>
+        <p:style>
+          <a:lnRef idx="2">
+            <a:schemeClr val="accent5"/>
+          </a:lnRef>
+          <a:fillRef idx="1">
+            <a:schemeClr val="lt1"/>
+          </a:fillRef>
+          <a:effectRef idx="0">
+            <a:schemeClr val="accent5"/>
+          </a:effectRef>
+          <a:fontRef idx="minor">
+            <a:schemeClr val="dk1"/>
+          </a:fontRef>
+        </p:style>
+        <p:txBody>
+          <a:bodyPr rtlCol="0" anchor="ctr"/>
+          <a:lstStyle/>
+          <a:p>
+            <a:pPr algn="ctr"/>
+            <a:r>
+              <a:rPr lang="en-IN" dirty="0" err="1" smtClean="0">
+                <a:solidFill>
+                  <a:schemeClr val="dk1"/>
+                </a:solidFill>
+              </a:rPr>
+              <a:t>logback</a:t>
+            </a:r>
+            <a:endParaRPr lang="en-IN" dirty="0" smtClean="0">
+              <a:solidFill>
+                <a:schemeClr val="dk1"/>
+              </a:solidFill>
+            </a:endParaRPr>
+          </a:p>
+        </p:txBody>
+      </p:sp>
+      <p:sp>
+        <p:nvSpPr>
+          <p:cNvPr id="22" name="Flowchart: Connector 21"/>
+          <p:cNvSpPr/>
+          <p:nvPr/>
+        </p:nvSpPr>
+        <p:spPr>
+          <a:xfrm>
+            <a:off x="4786314" y="4714884"/>
+            <a:ext cx="2214578" cy="857256"/>
+          </a:xfrm>
+          <a:prstGeom prst="flowChartConnector">
+            <a:avLst/>
+          </a:prstGeom>
+        </p:spPr>
+        <p:style>
+          <a:lnRef idx="2">
+            <a:schemeClr val="accent5"/>
+          </a:lnRef>
+          <a:fillRef idx="1">
+            <a:schemeClr val="lt1"/>
+          </a:fillRef>
+          <a:effectRef idx="0">
+            <a:schemeClr val="accent5"/>
+          </a:effectRef>
+          <a:fontRef idx="minor">
+            <a:schemeClr val="dk1"/>
+          </a:fontRef>
+        </p:style>
+        <p:txBody>
+          <a:bodyPr rtlCol="0" anchor="ctr"/>
+          <a:lstStyle/>
+          <a:p>
+            <a:pPr algn="ctr"/>
+            <a:r>
+              <a:rPr lang="en-IN" dirty="0" smtClean="0">
+                <a:solidFill>
+                  <a:schemeClr val="dk1"/>
+                </a:solidFill>
+              </a:rPr>
+              <a:t>log4j2</a:t>
+            </a:r>
+            <a:endParaRPr lang="en-IN" dirty="0" smtClean="0">
+              <a:solidFill>
+                <a:schemeClr val="dk1"/>
+              </a:solidFill>
+            </a:endParaRPr>
+          </a:p>
+        </p:txBody>
+      </p:sp>
+      <p:cxnSp>
+        <p:nvCxnSpPr>
+          <p:cNvPr id="23" name="Straight Arrow Connector 22"/>
+          <p:cNvCxnSpPr>
+            <a:stCxn id="9" idx="6"/>
+            <a:endCxn id="19" idx="2"/>
+          </p:cNvCxnSpPr>
+          <p:nvPr/>
+        </p:nvCxnSpPr>
+        <p:spPr>
+          <a:xfrm flipV="1">
+            <a:off x="3500430" y="1295384"/>
+            <a:ext cx="1009656" cy="1919302"/>
+          </a:xfrm>
+          <a:prstGeom prst="straightConnector1">
+            <a:avLst/>
+          </a:prstGeom>
+          <a:ln>
+            <a:tailEnd type="arrow"/>
+          </a:ln>
+        </p:spPr>
+        <p:style>
+          <a:lnRef idx="1">
+            <a:schemeClr val="accent1"/>
+          </a:lnRef>
+          <a:fillRef idx="0">
+            <a:schemeClr val="accent1"/>
+          </a:fillRef>
+          <a:effectRef idx="0">
+            <a:schemeClr val="accent1"/>
+          </a:effectRef>
+          <a:fontRef idx="minor">
+            <a:schemeClr val="tx1"/>
+          </a:fontRef>
+        </p:style>
+      </p:cxnSp>
+      <p:cxnSp>
+        <p:nvCxnSpPr>
+          <p:cNvPr id="26" name="Straight Arrow Connector 25"/>
+          <p:cNvCxnSpPr>
+            <a:stCxn id="9" idx="6"/>
+            <a:endCxn id="22" idx="2"/>
+          </p:cNvCxnSpPr>
+          <p:nvPr/>
+        </p:nvCxnSpPr>
+        <p:spPr>
+          <a:xfrm>
+            <a:off x="3500430" y="3214686"/>
+            <a:ext cx="1285884" cy="1928826"/>
+          </a:xfrm>
+          <a:prstGeom prst="straightConnector1">
+            <a:avLst/>
+          </a:prstGeom>
+          <a:ln>
+            <a:tailEnd type="arrow"/>
+          </a:ln>
+        </p:spPr>
+        <p:style>
+          <a:lnRef idx="1">
+            <a:schemeClr val="accent1"/>
+          </a:lnRef>
+          <a:fillRef idx="0">
+            <a:schemeClr val="accent1"/>
+          </a:fillRef>
+          <a:effectRef idx="0">
+            <a:schemeClr val="accent1"/>
+          </a:effectRef>
+          <a:fontRef idx="minor">
+            <a:schemeClr val="tx1"/>
+          </a:fontRef>
+        </p:style>
+      </p:cxnSp>
+    </p:spTree>
+  </p:cSld>
+  <p:clrMapOvr>
+    <a:masterClrMapping/>
+  </p:clrMapOvr>
+</p:sld>
+</file>
+
+<file path=ppt/slides/slide11.xml><?xml version="1.0" encoding="utf-8"?>
+<p:sld xmlns:a="http://schemas.openxmlformats.org/drawingml/2006/main" xmlns:r="http://schemas.openxmlformats.org/officeDocument/2006/relationships" xmlns:p="http://schemas.openxmlformats.org/presentationml/2006/main">
+  <p:cSld>
+    <p:spTree>
+      <p:nvGrpSpPr>
+        <p:cNvPr id="1" name=""/>
+        <p:cNvGrpSpPr/>
+        <p:nvPr/>
+      </p:nvGrpSpPr>
+      <p:grpSpPr>
+        <a:xfrm>
+          <a:off x="0" y="0"/>
+          <a:ext cx="0" cy="0"/>
+          <a:chOff x="0" y="0"/>
+          <a:chExt cx="0" cy="0"/>
+        </a:xfrm>
+      </p:grpSpPr>
+      <p:pic>
+        <p:nvPicPr>
+          <p:cNvPr id="1026" name="Picture 2"/>
+          <p:cNvPicPr>
+            <a:picLocks noChangeAspect="1" noChangeArrowheads="1"/>
+          </p:cNvPicPr>
+          <p:nvPr/>
+        </p:nvPicPr>
+        <p:blipFill>
+          <a:blip r:embed="rId2"/>
+          <a:srcRect/>
+          <a:stretch>
+            <a:fillRect/>
+          </a:stretch>
+        </p:blipFill>
+        <p:spPr bwMode="auto">
+          <a:xfrm>
+            <a:off x="476250" y="123825"/>
+            <a:ext cx="8191500" cy="6610350"/>
+          </a:xfrm>
+          <a:prstGeom prst="rect">
+            <a:avLst/>
+          </a:prstGeom>
+          <a:noFill/>
+          <a:ln w="9525">
+            <a:noFill/>
+            <a:miter lim="800000"/>
+            <a:headEnd/>
+            <a:tailEnd/>
+          </a:ln>
+          <a:effectLst/>
+        </p:spPr>
+      </p:pic>
+    </p:spTree>
+  </p:cSld>
+  <p:clrMapOvr>
+    <a:masterClrMapping/>
+  </p:clrMapOvr>
+</p:sld>
+</file>
+
 <file path=ppt/slides/slide2.xml><?xml version="1.0" encoding="utf-8"?>
 <p:sld xmlns:a="http://schemas.openxmlformats.org/drawingml/2006/main" xmlns:r="http://schemas.openxmlformats.org/officeDocument/2006/relationships" xmlns:p="http://schemas.openxmlformats.org/presentationml/2006/main">
   <p:cSld>
